--- a/slides/divideandconquer.pptx
+++ b/slides/divideandconquer.pptx
@@ -1054,7 +1054,7 @@
             <a:fld id="{7AA5AD8F-F3B0-42A1-BADE-3E121779D997}" type="datetime1">
               <a:rPr lang="en-US" smtClean="0"/>
               <a:pPr/>
-              <a:t>1/7/20</a:t>
+              <a:t>2/6/20</a:t>
             </a:fld>
             <a:endParaRPr lang="en-US"/>
           </a:p>
@@ -1414,7 +1414,7 @@
             <a:fld id="{70B371D5-F170-4574-829E-67713AA2AF8B}" type="datetime1">
               <a:rPr lang="en-US" smtClean="0"/>
               <a:pPr/>
-              <a:t>1/7/20</a:t>
+              <a:t>2/6/20</a:t>
             </a:fld>
             <a:endParaRPr lang="en-US"/>
           </a:p>
@@ -1590,7 +1590,7 @@
             <a:fld id="{41DEAF00-D1FE-4F71-8891-85EEE31B7478}" type="datetime1">
               <a:rPr lang="en-US" smtClean="0"/>
               <a:pPr/>
-              <a:t>1/7/20</a:t>
+              <a:t>2/6/20</a:t>
             </a:fld>
             <a:endParaRPr lang="en-US"/>
           </a:p>
@@ -2127,7 +2127,7 @@
             <a:fld id="{94B9C8BD-ED75-4439-AD6B-9DD62AAFC8D9}" type="datetime1">
               <a:rPr lang="en-US" smtClean="0"/>
               <a:pPr/>
-              <a:t>1/7/20</a:t>
+              <a:t>2/6/20</a:t>
             </a:fld>
             <a:endParaRPr lang="en-US"/>
           </a:p>
@@ -2413,7 +2413,7 @@
             <a:fld id="{ECD93607-5884-4A96-A08B-80229D166DF1}" type="datetime1">
               <a:rPr lang="en-US" smtClean="0"/>
               <a:pPr/>
-              <a:t>1/7/20</a:t>
+              <a:t>2/6/20</a:t>
             </a:fld>
             <a:endParaRPr lang="en-US"/>
           </a:p>
@@ -2634,7 +2634,7 @@
             <a:fld id="{6F102B80-C461-45FB-9371-DFC9B0CCC0E5}" type="datetime1">
               <a:rPr lang="en-US" smtClean="0"/>
               <a:pPr/>
-              <a:t>1/7/20</a:t>
+              <a:t>2/6/20</a:t>
             </a:fld>
             <a:endParaRPr lang="en-US"/>
           </a:p>
@@ -2987,7 +2987,7 @@
             <a:fld id="{EA9CD99D-5207-446B-9DC5-D0DDD2D44051}" type="datetime1">
               <a:rPr lang="en-US" smtClean="0"/>
               <a:pPr/>
-              <a:t>1/7/20</a:t>
+              <a:t>2/6/20</a:t>
             </a:fld>
             <a:endParaRPr lang="en-US"/>
           </a:p>
@@ -3220,7 +3220,7 @@
             <a:fld id="{72673F1E-8F53-44C8-9921-41D9D265AD14}" type="datetime1">
               <a:rPr lang="en-US" smtClean="0"/>
               <a:pPr/>
-              <a:t>1/7/20</a:t>
+              <a:t>2/6/20</a:t>
             </a:fld>
             <a:endParaRPr lang="en-US"/>
           </a:p>
@@ -3362,7 +3362,7 @@
             <a:fld id="{E298527C-C606-48C4-B4D5-2567D6898083}" type="datetime1">
               <a:rPr lang="en-US" smtClean="0"/>
               <a:pPr/>
-              <a:t>1/7/20</a:t>
+              <a:t>2/6/20</a:t>
             </a:fld>
             <a:endParaRPr lang="en-US"/>
           </a:p>
@@ -3640,7 +3640,7 @@
             <a:fld id="{1539330C-42EA-483B-AECF-1BED7029D168}" type="datetime1">
               <a:rPr lang="en-US" smtClean="0"/>
               <a:pPr/>
-              <a:t>1/7/20</a:t>
+              <a:t>2/6/20</a:t>
             </a:fld>
             <a:endParaRPr lang="en-US"/>
           </a:p>
@@ -4048,7 +4048,7 @@
             <a:fld id="{6164C552-CBA0-44FF-B21C-CCB2A0CE4F32}" type="datetime1">
               <a:rPr lang="en-US" smtClean="0"/>
               <a:pPr/>
-              <a:t>1/7/20</a:t>
+              <a:t>2/6/20</a:t>
             </a:fld>
             <a:endParaRPr lang="en-US"/>
           </a:p>
@@ -4387,7 +4387,7 @@
             <a:fld id="{616F3C91-9847-4E06-A788-F916DE9E864B}" type="datetime1">
               <a:rPr lang="en-US" smtClean="0"/>
               <a:pPr/>
-              <a:t>1/7/20</a:t>
+              <a:t>2/6/20</a:t>
             </a:fld>
             <a:endParaRPr lang="en-US"/>
           </a:p>
@@ -6609,51 +6609,59 @@
           <a:lstStyle/>
           <a:p>
             <a:r>
-              <a:rPr lang="en-US"/>
+              <a:rPr lang="en-US" dirty="0"/>
               <a:t>Sometimes it’s the simplest approach</a:t>
             </a:r>
           </a:p>
           <a:p>
             <a:r>
-              <a:rPr lang="en-US"/>
+              <a:rPr lang="en-US" dirty="0"/>
               <a:t>Divide and Conquer is often more efficient than “obvious” approaches</a:t>
             </a:r>
           </a:p>
           <a:p>
             <a:pPr lvl="1"/>
             <a:r>
-              <a:rPr lang="en-US"/>
-              <a:t>E.g. Mergesort, Quicksort</a:t>
-            </a:r>
-          </a:p>
-          <a:p>
-            <a:r>
-              <a:rPr lang="en-US"/>
+              <a:rPr lang="en-US" dirty="0"/>
+              <a:t>E.g. </a:t>
+            </a:r>
+            <a:r>
+              <a:rPr lang="en-US" dirty="0" err="1"/>
+              <a:t>Mergesort</a:t>
+            </a:r>
+            <a:r>
+              <a:rPr lang="en-US" dirty="0"/>
+              <a:t>, Quicksort</a:t>
+            </a:r>
+          </a:p>
+          <a:p>
+            <a:r>
+              <a:rPr lang="en-US" dirty="0"/>
               <a:t>But, not necessarily efficient</a:t>
             </a:r>
           </a:p>
           <a:p>
             <a:pPr lvl="1"/>
             <a:r>
-              <a:rPr lang="en-US"/>
+              <a:rPr lang="en-US" dirty="0"/>
               <a:t>Might be the same or worse than another approach</a:t>
             </a:r>
           </a:p>
           <a:p>
-            <a:endParaRPr lang="en-US"/>
-          </a:p>
-          <a:p>
-            <a:r>
-              <a:rPr lang="en-US"/>
+            <a:endParaRPr lang="en-US" dirty="0"/>
+          </a:p>
+          <a:p>
+            <a:r>
+              <a:rPr lang="en-US" dirty="0"/>
               <a:t>Must analyze cost</a:t>
             </a:r>
           </a:p>
           <a:p>
-            <a:endParaRPr lang="en-US"/>
-          </a:p>
-          <a:p>
-            <a:r>
-              <a:rPr lang="en-US"/>
+            <a:endParaRPr lang="en-US" dirty="0"/>
+          </a:p>
+          <a:p>
+            <a:r>
+              <a:rPr lang="en-US" dirty="0"/>
               <a:t>Note: divide and conquer may or may not be implemented recursively</a:t>
             </a:r>
           </a:p>
@@ -8595,7 +8603,7 @@
           <a:graphicData uri="http://schemas.openxmlformats.org/presentationml/2006/ole">
             <mc:AlternateContent xmlns:mc="http://schemas.openxmlformats.org/markup-compatibility/2006">
               <mc:Choice xmlns:v="urn:schemas-microsoft-com:vml" Requires="v">
-                <p:oleObj spid="_x0000_s38998" name="Photo Editor Photo" r:id="rId6" imgW="7658764" imgH="4031329" progId="">
+                <p:oleObj spid="_x0000_s39000" name="Photo Editor Photo" r:id="rId6" imgW="7658764" imgH="4031329" progId="">
                   <p:embed/>
                 </p:oleObj>
               </mc:Choice>
@@ -8637,14 +8645,14 @@
                       </a:ln>
                       <a:extLst>
                         <a:ext uri="{909E8E84-426E-40dd-AFC4-6F175D3DCCD1}">
-                          <a14:hiddenFill xmlns="" xmlns:a14="http://schemas.microsoft.com/office/drawing/2010/main">
+                          <a14:hiddenFill xmlns:a14="http://schemas.microsoft.com/office/drawing/2010/main" xmlns="">
                             <a:solidFill>
                               <a:schemeClr val="tx1"/>
                             </a:solidFill>
                           </a14:hiddenFill>
                         </a:ext>
                         <a:ext uri="{91240B29-F687-4f45-9708-019B960494DF}">
-                          <a14:hiddenLine xmlns="" xmlns:a14="http://schemas.microsoft.com/office/drawing/2010/main" w="9525">
+                          <a14:hiddenLine xmlns:a14="http://schemas.microsoft.com/office/drawing/2010/main" xmlns="" w="9525">
                             <a:solidFill>
                               <a:schemeClr val="tx1"/>
                             </a:solidFill>
@@ -19867,7 +19875,7 @@
           <a:graphicData uri="http://schemas.openxmlformats.org/presentationml/2006/ole">
             <mc:AlternateContent xmlns:mc="http://schemas.openxmlformats.org/markup-compatibility/2006">
               <mc:Choice xmlns:v="urn:schemas-microsoft-com:vml" Requires="v">
-                <p:oleObj spid="_x0000_s82168" name="Equation" r:id="rId3" imgW="952431" imgH="482278" progId="Equation.3">
+                <p:oleObj spid="_x0000_s82174" name="Equation" r:id="rId3" imgW="952431" imgH="482278" progId="Equation.3">
                   <p:embed/>
                 </p:oleObj>
               </mc:Choice>
@@ -19906,7 +19914,7 @@
                       <a:noFill/>
                       <a:extLst>
                         <a:ext uri="{909E8E84-426E-40dd-AFC4-6F175D3DCCD1}">
-                          <a14:hiddenFill xmlns="" xmlns:a14="http://schemas.microsoft.com/office/drawing/2010/main">
+                          <a14:hiddenFill xmlns:a14="http://schemas.microsoft.com/office/drawing/2010/main" xmlns="">
                             <a:solidFill>
                               <a:srgbClr val="FFFFFF"/>
                             </a:solidFill>
@@ -19937,7 +19945,7 @@
           <a:graphicData uri="http://schemas.openxmlformats.org/presentationml/2006/ole">
             <mc:AlternateContent xmlns:mc="http://schemas.openxmlformats.org/markup-compatibility/2006">
               <mc:Choice xmlns:v="urn:schemas-microsoft-com:vml" Requires="v">
-                <p:oleObj spid="_x0000_s82169" name="Equation" r:id="rId5" imgW="927077" imgH="482278" progId="Equation.3">
+                <p:oleObj spid="_x0000_s82175" name="Equation" r:id="rId5" imgW="927077" imgH="482278" progId="Equation.3">
                   <p:embed/>
                 </p:oleObj>
               </mc:Choice>
@@ -19976,7 +19984,7 @@
                       <a:noFill/>
                       <a:extLst>
                         <a:ext uri="{909E8E84-426E-40dd-AFC4-6F175D3DCCD1}">
-                          <a14:hiddenFill xmlns="" xmlns:a14="http://schemas.microsoft.com/office/drawing/2010/main">
+                          <a14:hiddenFill xmlns:a14="http://schemas.microsoft.com/office/drawing/2010/main" xmlns="">
                             <a:solidFill>
                               <a:srgbClr val="FFFFFF"/>
                             </a:solidFill>
@@ -20007,7 +20015,7 @@
           <a:graphicData uri="http://schemas.openxmlformats.org/presentationml/2006/ole">
             <mc:AlternateContent xmlns:mc="http://schemas.openxmlformats.org/markup-compatibility/2006">
               <mc:Choice xmlns:v="urn:schemas-microsoft-com:vml" Requires="v">
-                <p:oleObj spid="_x0000_s82170" name="Equation" r:id="rId7" imgW="2298401" imgH="482278" progId="Equation.3">
+                <p:oleObj spid="_x0000_s82176" name="Equation" r:id="rId7" imgW="2298401" imgH="482278" progId="Equation.3">
                   <p:embed/>
                 </p:oleObj>
               </mc:Choice>
@@ -20046,7 +20054,7 @@
                       <a:noFill/>
                       <a:extLst>
                         <a:ext uri="{909E8E84-426E-40dd-AFC4-6F175D3DCCD1}">
-                          <a14:hiddenFill xmlns="" xmlns:a14="http://schemas.microsoft.com/office/drawing/2010/main">
+                          <a14:hiddenFill xmlns:a14="http://schemas.microsoft.com/office/drawing/2010/main" xmlns="">
                             <a:solidFill>
                               <a:srgbClr val="FFFFFF"/>
                             </a:solidFill>
@@ -20388,7 +20396,7 @@
           <a:graphicData uri="http://schemas.openxmlformats.org/presentationml/2006/ole">
             <mc:AlternateContent xmlns:mc="http://schemas.openxmlformats.org/markup-compatibility/2006">
               <mc:Choice xmlns:v="urn:schemas-microsoft-com:vml" Requires="v">
-                <p:oleObj spid="_x0000_s83111" name="Equation" r:id="rId3" imgW="1625416" imgH="1600062" progId="Equation.3">
+                <p:oleObj spid="_x0000_s83115" name="Equation" r:id="rId3" imgW="1625416" imgH="1600062" progId="Equation.3">
                   <p:embed/>
                 </p:oleObj>
               </mc:Choice>
@@ -20427,7 +20435,7 @@
                       <a:noFill/>
                       <a:extLst>
                         <a:ext uri="{909E8E84-426E-40dd-AFC4-6F175D3DCCD1}">
-                          <a14:hiddenFill xmlns="" xmlns:a14="http://schemas.microsoft.com/office/drawing/2010/main">
+                          <a14:hiddenFill xmlns:a14="http://schemas.microsoft.com/office/drawing/2010/main" xmlns="">
                             <a:solidFill>
                               <a:srgbClr val="FFFFFF"/>
                             </a:solidFill>
@@ -20458,7 +20466,7 @@
           <a:graphicData uri="http://schemas.openxmlformats.org/presentationml/2006/ole">
             <mc:AlternateContent xmlns:mc="http://schemas.openxmlformats.org/markup-compatibility/2006">
               <mc:Choice xmlns:v="urn:schemas-microsoft-com:vml" Requires="v">
-                <p:oleObj spid="_x0000_s83112" name="Equation" r:id="rId5" imgW="2565170" imgH="965108" progId="Equation.3">
+                <p:oleObj spid="_x0000_s83116" name="Equation" r:id="rId5" imgW="2565170" imgH="965108" progId="Equation.3">
                   <p:embed/>
                 </p:oleObj>
               </mc:Choice>
@@ -20497,7 +20505,7 @@
                       <a:noFill/>
                       <a:extLst>
                         <a:ext uri="{909E8E84-426E-40dd-AFC4-6F175D3DCCD1}">
-                          <a14:hiddenFill xmlns="" xmlns:a14="http://schemas.microsoft.com/office/drawing/2010/main">
+                          <a14:hiddenFill xmlns:a14="http://schemas.microsoft.com/office/drawing/2010/main" xmlns="">
                             <a:solidFill>
                               <a:srgbClr val="FFFFFF"/>
                             </a:solidFill>

--- a/slides/divideandconquer.pptx
+++ b/slides/divideandconquer.pptx
@@ -1054,7 +1054,7 @@
             <a:fld id="{7AA5AD8F-F3B0-42A1-BADE-3E121779D997}" type="datetime1">
               <a:rPr lang="en-US" smtClean="0"/>
               <a:pPr/>
-              <a:t>2/6/20</a:t>
+              <a:t>2/21/20</a:t>
             </a:fld>
             <a:endParaRPr lang="en-US"/>
           </a:p>
@@ -1414,7 +1414,7 @@
             <a:fld id="{70B371D5-F170-4574-829E-67713AA2AF8B}" type="datetime1">
               <a:rPr lang="en-US" smtClean="0"/>
               <a:pPr/>
-              <a:t>2/6/20</a:t>
+              <a:t>2/21/20</a:t>
             </a:fld>
             <a:endParaRPr lang="en-US"/>
           </a:p>
@@ -1590,7 +1590,7 @@
             <a:fld id="{41DEAF00-D1FE-4F71-8891-85EEE31B7478}" type="datetime1">
               <a:rPr lang="en-US" smtClean="0"/>
               <a:pPr/>
-              <a:t>2/6/20</a:t>
+              <a:t>2/21/20</a:t>
             </a:fld>
             <a:endParaRPr lang="en-US"/>
           </a:p>
@@ -2127,7 +2127,7 @@
             <a:fld id="{94B9C8BD-ED75-4439-AD6B-9DD62AAFC8D9}" type="datetime1">
               <a:rPr lang="en-US" smtClean="0"/>
               <a:pPr/>
-              <a:t>2/6/20</a:t>
+              <a:t>2/21/20</a:t>
             </a:fld>
             <a:endParaRPr lang="en-US"/>
           </a:p>
@@ -2413,7 +2413,7 @@
             <a:fld id="{ECD93607-5884-4A96-A08B-80229D166DF1}" type="datetime1">
               <a:rPr lang="en-US" smtClean="0"/>
               <a:pPr/>
-              <a:t>2/6/20</a:t>
+              <a:t>2/21/20</a:t>
             </a:fld>
             <a:endParaRPr lang="en-US"/>
           </a:p>
@@ -2634,7 +2634,7 @@
             <a:fld id="{6F102B80-C461-45FB-9371-DFC9B0CCC0E5}" type="datetime1">
               <a:rPr lang="en-US" smtClean="0"/>
               <a:pPr/>
-              <a:t>2/6/20</a:t>
+              <a:t>2/21/20</a:t>
             </a:fld>
             <a:endParaRPr lang="en-US"/>
           </a:p>
@@ -2987,7 +2987,7 @@
             <a:fld id="{EA9CD99D-5207-446B-9DC5-D0DDD2D44051}" type="datetime1">
               <a:rPr lang="en-US" smtClean="0"/>
               <a:pPr/>
-              <a:t>2/6/20</a:t>
+              <a:t>2/21/20</a:t>
             </a:fld>
             <a:endParaRPr lang="en-US"/>
           </a:p>
@@ -3220,7 +3220,7 @@
             <a:fld id="{72673F1E-8F53-44C8-9921-41D9D265AD14}" type="datetime1">
               <a:rPr lang="en-US" smtClean="0"/>
               <a:pPr/>
-              <a:t>2/6/20</a:t>
+              <a:t>2/21/20</a:t>
             </a:fld>
             <a:endParaRPr lang="en-US"/>
           </a:p>
@@ -3362,7 +3362,7 @@
             <a:fld id="{E298527C-C606-48C4-B4D5-2567D6898083}" type="datetime1">
               <a:rPr lang="en-US" smtClean="0"/>
               <a:pPr/>
-              <a:t>2/6/20</a:t>
+              <a:t>2/21/20</a:t>
             </a:fld>
             <a:endParaRPr lang="en-US"/>
           </a:p>
@@ -3640,7 +3640,7 @@
             <a:fld id="{1539330C-42EA-483B-AECF-1BED7029D168}" type="datetime1">
               <a:rPr lang="en-US" smtClean="0"/>
               <a:pPr/>
-              <a:t>2/6/20</a:t>
+              <a:t>2/21/20</a:t>
             </a:fld>
             <a:endParaRPr lang="en-US"/>
           </a:p>
@@ -4048,7 +4048,7 @@
             <a:fld id="{6164C552-CBA0-44FF-B21C-CCB2A0CE4F32}" type="datetime1">
               <a:rPr lang="en-US" smtClean="0"/>
               <a:pPr/>
-              <a:t>2/6/20</a:t>
+              <a:t>2/21/20</a:t>
             </a:fld>
             <a:endParaRPr lang="en-US"/>
           </a:p>
@@ -4387,7 +4387,7 @@
             <a:fld id="{616F3C91-9847-4E06-A788-F916DE9E864B}" type="datetime1">
               <a:rPr lang="en-US" smtClean="0"/>
               <a:pPr/>
-              <a:t>2/6/20</a:t>
+              <a:t>2/21/20</a:t>
             </a:fld>
             <a:endParaRPr lang="en-US"/>
           </a:p>
@@ -8603,7 +8603,7 @@
           <a:graphicData uri="http://schemas.openxmlformats.org/presentationml/2006/ole">
             <mc:AlternateContent xmlns:mc="http://schemas.openxmlformats.org/markup-compatibility/2006">
               <mc:Choice xmlns:v="urn:schemas-microsoft-com:vml" Requires="v">
-                <p:oleObj spid="_x0000_s39000" name="Photo Editor Photo" r:id="rId6" imgW="7658764" imgH="4031329" progId="">
+                <p:oleObj spid="_x0000_s39001" name="Photo Editor Photo" r:id="rId6" imgW="7658764" imgH="4031329" progId="">
                   <p:embed/>
                 </p:oleObj>
               </mc:Choice>
@@ -8645,14 +8645,14 @@
                       </a:ln>
                       <a:extLst>
                         <a:ext uri="{909E8E84-426E-40dd-AFC4-6F175D3DCCD1}">
-                          <a14:hiddenFill xmlns:a14="http://schemas.microsoft.com/office/drawing/2010/main" xmlns="">
+                          <a14:hiddenFill xmlns="" xmlns:a14="http://schemas.microsoft.com/office/drawing/2010/main">
                             <a:solidFill>
                               <a:schemeClr val="tx1"/>
                             </a:solidFill>
                           </a14:hiddenFill>
                         </a:ext>
                         <a:ext uri="{91240B29-F687-4f45-9708-019B960494DF}">
-                          <a14:hiddenLine xmlns:a14="http://schemas.microsoft.com/office/drawing/2010/main" xmlns="" w="9525">
+                          <a14:hiddenLine xmlns="" xmlns:a14="http://schemas.microsoft.com/office/drawing/2010/main" w="9525">
                             <a:solidFill>
                               <a:schemeClr val="tx1"/>
                             </a:solidFill>
@@ -19875,7 +19875,7 @@
           <a:graphicData uri="http://schemas.openxmlformats.org/presentationml/2006/ole">
             <mc:AlternateContent xmlns:mc="http://schemas.openxmlformats.org/markup-compatibility/2006">
               <mc:Choice xmlns:v="urn:schemas-microsoft-com:vml" Requires="v">
-                <p:oleObj spid="_x0000_s82174" name="Equation" r:id="rId3" imgW="952431" imgH="482278" progId="Equation.3">
+                <p:oleObj spid="_x0000_s82177" name="Equation" r:id="rId3" imgW="952431" imgH="482278" progId="Equation.3">
                   <p:embed/>
                 </p:oleObj>
               </mc:Choice>
@@ -19914,7 +19914,7 @@
                       <a:noFill/>
                       <a:extLst>
                         <a:ext uri="{909E8E84-426E-40dd-AFC4-6F175D3DCCD1}">
-                          <a14:hiddenFill xmlns:a14="http://schemas.microsoft.com/office/drawing/2010/main" xmlns="">
+                          <a14:hiddenFill xmlns="" xmlns:a14="http://schemas.microsoft.com/office/drawing/2010/main">
                             <a:solidFill>
                               <a:srgbClr val="FFFFFF"/>
                             </a:solidFill>
@@ -19945,7 +19945,7 @@
           <a:graphicData uri="http://schemas.openxmlformats.org/presentationml/2006/ole">
             <mc:AlternateContent xmlns:mc="http://schemas.openxmlformats.org/markup-compatibility/2006">
               <mc:Choice xmlns:v="urn:schemas-microsoft-com:vml" Requires="v">
-                <p:oleObj spid="_x0000_s82175" name="Equation" r:id="rId5" imgW="927077" imgH="482278" progId="Equation.3">
+                <p:oleObj spid="_x0000_s82178" name="Equation" r:id="rId5" imgW="927077" imgH="482278" progId="Equation.3">
                   <p:embed/>
                 </p:oleObj>
               </mc:Choice>
@@ -19984,7 +19984,7 @@
                       <a:noFill/>
                       <a:extLst>
                         <a:ext uri="{909E8E84-426E-40dd-AFC4-6F175D3DCCD1}">
-                          <a14:hiddenFill xmlns:a14="http://schemas.microsoft.com/office/drawing/2010/main" xmlns="">
+                          <a14:hiddenFill xmlns="" xmlns:a14="http://schemas.microsoft.com/office/drawing/2010/main">
                             <a:solidFill>
                               <a:srgbClr val="FFFFFF"/>
                             </a:solidFill>
@@ -20015,7 +20015,7 @@
           <a:graphicData uri="http://schemas.openxmlformats.org/presentationml/2006/ole">
             <mc:AlternateContent xmlns:mc="http://schemas.openxmlformats.org/markup-compatibility/2006">
               <mc:Choice xmlns:v="urn:schemas-microsoft-com:vml" Requires="v">
-                <p:oleObj spid="_x0000_s82176" name="Equation" r:id="rId7" imgW="2298401" imgH="482278" progId="Equation.3">
+                <p:oleObj spid="_x0000_s82179" name="Equation" r:id="rId7" imgW="2298401" imgH="482278" progId="Equation.3">
                   <p:embed/>
                 </p:oleObj>
               </mc:Choice>
@@ -20054,7 +20054,7 @@
                       <a:noFill/>
                       <a:extLst>
                         <a:ext uri="{909E8E84-426E-40dd-AFC4-6F175D3DCCD1}">
-                          <a14:hiddenFill xmlns:a14="http://schemas.microsoft.com/office/drawing/2010/main" xmlns="">
+                          <a14:hiddenFill xmlns="" xmlns:a14="http://schemas.microsoft.com/office/drawing/2010/main">
                             <a:solidFill>
                               <a:srgbClr val="FFFFFF"/>
                             </a:solidFill>
@@ -20396,7 +20396,7 @@
           <a:graphicData uri="http://schemas.openxmlformats.org/presentationml/2006/ole">
             <mc:AlternateContent xmlns:mc="http://schemas.openxmlformats.org/markup-compatibility/2006">
               <mc:Choice xmlns:v="urn:schemas-microsoft-com:vml" Requires="v">
-                <p:oleObj spid="_x0000_s83115" name="Equation" r:id="rId3" imgW="1625416" imgH="1600062" progId="Equation.3">
+                <p:oleObj spid="_x0000_s83117" name="Equation" r:id="rId3" imgW="1625416" imgH="1600062" progId="Equation.3">
                   <p:embed/>
                 </p:oleObj>
               </mc:Choice>
@@ -20435,7 +20435,7 @@
                       <a:noFill/>
                       <a:extLst>
                         <a:ext uri="{909E8E84-426E-40dd-AFC4-6F175D3DCCD1}">
-                          <a14:hiddenFill xmlns:a14="http://schemas.microsoft.com/office/drawing/2010/main" xmlns="">
+                          <a14:hiddenFill xmlns="" xmlns:a14="http://schemas.microsoft.com/office/drawing/2010/main">
                             <a:solidFill>
                               <a:srgbClr val="FFFFFF"/>
                             </a:solidFill>
@@ -20466,7 +20466,7 @@
           <a:graphicData uri="http://schemas.openxmlformats.org/presentationml/2006/ole">
             <mc:AlternateContent xmlns:mc="http://schemas.openxmlformats.org/markup-compatibility/2006">
               <mc:Choice xmlns:v="urn:schemas-microsoft-com:vml" Requires="v">
-                <p:oleObj spid="_x0000_s83116" name="Equation" r:id="rId5" imgW="2565170" imgH="965108" progId="Equation.3">
+                <p:oleObj spid="_x0000_s83118" name="Equation" r:id="rId5" imgW="2565170" imgH="965108" progId="Equation.3">
                   <p:embed/>
                 </p:oleObj>
               </mc:Choice>
@@ -20505,7 +20505,7 @@
                       <a:noFill/>
                       <a:extLst>
                         <a:ext uri="{909E8E84-426E-40dd-AFC4-6F175D3DCCD1}">
-                          <a14:hiddenFill xmlns:a14="http://schemas.microsoft.com/office/drawing/2010/main" xmlns="">
+                          <a14:hiddenFill xmlns="" xmlns:a14="http://schemas.microsoft.com/office/drawing/2010/main">
                             <a:solidFill>
                               <a:srgbClr val="FFFFFF"/>
                             </a:solidFill>

--- a/slides/divideandconquer.pptx
+++ b/slides/divideandconquer.pptx
@@ -5,10 +5,10 @@
     <p:sldMasterId id="2147483705" r:id="rId1"/>
   </p:sldMasterIdLst>
   <p:notesMasterIdLst>
-    <p:notesMasterId r:id="rId60"/>
+    <p:notesMasterId r:id="rId61"/>
   </p:notesMasterIdLst>
   <p:handoutMasterIdLst>
-    <p:handoutMasterId r:id="rId61"/>
+    <p:handoutMasterId r:id="rId62"/>
   </p:handoutMasterIdLst>
   <p:sldIdLst>
     <p:sldId id="512" r:id="rId2"/>
@@ -49,31 +49,32 @@
     <p:sldId id="530" r:id="rId37"/>
     <p:sldId id="563" r:id="rId38"/>
     <p:sldId id="574" r:id="rId39"/>
-    <p:sldId id="564" r:id="rId40"/>
-    <p:sldId id="567" r:id="rId41"/>
-    <p:sldId id="566" r:id="rId42"/>
-    <p:sldId id="569" r:id="rId43"/>
-    <p:sldId id="568" r:id="rId44"/>
-    <p:sldId id="535" r:id="rId45"/>
-    <p:sldId id="546" r:id="rId46"/>
-    <p:sldId id="523" r:id="rId47"/>
-    <p:sldId id="524" r:id="rId48"/>
-    <p:sldId id="525" r:id="rId49"/>
-    <p:sldId id="526" r:id="rId50"/>
-    <p:sldId id="527" r:id="rId51"/>
-    <p:sldId id="543" r:id="rId52"/>
-    <p:sldId id="536" r:id="rId53"/>
-    <p:sldId id="558" r:id="rId54"/>
-    <p:sldId id="559" r:id="rId55"/>
-    <p:sldId id="560" r:id="rId56"/>
-    <p:sldId id="537" r:id="rId57"/>
-    <p:sldId id="544" r:id="rId58"/>
-    <p:sldId id="538" r:id="rId59"/>
+    <p:sldId id="578" r:id="rId40"/>
+    <p:sldId id="564" r:id="rId41"/>
+    <p:sldId id="567" r:id="rId42"/>
+    <p:sldId id="566" r:id="rId43"/>
+    <p:sldId id="569" r:id="rId44"/>
+    <p:sldId id="568" r:id="rId45"/>
+    <p:sldId id="535" r:id="rId46"/>
+    <p:sldId id="546" r:id="rId47"/>
+    <p:sldId id="523" r:id="rId48"/>
+    <p:sldId id="524" r:id="rId49"/>
+    <p:sldId id="525" r:id="rId50"/>
+    <p:sldId id="526" r:id="rId51"/>
+    <p:sldId id="527" r:id="rId52"/>
+    <p:sldId id="543" r:id="rId53"/>
+    <p:sldId id="536" r:id="rId54"/>
+    <p:sldId id="558" r:id="rId55"/>
+    <p:sldId id="559" r:id="rId56"/>
+    <p:sldId id="560" r:id="rId57"/>
+    <p:sldId id="537" r:id="rId58"/>
+    <p:sldId id="544" r:id="rId59"/>
+    <p:sldId id="538" r:id="rId60"/>
   </p:sldIdLst>
   <p:sldSz cx="9144000" cy="6858000" type="screen4x3"/>
   <p:notesSz cx="7315200" cy="9601200"/>
   <p:custDataLst>
-    <p:tags r:id="rId62"/>
+    <p:tags r:id="rId63"/>
   </p:custDataLst>
   <p:defaultTextStyle>
     <a:defPPr>
@@ -1054,7 +1055,7 @@
             <a:fld id="{7AA5AD8F-F3B0-42A1-BADE-3E121779D997}" type="datetime1">
               <a:rPr lang="en-US" smtClean="0"/>
               <a:pPr/>
-              <a:t>2/21/20</a:t>
+              <a:t>2/24/20</a:t>
             </a:fld>
             <a:endParaRPr lang="en-US"/>
           </a:p>
@@ -1414,7 +1415,7 @@
             <a:fld id="{70B371D5-F170-4574-829E-67713AA2AF8B}" type="datetime1">
               <a:rPr lang="en-US" smtClean="0"/>
               <a:pPr/>
-              <a:t>2/21/20</a:t>
+              <a:t>2/24/20</a:t>
             </a:fld>
             <a:endParaRPr lang="en-US"/>
           </a:p>
@@ -1590,7 +1591,7 @@
             <a:fld id="{41DEAF00-D1FE-4F71-8891-85EEE31B7478}" type="datetime1">
               <a:rPr lang="en-US" smtClean="0"/>
               <a:pPr/>
-              <a:t>2/21/20</a:t>
+              <a:t>2/24/20</a:t>
             </a:fld>
             <a:endParaRPr lang="en-US"/>
           </a:p>
@@ -2127,7 +2128,7 @@
             <a:fld id="{94B9C8BD-ED75-4439-AD6B-9DD62AAFC8D9}" type="datetime1">
               <a:rPr lang="en-US" smtClean="0"/>
               <a:pPr/>
-              <a:t>2/21/20</a:t>
+              <a:t>2/24/20</a:t>
             </a:fld>
             <a:endParaRPr lang="en-US"/>
           </a:p>
@@ -2413,7 +2414,7 @@
             <a:fld id="{ECD93607-5884-4A96-A08B-80229D166DF1}" type="datetime1">
               <a:rPr lang="en-US" smtClean="0"/>
               <a:pPr/>
-              <a:t>2/21/20</a:t>
+              <a:t>2/24/20</a:t>
             </a:fld>
             <a:endParaRPr lang="en-US"/>
           </a:p>
@@ -2634,7 +2635,7 @@
             <a:fld id="{6F102B80-C461-45FB-9371-DFC9B0CCC0E5}" type="datetime1">
               <a:rPr lang="en-US" smtClean="0"/>
               <a:pPr/>
-              <a:t>2/21/20</a:t>
+              <a:t>2/24/20</a:t>
             </a:fld>
             <a:endParaRPr lang="en-US"/>
           </a:p>
@@ -2987,7 +2988,7 @@
             <a:fld id="{EA9CD99D-5207-446B-9DC5-D0DDD2D44051}" type="datetime1">
               <a:rPr lang="en-US" smtClean="0"/>
               <a:pPr/>
-              <a:t>2/21/20</a:t>
+              <a:t>2/24/20</a:t>
             </a:fld>
             <a:endParaRPr lang="en-US"/>
           </a:p>
@@ -3220,7 +3221,7 @@
             <a:fld id="{72673F1E-8F53-44C8-9921-41D9D265AD14}" type="datetime1">
               <a:rPr lang="en-US" smtClean="0"/>
               <a:pPr/>
-              <a:t>2/21/20</a:t>
+              <a:t>2/24/20</a:t>
             </a:fld>
             <a:endParaRPr lang="en-US"/>
           </a:p>
@@ -3362,7 +3363,7 @@
             <a:fld id="{E298527C-C606-48C4-B4D5-2567D6898083}" type="datetime1">
               <a:rPr lang="en-US" smtClean="0"/>
               <a:pPr/>
-              <a:t>2/21/20</a:t>
+              <a:t>2/24/20</a:t>
             </a:fld>
             <a:endParaRPr lang="en-US"/>
           </a:p>
@@ -3640,7 +3641,7 @@
             <a:fld id="{1539330C-42EA-483B-AECF-1BED7029D168}" type="datetime1">
               <a:rPr lang="en-US" smtClean="0"/>
               <a:pPr/>
-              <a:t>2/21/20</a:t>
+              <a:t>2/24/20</a:t>
             </a:fld>
             <a:endParaRPr lang="en-US"/>
           </a:p>
@@ -4048,7 +4049,7 @@
             <a:fld id="{6164C552-CBA0-44FF-B21C-CCB2A0CE4F32}" type="datetime1">
               <a:rPr lang="en-US" smtClean="0"/>
               <a:pPr/>
-              <a:t>2/21/20</a:t>
+              <a:t>2/24/20</a:t>
             </a:fld>
             <a:endParaRPr lang="en-US"/>
           </a:p>
@@ -4387,7 +4388,7 @@
             <a:fld id="{616F3C91-9847-4E06-A788-F916DE9E864B}" type="datetime1">
               <a:rPr lang="en-US" smtClean="0"/>
               <a:pPr/>
-              <a:t>2/21/20</a:t>
+              <a:t>2/24/20</a:t>
             </a:fld>
             <a:endParaRPr lang="en-US"/>
           </a:p>
@@ -8603,7 +8604,7 @@
           <a:graphicData uri="http://schemas.openxmlformats.org/presentationml/2006/ole">
             <mc:AlternateContent xmlns:mc="http://schemas.openxmlformats.org/markup-compatibility/2006">
               <mc:Choice xmlns:v="urn:schemas-microsoft-com:vml" Requires="v">
-                <p:oleObj spid="_x0000_s39001" name="Photo Editor Photo" r:id="rId6" imgW="7658764" imgH="4031329" progId="">
+                <p:oleObj spid="_x0000_s39004" name="Photo Editor Photo" r:id="rId6" imgW="7658764" imgH="4031329" progId="">
                   <p:embed/>
                 </p:oleObj>
               </mc:Choice>
@@ -8645,14 +8646,14 @@
                       </a:ln>
                       <a:extLst>
                         <a:ext uri="{909E8E84-426E-40dd-AFC4-6F175D3DCCD1}">
-                          <a14:hiddenFill xmlns="" xmlns:a14="http://schemas.microsoft.com/office/drawing/2010/main">
+                          <a14:hiddenFill xmlns:a14="http://schemas.microsoft.com/office/drawing/2010/main" xmlns="">
                             <a:solidFill>
                               <a:schemeClr val="tx1"/>
                             </a:solidFill>
                           </a14:hiddenFill>
                         </a:ext>
                         <a:ext uri="{91240B29-F687-4f45-9708-019B960494DF}">
-                          <a14:hiddenLine xmlns="" xmlns:a14="http://schemas.microsoft.com/office/drawing/2010/main" w="9525">
+                          <a14:hiddenLine xmlns:a14="http://schemas.microsoft.com/office/drawing/2010/main" xmlns="" w="9525">
                             <a:solidFill>
                               <a:schemeClr val="tx1"/>
                             </a:solidFill>
@@ -12782,7 +12783,7 @@
         <p:spPr/>
         <p:txBody>
           <a:bodyPr>
-            <a:normAutofit fontScale="92500"/>
+            <a:normAutofit fontScale="92500" lnSpcReduction="10000"/>
           </a:bodyPr>
           <a:lstStyle/>
           <a:p>
@@ -12830,71 +12831,75 @@
           <a:p>
             <a:r>
               <a:rPr lang="en-US" dirty="0"/>
-              <a:t>Main Recurrence Theorem: </a:t>
+              <a:t>Master Theorem (Case 3): </a:t>
             </a:r>
           </a:p>
           <a:p>
             <a:pPr lvl="1"/>
             <a:r>
               <a:rPr lang="en-US" dirty="0"/>
-              <a:t>a ? </a:t>
+              <a:t>k = log</a:t>
+            </a:r>
+            <a:r>
+              <a:rPr lang="en-US" baseline="-25000" dirty="0"/>
+              <a:t>2</a:t>
+            </a:r>
+            <a:r>
+              <a:rPr lang="en-US" dirty="0"/>
+              <a:t>(2) = 1</a:t>
+            </a:r>
+          </a:p>
+          <a:p>
+            <a:pPr lvl="1"/>
+            <a:r>
+              <a:rPr lang="en-US" dirty="0"/>
+              <a:t>f(n) = n</a:t>
+            </a:r>
+            <a:r>
+              <a:rPr lang="en-US" baseline="30000" dirty="0"/>
+              <a:t>2</a:t>
+            </a:r>
+            <a:r>
+              <a:rPr lang="en-US" dirty="0"/>
+              <a:t> = Omega(</a:t>
             </a:r>
             <a:r>
               <a:rPr lang="en-US" dirty="0" err="1"/>
-              <a:t>b</a:t>
+              <a:t>n</a:t>
             </a:r>
             <a:r>
               <a:rPr lang="en-US" baseline="30000" dirty="0" err="1"/>
               <a:t>k</a:t>
             </a:r>
             <a:r>
-              <a:rPr lang="en-US" dirty="0"/>
-              <a:t>		2 &lt; 4</a:t>
+              <a:rPr lang="en-US" baseline="30000" dirty="0"/>
+              <a:t>=1</a:t>
+            </a:r>
+            <a:r>
+              <a:rPr lang="en-US" dirty="0"/>
+              <a:t>)</a:t>
             </a:r>
           </a:p>
           <a:p>
             <a:pPr lvl="1"/>
             <a:r>
               <a:rPr lang="en-US" dirty="0"/>
-              <a:t>a &lt; </a:t>
-            </a:r>
-            <a:r>
-              <a:rPr lang="en-US" dirty="0" err="1"/>
-              <a:t>b</a:t>
-            </a:r>
-            <a:r>
-              <a:rPr lang="en-US" baseline="30000" dirty="0" err="1"/>
-              <a:t>k</a:t>
-            </a:r>
-            <a:r>
-              <a:rPr lang="en-US" dirty="0"/>
-              <a:t> 	yields	</a:t>
-            </a:r>
-            <a:r>
-              <a:rPr lang="en-US" dirty="0">
-                <a:sym typeface="Symbol" charset="2"/>
-              </a:rPr>
-              <a:t> (</a:t>
-            </a:r>
-            <a:r>
-              <a:rPr lang="en-US" dirty="0" err="1">
-                <a:sym typeface="Symbol" charset="2"/>
-              </a:rPr>
-              <a:t>n</a:t>
-            </a:r>
-            <a:r>
-              <a:rPr lang="en-US" baseline="30000" dirty="0" err="1"/>
-              <a:t>k</a:t>
-            </a:r>
-            <a:r>
-              <a:rPr lang="en-US" dirty="0">
-                <a:sym typeface="Symbol" charset="2"/>
-              </a:rPr>
-              <a:t>)</a:t>
-            </a:r>
-          </a:p>
-          <a:p>
-            <a:pPr lvl="1"/>
+              <a:t>2f(n/2) &lt;= c*f(n) =&gt; n</a:t>
+            </a:r>
+            <a:r>
+              <a:rPr lang="en-US" baseline="30000" dirty="0"/>
+              <a:t>2 </a:t>
+            </a:r>
+            <a:r>
+              <a:rPr lang="en-US" dirty="0"/>
+              <a:t>/ 2 &lt;= c*n</a:t>
+            </a:r>
+            <a:r>
+              <a:rPr lang="en-US" baseline="30000" dirty="0"/>
+              <a:t>2. </a:t>
+            </a:r>
+          </a:p>
+          <a:p>
             <a:endParaRPr lang="en-US" dirty="0">
               <a:sym typeface="Symbol" charset="2"/>
             </a:endParaRPr>
@@ -12904,7 +12909,7 @@
               <a:rPr lang="en-US" dirty="0">
                 <a:sym typeface="Symbol" charset="2"/>
               </a:rPr>
-              <a:t>Thus, our runtime is </a:t>
+              <a:t>Case 3: Our runtime is </a:t>
             </a:r>
             <a:r>
               <a:rPr lang="en-US" b="1" dirty="0">
@@ -12988,7 +12993,7 @@
           <a:p>
             <a:r>
               <a:rPr lang="en-US" dirty="0"/>
-              <a:t>Fixing our algorithm:</a:t>
+              <a:t>Our Recurrence:</a:t>
             </a:r>
           </a:p>
         </p:txBody>
@@ -13012,6 +13017,370 @@
               <a:rPr lang="en-US" smtClean="0"/>
               <a:pPr/>
               <a:t>39</a:t>
+            </a:fld>
+            <a:endParaRPr lang="en-US"/>
+          </a:p>
+        </p:txBody>
+      </p:sp>
+      <p:sp>
+        <p:nvSpPr>
+          <p:cNvPr id="4" name="Content Placeholder 3"/>
+          <p:cNvSpPr>
+            <a:spLocks noGrp="1"/>
+          </p:cNvSpPr>
+          <p:nvPr>
+            <p:ph sz="quarter" idx="1"/>
+          </p:nvPr>
+        </p:nvSpPr>
+        <p:spPr/>
+        <p:txBody>
+          <a:bodyPr>
+            <a:normAutofit/>
+          </a:bodyPr>
+          <a:lstStyle/>
+          <a:p>
+            <a:r>
+              <a:rPr lang="en-US" dirty="0"/>
+              <a:t>T(n) = 2 * T(n/2) + n</a:t>
+            </a:r>
+            <a:r>
+              <a:rPr lang="en-US" baseline="30000" dirty="0"/>
+              <a:t>2</a:t>
+            </a:r>
+          </a:p>
+          <a:p>
+            <a:endParaRPr lang="en-US" dirty="0"/>
+          </a:p>
+          <a:p>
+            <a:r>
+              <a:rPr lang="en-US" dirty="0"/>
+              <a:t>How to make this faster?</a:t>
+            </a:r>
+          </a:p>
+          <a:p>
+            <a:r>
+              <a:rPr lang="en-US" dirty="0"/>
+              <a:t>One solution:</a:t>
+            </a:r>
+          </a:p>
+          <a:p>
+            <a:pPr lvl="1"/>
+            <a:r>
+              <a:rPr lang="en-US" dirty="0"/>
+              <a:t>Get f(n) down to </a:t>
+            </a:r>
+            <a:r>
+              <a:rPr lang="en-US" dirty="0" err="1"/>
+              <a:t>nlogn</a:t>
+            </a:r>
+            <a:r>
+              <a:rPr lang="en-US" dirty="0"/>
+              <a:t> or linear time. Would change recurrence.</a:t>
+            </a:r>
+          </a:p>
+          <a:p>
+            <a:pPr lvl="1"/>
+            <a:r>
+              <a:rPr lang="en-US" dirty="0"/>
+              <a:t>Specifically, if we can get to linear time then recurrence matches </a:t>
+            </a:r>
+            <a:r>
+              <a:rPr lang="en-US" dirty="0" err="1"/>
+              <a:t>mergesort</a:t>
+            </a:r>
+            <a:endParaRPr lang="en-US" dirty="0"/>
+          </a:p>
+          <a:p>
+            <a:pPr lvl="1"/>
+            <a:r>
+              <a:rPr lang="en-US" dirty="0"/>
+              <a:t>T(n) = 2 * T(n/2) + n</a:t>
+            </a:r>
+            <a:r>
+              <a:rPr lang="en-US" baseline="30000" dirty="0"/>
+              <a:t> </a:t>
+            </a:r>
+            <a:r>
+              <a:rPr lang="en-US" dirty="0"/>
+              <a:t> is Theta(</a:t>
+            </a:r>
+            <a:r>
+              <a:rPr lang="en-US" dirty="0" err="1"/>
+              <a:t>nlogn</a:t>
+            </a:r>
+            <a:r>
+              <a:rPr lang="en-US" dirty="0"/>
+              <a:t>)</a:t>
+            </a:r>
+          </a:p>
+          <a:p>
+            <a:pPr lvl="1"/>
+            <a:endParaRPr lang="en-US" baseline="30000" dirty="0"/>
+          </a:p>
+          <a:p>
+            <a:r>
+              <a:rPr lang="en-US" dirty="0"/>
+              <a:t>GOAL: Get combine time down </a:t>
+            </a:r>
+            <a:r>
+              <a:rPr lang="en-US"/>
+              <a:t>to linear time</a:t>
+            </a:r>
+            <a:endParaRPr lang="en-US" dirty="0"/>
+          </a:p>
+          <a:p>
+            <a:endParaRPr lang="en-US" baseline="30000" dirty="0"/>
+          </a:p>
+          <a:p>
+            <a:pPr lvl="1"/>
+            <a:endParaRPr lang="en-US" dirty="0"/>
+          </a:p>
+        </p:txBody>
+      </p:sp>
+    </p:spTree>
+    <p:extLst>
+      <p:ext uri="{BB962C8B-B14F-4D97-AF65-F5344CB8AC3E}">
+        <p14:creationId xmlns:p14="http://schemas.microsoft.com/office/powerpoint/2010/main" val="2607682743"/>
+      </p:ext>
+    </p:extLst>
+  </p:cSld>
+  <p:clrMapOvr>
+    <a:masterClrMapping/>
+  </p:clrMapOvr>
+</p:sld>
+</file>
+
+<file path=ppt/slides/slide4.xml><?xml version="1.0" encoding="utf-8"?>
+<p:sld xmlns:a="http://schemas.openxmlformats.org/drawingml/2006/main" xmlns:r="http://schemas.openxmlformats.org/officeDocument/2006/relationships" xmlns:p="http://schemas.openxmlformats.org/presentationml/2006/main">
+  <p:cSld>
+    <p:spTree>
+      <p:nvGrpSpPr>
+        <p:cNvPr id="1" name=""/>
+        <p:cNvGrpSpPr/>
+        <p:nvPr/>
+      </p:nvGrpSpPr>
+      <p:grpSpPr>
+        <a:xfrm>
+          <a:off x="0" y="0"/>
+          <a:ext cx="0" cy="0"/>
+          <a:chOff x="0" y="0"/>
+          <a:chExt cx="0" cy="0"/>
+        </a:xfrm>
+      </p:grpSpPr>
+      <p:sp>
+        <p:nvSpPr>
+          <p:cNvPr id="17410" name="Rectangle 2"/>
+          <p:cNvSpPr>
+            <a:spLocks noGrp="1" noChangeArrowheads="1"/>
+          </p:cNvSpPr>
+          <p:nvPr>
+            <p:ph type="title"/>
+            <p:custDataLst>
+              <p:tags r:id="rId1"/>
+            </p:custDataLst>
+          </p:nvPr>
+        </p:nvSpPr>
+        <p:spPr/>
+        <p:txBody>
+          <a:bodyPr/>
+          <a:lstStyle/>
+          <a:p>
+            <a:r>
+              <a:rPr lang="en-US"/>
+              <a:t>Recursion:  Basic Concepts and Review</a:t>
+            </a:r>
+          </a:p>
+        </p:txBody>
+      </p:sp>
+      <p:sp>
+        <p:nvSpPr>
+          <p:cNvPr id="4" name="Slide Number Placeholder 3"/>
+          <p:cNvSpPr>
+            <a:spLocks noGrp="1"/>
+          </p:cNvSpPr>
+          <p:nvPr>
+            <p:ph type="sldNum" sz="quarter" idx="12"/>
+          </p:nvPr>
+        </p:nvSpPr>
+        <p:spPr/>
+        <p:txBody>
+          <a:bodyPr/>
+          <a:lstStyle/>
+          <a:p>
+            <a:fld id="{0E0CE5E1-73E6-4EC0-A549-568A23C84235}" type="slidenum">
+              <a:rPr lang="en-US" smtClean="0"/>
+              <a:pPr/>
+              <a:t>4</a:t>
+            </a:fld>
+            <a:endParaRPr lang="en-US"/>
+          </a:p>
+        </p:txBody>
+      </p:sp>
+      <p:sp>
+        <p:nvSpPr>
+          <p:cNvPr id="17411" name="Rectangle 3"/>
+          <p:cNvSpPr>
+            <a:spLocks noGrp="1" noChangeArrowheads="1"/>
+          </p:cNvSpPr>
+          <p:nvPr>
+            <p:ph sz="quarter" idx="1"/>
+            <p:custDataLst>
+              <p:tags r:id="rId2"/>
+            </p:custDataLst>
+          </p:nvPr>
+        </p:nvSpPr>
+        <p:spPr/>
+        <p:txBody>
+          <a:bodyPr/>
+          <a:lstStyle/>
+          <a:p>
+            <a:r>
+              <a:rPr lang="en-US" dirty="0"/>
+              <a:t>Recursive definitions in mathematics</a:t>
+            </a:r>
+          </a:p>
+          <a:p>
+            <a:pPr lvl="1"/>
+            <a:r>
+              <a:rPr lang="en-US" dirty="0"/>
+              <a:t>Factorial:   n! = n (n-1)!  and 0! = 1! = 1</a:t>
+            </a:r>
+          </a:p>
+          <a:p>
+            <a:pPr lvl="1" algn="l"/>
+            <a:r>
+              <a:rPr lang="en-US" dirty="0"/>
+              <a:t>Fibonacci numbers:</a:t>
+            </a:r>
+            <a:br>
+              <a:rPr lang="en-US" dirty="0"/>
+            </a:br>
+            <a:r>
+              <a:rPr lang="en-US" dirty="0"/>
+              <a:t>	F(0) = F(1) = 1</a:t>
+            </a:r>
+            <a:br>
+              <a:rPr lang="en-US" dirty="0"/>
+            </a:br>
+            <a:r>
+              <a:rPr lang="en-US" dirty="0"/>
+              <a:t>	F(n) = F(n-1) + F(n-2) for n &gt; 1</a:t>
+            </a:r>
+          </a:p>
+          <a:p>
+            <a:pPr lvl="1"/>
+            <a:r>
+              <a:rPr lang="en-US" dirty="0"/>
+              <a:t>Note base case</a:t>
+            </a:r>
+          </a:p>
+          <a:p>
+            <a:pPr lvl="1"/>
+            <a:endParaRPr lang="en-US" dirty="0"/>
+          </a:p>
+          <a:p>
+            <a:r>
+              <a:rPr lang="en-US" dirty="0"/>
+              <a:t>In programming, recursive functions can be implemented</a:t>
+            </a:r>
+          </a:p>
+          <a:p>
+            <a:pPr lvl="1"/>
+            <a:r>
+              <a:rPr lang="en-US" dirty="0"/>
+              <a:t>First, check for simple solutions and solve directly</a:t>
+            </a:r>
+          </a:p>
+          <a:p>
+            <a:pPr lvl="1"/>
+            <a:r>
+              <a:rPr lang="en-US" dirty="0"/>
+              <a:t>Then, solve simpler </a:t>
+            </a:r>
+            <a:r>
+              <a:rPr lang="en-US" dirty="0" err="1"/>
+              <a:t>subproblem</a:t>
+            </a:r>
+            <a:r>
+              <a:rPr lang="en-US" dirty="0"/>
+              <a:t>(s) by calling same function </a:t>
+            </a:r>
+          </a:p>
+          <a:p>
+            <a:pPr lvl="1"/>
+            <a:r>
+              <a:rPr lang="en-US" dirty="0"/>
+              <a:t>Must make progress towards base cases</a:t>
+            </a:r>
+          </a:p>
+        </p:txBody>
+      </p:sp>
+    </p:spTree>
+  </p:cSld>
+  <p:clrMapOvr>
+    <a:masterClrMapping/>
+  </p:clrMapOvr>
+</p:sld>
+</file>
+
+<file path=ppt/slides/slide40.xml><?xml version="1.0" encoding="utf-8"?>
+<p:sld xmlns:a="http://schemas.openxmlformats.org/drawingml/2006/main" xmlns:r="http://schemas.openxmlformats.org/officeDocument/2006/relationships" xmlns:p="http://schemas.openxmlformats.org/presentationml/2006/main">
+  <p:cSld>
+    <p:spTree>
+      <p:nvGrpSpPr>
+        <p:cNvPr id="1" name=""/>
+        <p:cNvGrpSpPr/>
+        <p:nvPr/>
+      </p:nvGrpSpPr>
+      <p:grpSpPr>
+        <a:xfrm>
+          <a:off x="0" y="0"/>
+          <a:ext cx="0" cy="0"/>
+          <a:chOff x="0" y="0"/>
+          <a:chExt cx="0" cy="0"/>
+        </a:xfrm>
+      </p:grpSpPr>
+      <p:sp>
+        <p:nvSpPr>
+          <p:cNvPr id="2" name="Title 1"/>
+          <p:cNvSpPr>
+            <a:spLocks noGrp="1"/>
+          </p:cNvSpPr>
+          <p:nvPr>
+            <p:ph type="title"/>
+          </p:nvPr>
+        </p:nvSpPr>
+        <p:spPr/>
+        <p:txBody>
+          <a:bodyPr/>
+          <a:lstStyle/>
+          <a:p>
+            <a:r>
+              <a:rPr lang="en-US" dirty="0"/>
+              <a:t>Fixing our algorithm:</a:t>
+            </a:r>
+          </a:p>
+        </p:txBody>
+      </p:sp>
+      <p:sp>
+        <p:nvSpPr>
+          <p:cNvPr id="3" name="Slide Number Placeholder 2"/>
+          <p:cNvSpPr>
+            <a:spLocks noGrp="1"/>
+          </p:cNvSpPr>
+          <p:nvPr>
+            <p:ph type="sldNum" sz="quarter" idx="12"/>
+          </p:nvPr>
+        </p:nvSpPr>
+        <p:spPr/>
+        <p:txBody>
+          <a:bodyPr/>
+          <a:lstStyle/>
+          <a:p>
+            <a:fld id="{0E0CE5E1-73E6-4EC0-A549-568A23C84235}" type="slidenum">
+              <a:rPr lang="en-US" smtClean="0"/>
+              <a:pPr/>
+              <a:t>40</a:t>
             </a:fld>
             <a:endParaRPr lang="en-US"/>
           </a:p>
@@ -13525,7 +13894,7 @@
 </p:sld>
 </file>
 
-<file path=ppt/slides/slide4.xml><?xml version="1.0" encoding="utf-8"?>
+<file path=ppt/slides/slide41.xml><?xml version="1.0" encoding="utf-8"?>
 <p:sld xmlns:a="http://schemas.openxmlformats.org/drawingml/2006/main" xmlns:r="http://schemas.openxmlformats.org/officeDocument/2006/relationships" xmlns:p="http://schemas.openxmlformats.org/presentationml/2006/main">
   <p:cSld>
     <p:spTree>
@@ -13544,15 +13913,12 @@
       </p:grpSpPr>
       <p:sp>
         <p:nvSpPr>
-          <p:cNvPr id="17410" name="Rectangle 2"/>
-          <p:cNvSpPr>
-            <a:spLocks noGrp="1" noChangeArrowheads="1"/>
+          <p:cNvPr id="2" name="Title 1"/>
+          <p:cNvSpPr>
+            <a:spLocks noGrp="1"/>
           </p:cNvSpPr>
           <p:nvPr>
             <p:ph type="title"/>
-            <p:custDataLst>
-              <p:tags r:id="rId1"/>
-            </p:custDataLst>
           </p:nvPr>
         </p:nvSpPr>
         <p:spPr/>
@@ -13561,15 +13927,15 @@
           <a:lstStyle/>
           <a:p>
             <a:r>
-              <a:rPr lang="en-US"/>
-              <a:t>Recursion:  Basic Concepts and Review</a:t>
-            </a:r>
-          </a:p>
-        </p:txBody>
-      </p:sp>
-      <p:sp>
-        <p:nvSpPr>
-          <p:cNvPr id="4" name="Slide Number Placeholder 3"/>
+              <a:rPr lang="en-US" dirty="0"/>
+              <a:t>Fixing our algorithm:</a:t>
+            </a:r>
+          </a:p>
+        </p:txBody>
+      </p:sp>
+      <p:sp>
+        <p:nvSpPr>
+          <p:cNvPr id="3" name="Slide Number Placeholder 2"/>
           <p:cNvSpPr>
             <a:spLocks noGrp="1"/>
           </p:cNvSpPr>
@@ -13585,177 +13951,7 @@
             <a:fld id="{0E0CE5E1-73E6-4EC0-A549-568A23C84235}" type="slidenum">
               <a:rPr lang="en-US" smtClean="0"/>
               <a:pPr/>
-              <a:t>4</a:t>
-            </a:fld>
-            <a:endParaRPr lang="en-US"/>
-          </a:p>
-        </p:txBody>
-      </p:sp>
-      <p:sp>
-        <p:nvSpPr>
-          <p:cNvPr id="17411" name="Rectangle 3"/>
-          <p:cNvSpPr>
-            <a:spLocks noGrp="1" noChangeArrowheads="1"/>
-          </p:cNvSpPr>
-          <p:nvPr>
-            <p:ph sz="quarter" idx="1"/>
-            <p:custDataLst>
-              <p:tags r:id="rId2"/>
-            </p:custDataLst>
-          </p:nvPr>
-        </p:nvSpPr>
-        <p:spPr/>
-        <p:txBody>
-          <a:bodyPr/>
-          <a:lstStyle/>
-          <a:p>
-            <a:r>
-              <a:rPr lang="en-US" dirty="0"/>
-              <a:t>Recursive definitions in mathematics</a:t>
-            </a:r>
-          </a:p>
-          <a:p>
-            <a:pPr lvl="1"/>
-            <a:r>
-              <a:rPr lang="en-US" dirty="0"/>
-              <a:t>Factorial:   n! = n (n-1)!  and 0! = 1! = 1</a:t>
-            </a:r>
-          </a:p>
-          <a:p>
-            <a:pPr lvl="1" algn="l"/>
-            <a:r>
-              <a:rPr lang="en-US" dirty="0"/>
-              <a:t>Fibonacci numbers:</a:t>
-            </a:r>
-            <a:br>
-              <a:rPr lang="en-US" dirty="0"/>
-            </a:br>
-            <a:r>
-              <a:rPr lang="en-US" dirty="0"/>
-              <a:t>	F(0) = F(1) = 1</a:t>
-            </a:r>
-            <a:br>
-              <a:rPr lang="en-US" dirty="0"/>
-            </a:br>
-            <a:r>
-              <a:rPr lang="en-US" dirty="0"/>
-              <a:t>	F(n) = F(n-1) + F(n-2) for n &gt; 1</a:t>
-            </a:r>
-          </a:p>
-          <a:p>
-            <a:pPr lvl="1"/>
-            <a:r>
-              <a:rPr lang="en-US" dirty="0"/>
-              <a:t>Note base case</a:t>
-            </a:r>
-          </a:p>
-          <a:p>
-            <a:pPr lvl="1"/>
-            <a:endParaRPr lang="en-US" dirty="0"/>
-          </a:p>
-          <a:p>
-            <a:r>
-              <a:rPr lang="en-US" dirty="0"/>
-              <a:t>In programming, recursive functions can be implemented</a:t>
-            </a:r>
-          </a:p>
-          <a:p>
-            <a:pPr lvl="1"/>
-            <a:r>
-              <a:rPr lang="en-US" dirty="0"/>
-              <a:t>First, check for simple solutions and solve directly</a:t>
-            </a:r>
-          </a:p>
-          <a:p>
-            <a:pPr lvl="1"/>
-            <a:r>
-              <a:rPr lang="en-US" dirty="0"/>
-              <a:t>Then, solve simpler </a:t>
-            </a:r>
-            <a:r>
-              <a:rPr lang="en-US" dirty="0" err="1"/>
-              <a:t>subproblem</a:t>
-            </a:r>
-            <a:r>
-              <a:rPr lang="en-US" dirty="0"/>
-              <a:t>(s) by calling same function </a:t>
-            </a:r>
-          </a:p>
-          <a:p>
-            <a:pPr lvl="1"/>
-            <a:r>
-              <a:rPr lang="en-US" dirty="0"/>
-              <a:t>Must make progress towards base cases</a:t>
-            </a:r>
-          </a:p>
-        </p:txBody>
-      </p:sp>
-    </p:spTree>
-  </p:cSld>
-  <p:clrMapOvr>
-    <a:masterClrMapping/>
-  </p:clrMapOvr>
-</p:sld>
-</file>
-
-<file path=ppt/slides/slide40.xml><?xml version="1.0" encoding="utf-8"?>
-<p:sld xmlns:a="http://schemas.openxmlformats.org/drawingml/2006/main" xmlns:r="http://schemas.openxmlformats.org/officeDocument/2006/relationships" xmlns:p="http://schemas.openxmlformats.org/presentationml/2006/main">
-  <p:cSld>
-    <p:spTree>
-      <p:nvGrpSpPr>
-        <p:cNvPr id="1" name=""/>
-        <p:cNvGrpSpPr/>
-        <p:nvPr/>
-      </p:nvGrpSpPr>
-      <p:grpSpPr>
-        <a:xfrm>
-          <a:off x="0" y="0"/>
-          <a:ext cx="0" cy="0"/>
-          <a:chOff x="0" y="0"/>
-          <a:chExt cx="0" cy="0"/>
-        </a:xfrm>
-      </p:grpSpPr>
-      <p:sp>
-        <p:nvSpPr>
-          <p:cNvPr id="2" name="Title 1"/>
-          <p:cNvSpPr>
-            <a:spLocks noGrp="1"/>
-          </p:cNvSpPr>
-          <p:nvPr>
-            <p:ph type="title"/>
-          </p:nvPr>
-        </p:nvSpPr>
-        <p:spPr/>
-        <p:txBody>
-          <a:bodyPr/>
-          <a:lstStyle/>
-          <a:p>
-            <a:r>
-              <a:rPr lang="en-US" dirty="0"/>
-              <a:t>Fixing our algorithm:</a:t>
-            </a:r>
-          </a:p>
-        </p:txBody>
-      </p:sp>
-      <p:sp>
-        <p:nvSpPr>
-          <p:cNvPr id="3" name="Slide Number Placeholder 2"/>
-          <p:cNvSpPr>
-            <a:spLocks noGrp="1"/>
-          </p:cNvSpPr>
-          <p:nvPr>
-            <p:ph type="sldNum" sz="quarter" idx="12"/>
-          </p:nvPr>
-        </p:nvSpPr>
-        <p:spPr/>
-        <p:txBody>
-          <a:bodyPr/>
-          <a:lstStyle/>
-          <a:p>
-            <a:fld id="{0E0CE5E1-73E6-4EC0-A549-568A23C84235}" type="slidenum">
-              <a:rPr lang="en-US" smtClean="0"/>
-              <a:pPr/>
-              <a:t>40</a:t>
+              <a:t>41</a:t>
             </a:fld>
             <a:endParaRPr lang="en-US"/>
           </a:p>
@@ -14282,7 +14478,7 @@
 </p:sld>
 </file>
 
-<file path=ppt/slides/slide41.xml><?xml version="1.0" encoding="utf-8"?>
+<file path=ppt/slides/slide42.xml><?xml version="1.0" encoding="utf-8"?>
 <p:sld xmlns:a="http://schemas.openxmlformats.org/drawingml/2006/main" xmlns:r="http://schemas.openxmlformats.org/officeDocument/2006/relationships" xmlns:p="http://schemas.openxmlformats.org/presentationml/2006/main">
   <p:cSld>
     <p:spTree>
@@ -14339,7 +14535,7 @@
             <a:fld id="{0E0CE5E1-73E6-4EC0-A549-568A23C84235}" type="slidenum">
               <a:rPr lang="en-US" smtClean="0"/>
               <a:pPr/>
-              <a:t>41</a:t>
+              <a:t>42</a:t>
             </a:fld>
             <a:endParaRPr lang="en-US"/>
           </a:p>
@@ -14768,7 +14964,7 @@
 </p:sld>
 </file>
 
-<file path=ppt/slides/slide42.xml><?xml version="1.0" encoding="utf-8"?>
+<file path=ppt/slides/slide43.xml><?xml version="1.0" encoding="utf-8"?>
 <p:sld xmlns:a="http://schemas.openxmlformats.org/drawingml/2006/main" xmlns:r="http://schemas.openxmlformats.org/officeDocument/2006/relationships" xmlns:p="http://schemas.openxmlformats.org/presentationml/2006/main">
   <p:cSld>
     <p:spTree>
@@ -14825,7 +15021,7 @@
             <a:fld id="{0E0CE5E1-73E6-4EC0-A549-568A23C84235}" type="slidenum">
               <a:rPr lang="en-US" smtClean="0"/>
               <a:pPr/>
-              <a:t>42</a:t>
+              <a:t>43</a:t>
             </a:fld>
             <a:endParaRPr lang="en-US"/>
           </a:p>
@@ -15037,7 +15233,7 @@
 </p:sld>
 </file>
 
-<file path=ppt/slides/slide43.xml><?xml version="1.0" encoding="utf-8"?>
+<file path=ppt/slides/slide44.xml><?xml version="1.0" encoding="utf-8"?>
 <p:sld xmlns:a="http://schemas.openxmlformats.org/drawingml/2006/main" xmlns:r="http://schemas.openxmlformats.org/officeDocument/2006/relationships" xmlns:p="http://schemas.openxmlformats.org/presentationml/2006/main">
   <p:cSld>
     <p:spTree>
@@ -15094,7 +15290,7 @@
             <a:fld id="{0E0CE5E1-73E6-4EC0-A549-568A23C84235}" type="slidenum">
               <a:rPr lang="en-US" smtClean="0"/>
               <a:pPr/>
-              <a:t>43</a:t>
+              <a:t>44</a:t>
             </a:fld>
             <a:endParaRPr lang="en-US"/>
           </a:p>
@@ -16001,206 +16197,6 @@
 </p:sld>
 </file>
 
-<file path=ppt/slides/slide44.xml><?xml version="1.0" encoding="utf-8"?>
-<p:sld xmlns:a="http://schemas.openxmlformats.org/drawingml/2006/main" xmlns:r="http://schemas.openxmlformats.org/officeDocument/2006/relationships" xmlns:p="http://schemas.openxmlformats.org/presentationml/2006/main">
-  <p:cSld>
-    <p:spTree>
-      <p:nvGrpSpPr>
-        <p:cNvPr id="1" name=""/>
-        <p:cNvGrpSpPr/>
-        <p:nvPr/>
-      </p:nvGrpSpPr>
-      <p:grpSpPr>
-        <a:xfrm>
-          <a:off x="0" y="0"/>
-          <a:ext cx="0" cy="0"/>
-          <a:chOff x="0" y="0"/>
-          <a:chExt cx="0" cy="0"/>
-        </a:xfrm>
-      </p:grpSpPr>
-      <p:sp>
-        <p:nvSpPr>
-          <p:cNvPr id="37890" name="Rectangle 2"/>
-          <p:cNvSpPr>
-            <a:spLocks noGrp="1" noChangeArrowheads="1"/>
-          </p:cNvSpPr>
-          <p:nvPr>
-            <p:ph type="title"/>
-          </p:nvPr>
-        </p:nvSpPr>
-        <p:spPr/>
-        <p:txBody>
-          <a:bodyPr/>
-          <a:lstStyle/>
-          <a:p>
-            <a:r>
-              <a:rPr lang="en-US"/>
-              <a:t>Analysis: Closest Pairs</a:t>
-            </a:r>
-          </a:p>
-        </p:txBody>
-      </p:sp>
-      <p:sp>
-        <p:nvSpPr>
-          <p:cNvPr id="4" name="Slide Number Placeholder 3"/>
-          <p:cNvSpPr>
-            <a:spLocks noGrp="1"/>
-          </p:cNvSpPr>
-          <p:nvPr>
-            <p:ph type="sldNum" sz="quarter" idx="12"/>
-          </p:nvPr>
-        </p:nvSpPr>
-        <p:spPr/>
-        <p:txBody>
-          <a:bodyPr/>
-          <a:lstStyle/>
-          <a:p>
-            <a:fld id="{0E0CE5E1-73E6-4EC0-A549-568A23C84235}" type="slidenum">
-              <a:rPr lang="en-US" smtClean="0"/>
-              <a:pPr/>
-              <a:t>44</a:t>
-            </a:fld>
-            <a:endParaRPr lang="en-US"/>
-          </a:p>
-        </p:txBody>
-      </p:sp>
-      <p:sp>
-        <p:nvSpPr>
-          <p:cNvPr id="37891" name="Rectangle 3"/>
-          <p:cNvSpPr>
-            <a:spLocks noGrp="1" noChangeArrowheads="1"/>
-          </p:cNvSpPr>
-          <p:nvPr>
-            <p:ph sz="quarter" idx="1"/>
-          </p:nvPr>
-        </p:nvSpPr>
-        <p:spPr/>
-        <p:txBody>
-          <a:bodyPr>
-            <a:normAutofit lnSpcReduction="10000"/>
-          </a:bodyPr>
-          <a:lstStyle/>
-          <a:p>
-            <a:r>
-              <a:rPr lang="en-US" dirty="0"/>
-              <a:t>What are we counting exactly?</a:t>
-            </a:r>
-          </a:p>
-          <a:p>
-            <a:pPr lvl="1"/>
-            <a:r>
-              <a:rPr lang="en-US" dirty="0"/>
-              <a:t>Several parts of this algorithm.  No single basic-operation for the whole thing</a:t>
-            </a:r>
-          </a:p>
-          <a:p>
-            <a:pPr lvl="1"/>
-            <a:endParaRPr lang="en-US" dirty="0"/>
-          </a:p>
-          <a:p>
-            <a:r>
-              <a:rPr lang="en-US" dirty="0"/>
-              <a:t>(1) Sort all points twice:  </a:t>
-            </a:r>
-            <a:r>
-              <a:rPr lang="el-GR" dirty="0">
-                <a:cs typeface="Tahoma" charset="0"/>
-              </a:rPr>
-              <a:t>Θ</a:t>
-            </a:r>
-            <a:r>
-              <a:rPr lang="en-US" dirty="0">
-                <a:cs typeface="Tahoma" charset="0"/>
-              </a:rPr>
-              <a:t>(n log n)</a:t>
-            </a:r>
-          </a:p>
-          <a:p>
-            <a:pPr algn="l"/>
-            <a:r>
-              <a:rPr lang="en-US" dirty="0">
-                <a:cs typeface="Tahoma" charset="0"/>
-              </a:rPr>
-              <a:t>(2) Recurrence:	T(3) = 1</a:t>
-            </a:r>
-            <a:br>
-              <a:rPr lang="en-US" dirty="0">
-                <a:cs typeface="Tahoma" charset="0"/>
-              </a:rPr>
-            </a:br>
-            <a:r>
-              <a:rPr lang="en-US" dirty="0">
-                <a:cs typeface="Tahoma" charset="0"/>
-              </a:rPr>
-              <a:t>			T(n) = 2*T(n/2) + c*n</a:t>
-            </a:r>
-          </a:p>
-          <a:p>
-            <a:pPr lvl="1"/>
-            <a:r>
-              <a:rPr lang="en-US" dirty="0">
-                <a:cs typeface="Tahoma" charset="0"/>
-              </a:rPr>
-              <a:t>Checking the strip is clearly O(n)</a:t>
-            </a:r>
-          </a:p>
-          <a:p>
-            <a:pPr lvl="1"/>
-            <a:endParaRPr lang="en-US" dirty="0">
-              <a:cs typeface="Tahoma" charset="0"/>
-            </a:endParaRPr>
-          </a:p>
-          <a:p>
-            <a:r>
-              <a:rPr lang="en-US" dirty="0">
-                <a:cs typeface="Tahoma" charset="0"/>
-              </a:rPr>
-              <a:t>This is Case 2 of the Main Theorem, so the recursive part is also </a:t>
-            </a:r>
-            <a:r>
-              <a:rPr lang="en-US" dirty="0">
-                <a:sym typeface="Symbol" charset="2"/>
-              </a:rPr>
-              <a:t></a:t>
-            </a:r>
-            <a:r>
-              <a:rPr lang="en-US" dirty="0">
-                <a:cs typeface="Tahoma" charset="0"/>
-              </a:rPr>
-              <a:t>(n log n)</a:t>
-            </a:r>
-          </a:p>
-          <a:p>
-            <a:pPr lvl="1"/>
-            <a:r>
-              <a:rPr lang="en-US" dirty="0">
-                <a:cs typeface="Tahoma" charset="0"/>
-              </a:rPr>
-              <a:t>So the whole algorithm is </a:t>
-            </a:r>
-            <a:r>
-              <a:rPr lang="en-US" dirty="0">
-                <a:sym typeface="Symbol" charset="2"/>
-              </a:rPr>
-              <a:t></a:t>
-            </a:r>
-            <a:r>
-              <a:rPr lang="en-US" dirty="0">
-                <a:cs typeface="Tahoma" charset="0"/>
-              </a:rPr>
-              <a:t>(n log n)</a:t>
-            </a:r>
-          </a:p>
-        </p:txBody>
-      </p:sp>
-    </p:spTree>
-  </p:cSld>
-  <p:clrMapOvr>
-    <a:masterClrMapping/>
-  </p:clrMapOvr>
-</p:sld>
-</file>
-
 <file path=ppt/slides/slide45.xml><?xml version="1.0" encoding="utf-8"?>
 <p:sld xmlns:a="http://schemas.openxmlformats.org/drawingml/2006/main" xmlns:r="http://schemas.openxmlformats.org/officeDocument/2006/relationships" xmlns:p="http://schemas.openxmlformats.org/presentationml/2006/main">
   <p:cSld>
@@ -16220,9 +16216,9 @@
       </p:grpSpPr>
       <p:sp>
         <p:nvSpPr>
-          <p:cNvPr id="4" name="Title 3"/>
-          <p:cNvSpPr>
-            <a:spLocks noGrp="1"/>
+          <p:cNvPr id="37890" name="Rectangle 2"/>
+          <p:cNvSpPr>
+            <a:spLocks noGrp="1" noChangeArrowheads="1"/>
           </p:cNvSpPr>
           <p:nvPr>
             <p:ph type="title"/>
@@ -16234,35 +16230,15 @@
           <a:lstStyle/>
           <a:p>
             <a:r>
-              <a:rPr lang="en-US" dirty="0" err="1"/>
-              <a:t>Trominoes</a:t>
-            </a:r>
-            <a:endParaRPr lang="en-US" dirty="0"/>
-          </a:p>
-        </p:txBody>
-      </p:sp>
-      <p:sp>
-        <p:nvSpPr>
-          <p:cNvPr id="5" name="Text Placeholder 4"/>
-          <p:cNvSpPr>
-            <a:spLocks noGrp="1"/>
-          </p:cNvSpPr>
-          <p:nvPr>
-            <p:ph type="body" idx="1"/>
-          </p:nvPr>
-        </p:nvSpPr>
-        <p:spPr/>
-        <p:txBody>
-          <a:bodyPr/>
-          <a:lstStyle/>
-          <a:p>
-            <a:endParaRPr lang="en-US"/>
-          </a:p>
-        </p:txBody>
-      </p:sp>
-      <p:sp>
-        <p:nvSpPr>
-          <p:cNvPr id="6" name="Slide Number Placeholder 5"/>
+              <a:rPr lang="en-US"/>
+              <a:t>Analysis: Closest Pairs</a:t>
+            </a:r>
+          </a:p>
+        </p:txBody>
+      </p:sp>
+      <p:sp>
+        <p:nvSpPr>
+          <p:cNvPr id="4" name="Slide Number Placeholder 3"/>
           <p:cNvSpPr>
             <a:spLocks noGrp="1"/>
           </p:cNvSpPr>
@@ -16281,6 +16257,135 @@
               <a:t>45</a:t>
             </a:fld>
             <a:endParaRPr lang="en-US"/>
+          </a:p>
+        </p:txBody>
+      </p:sp>
+      <p:sp>
+        <p:nvSpPr>
+          <p:cNvPr id="37891" name="Rectangle 3"/>
+          <p:cNvSpPr>
+            <a:spLocks noGrp="1" noChangeArrowheads="1"/>
+          </p:cNvSpPr>
+          <p:nvPr>
+            <p:ph sz="quarter" idx="1"/>
+          </p:nvPr>
+        </p:nvSpPr>
+        <p:spPr/>
+        <p:txBody>
+          <a:bodyPr>
+            <a:normAutofit lnSpcReduction="10000"/>
+          </a:bodyPr>
+          <a:lstStyle/>
+          <a:p>
+            <a:r>
+              <a:rPr lang="en-US" dirty="0"/>
+              <a:t>What are we counting exactly?</a:t>
+            </a:r>
+          </a:p>
+          <a:p>
+            <a:pPr lvl="1"/>
+            <a:r>
+              <a:rPr lang="en-US" dirty="0"/>
+              <a:t>Several parts of this algorithm.  No single basic-operation for the whole thing</a:t>
+            </a:r>
+          </a:p>
+          <a:p>
+            <a:pPr lvl="1"/>
+            <a:endParaRPr lang="en-US" dirty="0"/>
+          </a:p>
+          <a:p>
+            <a:r>
+              <a:rPr lang="en-US" dirty="0"/>
+              <a:t>(1) Sort all points twice:  </a:t>
+            </a:r>
+            <a:r>
+              <a:rPr lang="el-GR" dirty="0">
+                <a:cs typeface="Tahoma" charset="0"/>
+              </a:rPr>
+              <a:t>Θ</a:t>
+            </a:r>
+            <a:r>
+              <a:rPr lang="en-US" dirty="0">
+                <a:cs typeface="Tahoma" charset="0"/>
+              </a:rPr>
+              <a:t>(n log n)</a:t>
+            </a:r>
+          </a:p>
+          <a:p>
+            <a:pPr algn="l"/>
+            <a:r>
+              <a:rPr lang="en-US" dirty="0">
+                <a:cs typeface="Tahoma" charset="0"/>
+              </a:rPr>
+              <a:t>(2) Recurrence:	T(3) = 1</a:t>
+            </a:r>
+            <a:br>
+              <a:rPr lang="en-US" dirty="0">
+                <a:cs typeface="Tahoma" charset="0"/>
+              </a:rPr>
+            </a:br>
+            <a:r>
+              <a:rPr lang="en-US" dirty="0">
+                <a:cs typeface="Tahoma" charset="0"/>
+              </a:rPr>
+              <a:t>			T(n) = 2*T(n/2) + c*n</a:t>
+            </a:r>
+          </a:p>
+          <a:p>
+            <a:pPr lvl="1"/>
+            <a:r>
+              <a:rPr lang="en-US" dirty="0">
+                <a:cs typeface="Tahoma" charset="0"/>
+              </a:rPr>
+              <a:t>Checking the strip is clearly O(n)</a:t>
+            </a:r>
+          </a:p>
+          <a:p>
+            <a:pPr lvl="1"/>
+            <a:endParaRPr lang="en-US" dirty="0">
+              <a:cs typeface="Tahoma" charset="0"/>
+            </a:endParaRPr>
+          </a:p>
+          <a:p>
+            <a:r>
+              <a:rPr lang="en-US" dirty="0">
+                <a:cs typeface="Tahoma" charset="0"/>
+              </a:rPr>
+              <a:t>This is Case 2 of the Main Theorem, so the recursive part is also </a:t>
+            </a:r>
+            <a:r>
+              <a:rPr lang="en-US" dirty="0">
+                <a:sym typeface="Symbol" charset="2"/>
+              </a:rPr>
+              <a:t></a:t>
+            </a:r>
+            <a:r>
+              <a:rPr lang="en-US" dirty="0">
+                <a:cs typeface="Tahoma" charset="0"/>
+              </a:rPr>
+              <a:t>(n log n)</a:t>
+            </a:r>
+          </a:p>
+          <a:p>
+            <a:pPr lvl="1"/>
+            <a:r>
+              <a:rPr lang="en-US" dirty="0">
+                <a:cs typeface="Tahoma" charset="0"/>
+              </a:rPr>
+              <a:t>So the whole algorithm is </a:t>
+            </a:r>
+            <a:r>
+              <a:rPr lang="en-US" dirty="0">
+                <a:sym typeface="Symbol" charset="2"/>
+              </a:rPr>
+              <a:t></a:t>
+            </a:r>
+            <a:r>
+              <a:rPr lang="en-US" dirty="0">
+                <a:cs typeface="Tahoma" charset="0"/>
+              </a:rPr>
+              <a:t>(n log n)</a:t>
+            </a:r>
           </a:p>
         </p:txBody>
       </p:sp>
@@ -16311,6 +16416,97 @@
       </p:grpSpPr>
       <p:sp>
         <p:nvSpPr>
+          <p:cNvPr id="4" name="Title 3"/>
+          <p:cNvSpPr>
+            <a:spLocks noGrp="1"/>
+          </p:cNvSpPr>
+          <p:nvPr>
+            <p:ph type="title"/>
+          </p:nvPr>
+        </p:nvSpPr>
+        <p:spPr/>
+        <p:txBody>
+          <a:bodyPr/>
+          <a:lstStyle/>
+          <a:p>
+            <a:r>
+              <a:rPr lang="en-US" dirty="0" err="1"/>
+              <a:t>Trominoes</a:t>
+            </a:r>
+            <a:endParaRPr lang="en-US" dirty="0"/>
+          </a:p>
+        </p:txBody>
+      </p:sp>
+      <p:sp>
+        <p:nvSpPr>
+          <p:cNvPr id="5" name="Text Placeholder 4"/>
+          <p:cNvSpPr>
+            <a:spLocks noGrp="1"/>
+          </p:cNvSpPr>
+          <p:nvPr>
+            <p:ph type="body" idx="1"/>
+          </p:nvPr>
+        </p:nvSpPr>
+        <p:spPr/>
+        <p:txBody>
+          <a:bodyPr/>
+          <a:lstStyle/>
+          <a:p>
+            <a:endParaRPr lang="en-US"/>
+          </a:p>
+        </p:txBody>
+      </p:sp>
+      <p:sp>
+        <p:nvSpPr>
+          <p:cNvPr id="6" name="Slide Number Placeholder 5"/>
+          <p:cNvSpPr>
+            <a:spLocks noGrp="1"/>
+          </p:cNvSpPr>
+          <p:nvPr>
+            <p:ph type="sldNum" sz="quarter" idx="12"/>
+          </p:nvPr>
+        </p:nvSpPr>
+        <p:spPr/>
+        <p:txBody>
+          <a:bodyPr/>
+          <a:lstStyle/>
+          <a:p>
+            <a:fld id="{0E0CE5E1-73E6-4EC0-A549-568A23C84235}" type="slidenum">
+              <a:rPr lang="en-US" smtClean="0"/>
+              <a:pPr/>
+              <a:t>46</a:t>
+            </a:fld>
+            <a:endParaRPr lang="en-US"/>
+          </a:p>
+        </p:txBody>
+      </p:sp>
+    </p:spTree>
+  </p:cSld>
+  <p:clrMapOvr>
+    <a:masterClrMapping/>
+  </p:clrMapOvr>
+</p:sld>
+</file>
+
+<file path=ppt/slides/slide47.xml><?xml version="1.0" encoding="utf-8"?>
+<p:sld xmlns:a="http://schemas.openxmlformats.org/drawingml/2006/main" xmlns:r="http://schemas.openxmlformats.org/officeDocument/2006/relationships" xmlns:p="http://schemas.openxmlformats.org/presentationml/2006/main">
+  <p:cSld>
+    <p:spTree>
+      <p:nvGrpSpPr>
+        <p:cNvPr id="1" name=""/>
+        <p:cNvGrpSpPr/>
+        <p:nvPr/>
+      </p:nvGrpSpPr>
+      <p:grpSpPr>
+        <a:xfrm>
+          <a:off x="0" y="0"/>
+          <a:ext cx="0" cy="0"/>
+          <a:chOff x="0" y="0"/>
+          <a:chExt cx="0" cy="0"/>
+        </a:xfrm>
+      </p:grpSpPr>
+      <p:sp>
+        <p:nvSpPr>
           <p:cNvPr id="25603" name="Rectangle 2"/>
           <p:cNvSpPr>
             <a:spLocks noGrp="1" noChangeArrowheads="1"/>
@@ -16352,7 +16548,7 @@
             <a:fld id="{0E0CE5E1-73E6-4EC0-A549-568A23C84235}" type="slidenum">
               <a:rPr lang="en-US" smtClean="0"/>
               <a:pPr/>
-              <a:t>46</a:t>
+              <a:t>47</a:t>
             </a:fld>
             <a:endParaRPr lang="en-US"/>
           </a:p>
@@ -18104,191 +18300,6 @@
 </p:sld>
 </file>
 
-<file path=ppt/slides/slide47.xml><?xml version="1.0" encoding="utf-8"?>
-<p:sld xmlns:a="http://schemas.openxmlformats.org/drawingml/2006/main" xmlns:r="http://schemas.openxmlformats.org/officeDocument/2006/relationships" xmlns:p="http://schemas.openxmlformats.org/presentationml/2006/main">
-  <p:cSld>
-    <p:spTree>
-      <p:nvGrpSpPr>
-        <p:cNvPr id="1" name=""/>
-        <p:cNvGrpSpPr/>
-        <p:nvPr/>
-      </p:nvGrpSpPr>
-      <p:grpSpPr>
-        <a:xfrm>
-          <a:off x="0" y="0"/>
-          <a:ext cx="0" cy="0"/>
-          <a:chOff x="0" y="0"/>
-          <a:chExt cx="0" cy="0"/>
-        </a:xfrm>
-      </p:grpSpPr>
-      <p:sp>
-        <p:nvSpPr>
-          <p:cNvPr id="26626" name="Rectangle 2"/>
-          <p:cNvSpPr>
-            <a:spLocks noGrp="1" noChangeArrowheads="1"/>
-          </p:cNvSpPr>
-          <p:nvPr>
-            <p:ph type="title"/>
-            <p:custDataLst>
-              <p:tags r:id="rId1"/>
-            </p:custDataLst>
-          </p:nvPr>
-        </p:nvSpPr>
-        <p:spPr/>
-        <p:txBody>
-          <a:bodyPr>
-            <a:normAutofit/>
-          </a:bodyPr>
-          <a:lstStyle/>
-          <a:p>
-            <a:r>
-              <a:rPr lang="en-US"/>
-              <a:t>Trominos: Playing the Game, Strategy</a:t>
-            </a:r>
-          </a:p>
-        </p:txBody>
-      </p:sp>
-      <p:sp>
-        <p:nvSpPr>
-          <p:cNvPr id="6" name="Slide Number Placeholder 5"/>
-          <p:cNvSpPr>
-            <a:spLocks noGrp="1"/>
-          </p:cNvSpPr>
-          <p:nvPr>
-            <p:ph type="sldNum" sz="quarter" idx="12"/>
-          </p:nvPr>
-        </p:nvSpPr>
-        <p:spPr/>
-        <p:txBody>
-          <a:bodyPr/>
-          <a:lstStyle/>
-          <a:p>
-            <a:fld id="{0E0CE5E1-73E6-4EC0-A549-568A23C84235}" type="slidenum">
-              <a:rPr lang="en-US" smtClean="0"/>
-              <a:pPr/>
-              <a:t>47</a:t>
-            </a:fld>
-            <a:endParaRPr lang="en-US"/>
-          </a:p>
-        </p:txBody>
-      </p:sp>
-      <p:sp>
-        <p:nvSpPr>
-          <p:cNvPr id="26627" name="Rectangle 3"/>
-          <p:cNvSpPr>
-            <a:spLocks noGrp="1" noChangeArrowheads="1"/>
-          </p:cNvSpPr>
-          <p:nvPr>
-            <p:ph sz="quarter" idx="1"/>
-            <p:custDataLst>
-              <p:tags r:id="rId2"/>
-            </p:custDataLst>
-          </p:nvPr>
-        </p:nvSpPr>
-        <p:spPr/>
-        <p:txBody>
-          <a:bodyPr>
-            <a:normAutofit fontScale="92500" lnSpcReduction="10000"/>
-          </a:bodyPr>
-          <a:lstStyle/>
-          <a:p>
-            <a:pPr algn="l"/>
-            <a:r>
-              <a:rPr lang="en-US" dirty="0"/>
-              <a:t>Java app for </a:t>
-            </a:r>
-            <a:r>
-              <a:rPr lang="en-US" dirty="0" err="1"/>
-              <a:t>Trominos</a:t>
-            </a:r>
-            <a:r>
-              <a:rPr lang="en-US" dirty="0"/>
-              <a:t>:</a:t>
-            </a:r>
-            <a:br>
-              <a:rPr lang="en-US" dirty="0"/>
-            </a:br>
-            <a:r>
-              <a:rPr lang="en-US" dirty="0">
-                <a:hlinkClick r:id="rId4"/>
-              </a:rPr>
-              <a:t>http://www3.amherst.edu/~nstarr/puzzle.html</a:t>
-            </a:r>
-            <a:br>
-              <a:rPr lang="en-US" dirty="0"/>
-            </a:br>
-            <a:endParaRPr lang="en-US" dirty="0"/>
-          </a:p>
-          <a:p>
-            <a:r>
-              <a:rPr lang="en-US" dirty="0"/>
-              <a:t>How can we approach this problem using Divide and Conquer?</a:t>
-            </a:r>
-          </a:p>
-          <a:p>
-            <a:r>
-              <a:rPr lang="en-US" dirty="0"/>
-              <a:t>Small solutions: Can we solve them directly?</a:t>
-            </a:r>
-          </a:p>
-          <a:p>
-            <a:pPr lvl="1"/>
-            <a:r>
-              <a:rPr lang="en-US" dirty="0"/>
-              <a:t>Yes:  2 x 2 board</a:t>
-            </a:r>
-          </a:p>
-          <a:p>
-            <a:r>
-              <a:rPr lang="en-US" dirty="0"/>
-              <a:t>Next larger problem:  4 x 4 board</a:t>
-            </a:r>
-          </a:p>
-          <a:p>
-            <a:pPr lvl="1"/>
-            <a:r>
-              <a:rPr lang="en-US" dirty="0"/>
-              <a:t>Hmm, need to divide it</a:t>
-            </a:r>
-          </a:p>
-          <a:p>
-            <a:pPr lvl="1"/>
-            <a:r>
-              <a:rPr lang="en-US" dirty="0"/>
-              <a:t>Four 2 x 2 boards</a:t>
-            </a:r>
-          </a:p>
-          <a:p>
-            <a:pPr lvl="1"/>
-            <a:r>
-              <a:rPr lang="en-US" dirty="0"/>
-              <a:t>Only one of these four has the missing square</a:t>
-            </a:r>
-          </a:p>
-          <a:p>
-            <a:pPr lvl="2"/>
-            <a:r>
-              <a:rPr lang="en-US" dirty="0"/>
-              <a:t>Solve it directly!</a:t>
-            </a:r>
-          </a:p>
-          <a:p>
-            <a:pPr lvl="1"/>
-            <a:r>
-              <a:rPr lang="en-US" dirty="0"/>
-              <a:t>What about the other three?</a:t>
-            </a:r>
-          </a:p>
-        </p:txBody>
-      </p:sp>
-    </p:spTree>
-  </p:cSld>
-  <p:clrMapOvr>
-    <a:masterClrMapping/>
-  </p:clrMapOvr>
-</p:sld>
-</file>
-
 <file path=ppt/slides/slide48.xml><?xml version="1.0" encoding="utf-8"?>
 <p:sld xmlns:a="http://schemas.openxmlformats.org/drawingml/2006/main" xmlns:r="http://schemas.openxmlformats.org/officeDocument/2006/relationships" xmlns:p="http://schemas.openxmlformats.org/presentationml/2006/main">
   <p:cSld>
@@ -18308,7 +18319,7 @@
       </p:grpSpPr>
       <p:sp>
         <p:nvSpPr>
-          <p:cNvPr id="27650" name="Rectangle 2"/>
+          <p:cNvPr id="26626" name="Rectangle 2"/>
           <p:cNvSpPr>
             <a:spLocks noGrp="1" noChangeArrowheads="1"/>
           </p:cNvSpPr>
@@ -18321,19 +18332,21 @@
         </p:nvSpPr>
         <p:spPr/>
         <p:txBody>
-          <a:bodyPr/>
+          <a:bodyPr>
+            <a:normAutofit/>
+          </a:bodyPr>
           <a:lstStyle/>
           <a:p>
             <a:r>
               <a:rPr lang="en-US"/>
-              <a:t>Trominos: Key to the Solution</a:t>
-            </a:r>
-          </a:p>
-        </p:txBody>
-      </p:sp>
-      <p:sp>
-        <p:nvSpPr>
-          <p:cNvPr id="4" name="Slide Number Placeholder 3"/>
+              <a:t>Trominos: Playing the Game, Strategy</a:t>
+            </a:r>
+          </a:p>
+        </p:txBody>
+      </p:sp>
+      <p:sp>
+        <p:nvSpPr>
+          <p:cNvPr id="6" name="Slide Number Placeholder 5"/>
           <p:cNvSpPr>
             <a:spLocks noGrp="1"/>
           </p:cNvSpPr>
@@ -18357,7 +18370,7 @@
       </p:sp>
       <p:sp>
         <p:nvSpPr>
-          <p:cNvPr id="27651" name="Rectangle 3"/>
+          <p:cNvPr id="26627" name="Rectangle 3"/>
           <p:cNvSpPr>
             <a:spLocks noGrp="1" noChangeArrowheads="1"/>
           </p:cNvSpPr>
@@ -18370,83 +18383,96 @@
         </p:nvSpPr>
         <p:spPr/>
         <p:txBody>
-          <a:bodyPr/>
-          <a:lstStyle/>
-          <a:p>
-            <a:r>
-              <a:rPr lang="en-US" dirty="0"/>
-              <a:t>Place one </a:t>
+          <a:bodyPr>
+            <a:normAutofit fontScale="92500" lnSpcReduction="10000"/>
+          </a:bodyPr>
+          <a:lstStyle/>
+          <a:p>
+            <a:pPr algn="l"/>
+            <a:r>
+              <a:rPr lang="en-US" dirty="0"/>
+              <a:t>Java app for </a:t>
             </a:r>
             <a:r>
               <a:rPr lang="en-US" dirty="0" err="1"/>
-              <a:t>tromino</a:t>
-            </a:r>
-            <a:r>
-              <a:rPr lang="en-US" dirty="0"/>
-              <a:t> where three 2 x 2 boards connect</a:t>
+              <a:t>Trominos</a:t>
+            </a:r>
+            <a:r>
+              <a:rPr lang="en-US" dirty="0"/>
+              <a:t>:</a:t>
+            </a:r>
+            <a:br>
+              <a:rPr lang="en-US" dirty="0"/>
+            </a:br>
+            <a:r>
+              <a:rPr lang="en-US" dirty="0">
+                <a:hlinkClick r:id="rId4"/>
+              </a:rPr>
+              <a:t>http://www3.amherst.edu/~nstarr/puzzle.html</a:t>
+            </a:r>
+            <a:br>
+              <a:rPr lang="en-US" dirty="0"/>
+            </a:br>
+            <a:endParaRPr lang="en-US" dirty="0"/>
+          </a:p>
+          <a:p>
+            <a:r>
+              <a:rPr lang="en-US" dirty="0"/>
+              <a:t>How can we approach this problem using Divide and Conquer?</a:t>
+            </a:r>
+          </a:p>
+          <a:p>
+            <a:r>
+              <a:rPr lang="en-US" dirty="0"/>
+              <a:t>Small solutions: Can we solve them directly?</a:t>
             </a:r>
           </a:p>
           <a:p>
             <a:pPr lvl="1"/>
             <a:r>
               <a:rPr lang="en-US" dirty="0"/>
-              <a:t>You now have three 2 x 2 deficient boards</a:t>
+              <a:t>Yes:  2 x 2 board</a:t>
+            </a:r>
+          </a:p>
+          <a:p>
+            <a:r>
+              <a:rPr lang="en-US" dirty="0"/>
+              <a:t>Next larger problem:  4 x 4 board</a:t>
             </a:r>
           </a:p>
           <a:p>
             <a:pPr lvl="1"/>
             <a:r>
               <a:rPr lang="en-US" dirty="0"/>
-              <a:t>Solve directly!</a:t>
-            </a:r>
-          </a:p>
-          <a:p>
-            <a:r>
-              <a:rPr lang="en-US" dirty="0"/>
-              <a:t>General solution for deficient board of size n</a:t>
+              <a:t>Hmm, need to divide it</a:t>
             </a:r>
           </a:p>
           <a:p>
             <a:pPr lvl="1"/>
             <a:r>
               <a:rPr lang="en-US" dirty="0"/>
-              <a:t>Divide into four boards</a:t>
+              <a:t>Four 2 x 2 boards</a:t>
             </a:r>
           </a:p>
           <a:p>
             <a:pPr lvl="1"/>
             <a:r>
               <a:rPr lang="en-US" dirty="0"/>
-              <a:t>Identify the smaller board that has the removed tile</a:t>
+              <a:t>Only one of these four has the missing square</a:t>
+            </a:r>
+          </a:p>
+          <a:p>
+            <a:pPr lvl="2"/>
+            <a:r>
+              <a:rPr lang="en-US" dirty="0"/>
+              <a:t>Solve it directly!</a:t>
             </a:r>
           </a:p>
           <a:p>
             <a:pPr lvl="1"/>
             <a:r>
               <a:rPr lang="en-US" dirty="0"/>
-              <a:t>Place one </a:t>
-            </a:r>
-            <a:r>
-              <a:rPr lang="en-US" dirty="0" err="1"/>
-              <a:t>tromino</a:t>
-            </a:r>
-            <a:r>
-              <a:rPr lang="en-US" dirty="0"/>
-              <a:t> that covers the corner of the other three</a:t>
-            </a:r>
-          </a:p>
-          <a:p>
-            <a:pPr lvl="1"/>
-            <a:r>
-              <a:rPr lang="en-US" dirty="0"/>
-              <a:t>Now recursively process all four deficient boards</a:t>
-            </a:r>
-          </a:p>
-          <a:p>
-            <a:pPr lvl="1"/>
-            <a:r>
-              <a:rPr lang="en-US" dirty="0"/>
-              <a:t>Don’t forget! First, check for n==2</a:t>
+              <a:t>What about the other three?</a:t>
             </a:r>
           </a:p>
         </p:txBody>
@@ -18478,531 +18504,32 @@
       </p:grpSpPr>
       <p:sp>
         <p:nvSpPr>
-          <p:cNvPr id="28674" name="Text Box 2"/>
-          <p:cNvSpPr txBox="1">
-            <a:spLocks noChangeArrowheads="1"/>
-          </p:cNvSpPr>
-          <p:nvPr>
+          <p:cNvPr id="27650" name="Rectangle 2"/>
+          <p:cNvSpPr>
+            <a:spLocks noGrp="1" noChangeArrowheads="1"/>
+          </p:cNvSpPr>
+          <p:nvPr>
+            <p:ph type="title"/>
             <p:custDataLst>
               <p:tags r:id="rId1"/>
             </p:custDataLst>
           </p:nvPr>
         </p:nvSpPr>
-        <p:spPr bwMode="auto">
-          <a:xfrm>
-            <a:off x="457200" y="1250950"/>
-            <a:ext cx="8686800" cy="5859463"/>
-          </a:xfrm>
-          <a:prstGeom prst="rect">
-            <a:avLst/>
-          </a:prstGeom>
-          <a:noFill/>
-          <a:ln w="9525">
-            <a:noFill/>
-            <a:miter lim="800000"/>
-            <a:headEnd/>
-            <a:tailEnd/>
-          </a:ln>
-        </p:spPr>
-        <p:txBody>
-          <a:bodyPr>
-            <a:spAutoFit/>
-          </a:bodyPr>
-          <a:lstStyle/>
-          <a:p>
-            <a:pPr defTabSz="457200" eaLnBrk="1" hangingPunct="1"/>
-            <a:r>
-              <a:rPr lang="en-US" sz="1800" b="1">
-                <a:latin typeface="Lucida Console" charset="0"/>
-              </a:rPr>
-              <a:t>Input Parameters: </a:t>
-            </a:r>
-            <a:r>
-              <a:rPr lang="en-US" sz="1800" b="1" i="1">
-                <a:latin typeface="Lucida Console" charset="0"/>
-              </a:rPr>
-              <a:t>n</a:t>
-            </a:r>
-            <a:r>
-              <a:rPr lang="en-US" sz="1800" b="1">
-                <a:latin typeface="Lucida Console" charset="0"/>
-              </a:rPr>
-              <a:t>, a power of 2 (the board size);</a:t>
-            </a:r>
-          </a:p>
-          <a:p>
-            <a:pPr defTabSz="457200" eaLnBrk="1" hangingPunct="1"/>
-            <a:r>
-              <a:rPr lang="en-US" sz="1800" b="1">
-                <a:latin typeface="Lucida Console" charset="0"/>
-              </a:rPr>
-              <a:t>                  the location </a:t>
-            </a:r>
-            <a:r>
-              <a:rPr lang="en-US" sz="1800" b="1" i="1">
-                <a:latin typeface="Lucida Console" charset="0"/>
-              </a:rPr>
-              <a:t>L</a:t>
-            </a:r>
-            <a:r>
-              <a:rPr lang="en-US" sz="1800" b="1">
-                <a:latin typeface="Lucida Console" charset="0"/>
-              </a:rPr>
-              <a:t> of the missing square</a:t>
-            </a:r>
-          </a:p>
-          <a:p>
-            <a:pPr defTabSz="457200" eaLnBrk="1" hangingPunct="1"/>
-            <a:r>
-              <a:rPr lang="en-US" sz="1800" b="1">
-                <a:latin typeface="Lucida Console" charset="0"/>
-              </a:rPr>
-              <a:t>Output Parameters: None</a:t>
-            </a:r>
-          </a:p>
-          <a:p>
-            <a:pPr defTabSz="457200" eaLnBrk="1" hangingPunct="1"/>
-            <a:r>
-              <a:rPr lang="en-US" sz="1800" b="1" i="1">
-                <a:latin typeface="Lucida Console" charset="0"/>
-              </a:rPr>
-              <a:t>tile</a:t>
-            </a:r>
-            <a:r>
-              <a:rPr lang="en-US" sz="1800" b="1">
-                <a:latin typeface="Lucida Console" charset="0"/>
-              </a:rPr>
-              <a:t>(</a:t>
-            </a:r>
-            <a:r>
-              <a:rPr lang="en-US" sz="1800" b="1" i="1">
-                <a:latin typeface="Lucida Console" charset="0"/>
-              </a:rPr>
-              <a:t>n</a:t>
-            </a:r>
-            <a:r>
-              <a:rPr lang="en-US" sz="1800" b="1">
-                <a:latin typeface="Lucida Console" charset="0"/>
-              </a:rPr>
-              <a:t>,</a:t>
-            </a:r>
-            <a:r>
-              <a:rPr lang="en-US" sz="1800" b="1" i="1">
-                <a:latin typeface="Lucida Console" charset="0"/>
-              </a:rPr>
-              <a:t>L</a:t>
-            </a:r>
-            <a:r>
-              <a:rPr lang="en-US" sz="1800" b="1">
-                <a:latin typeface="Lucida Console" charset="0"/>
-              </a:rPr>
-              <a:t>) {</a:t>
-            </a:r>
-          </a:p>
-          <a:p>
-            <a:pPr defTabSz="457200" eaLnBrk="1" hangingPunct="1"/>
-            <a:r>
-              <a:rPr lang="en-US" sz="1800" b="1">
-                <a:latin typeface="Lucida Console" charset="0"/>
-              </a:rPr>
-              <a:t>  	if (</a:t>
-            </a:r>
-            <a:r>
-              <a:rPr lang="en-US" sz="1800" b="1" i="1">
-                <a:latin typeface="Lucida Console" charset="0"/>
-              </a:rPr>
-              <a:t>n</a:t>
-            </a:r>
-            <a:r>
-              <a:rPr lang="en-US" sz="1800" b="1">
-                <a:latin typeface="Lucida Console" charset="0"/>
-              </a:rPr>
-              <a:t> == 2) {</a:t>
-            </a:r>
-          </a:p>
-          <a:p>
-            <a:pPr defTabSz="457200" eaLnBrk="1" hangingPunct="1"/>
-            <a:r>
-              <a:rPr lang="en-US" sz="1800" b="1">
-                <a:latin typeface="Lucida Console" charset="0"/>
-              </a:rPr>
-              <a:t>  		// the board is a right tromino </a:t>
-            </a:r>
-            <a:r>
-              <a:rPr lang="en-US" sz="1800" b="1" i="1">
-                <a:latin typeface="Lucida Console" charset="0"/>
-              </a:rPr>
-              <a:t>T</a:t>
-            </a:r>
-          </a:p>
-          <a:p>
-            <a:pPr defTabSz="457200" eaLnBrk="1" hangingPunct="1"/>
-            <a:r>
-              <a:rPr lang="en-US" sz="1800" b="1">
-                <a:latin typeface="Lucida Console" charset="0"/>
-              </a:rPr>
-              <a:t>     	tile with </a:t>
-            </a:r>
-            <a:r>
-              <a:rPr lang="en-US" sz="1800" b="1" i="1">
-                <a:latin typeface="Lucida Console" charset="0"/>
-              </a:rPr>
-              <a:t>T</a:t>
-            </a:r>
-          </a:p>
-          <a:p>
-            <a:pPr defTabSz="457200" eaLnBrk="1" hangingPunct="1"/>
-            <a:r>
-              <a:rPr lang="en-US" sz="1800" b="1">
-                <a:latin typeface="Lucida Console" charset="0"/>
-              </a:rPr>
-              <a:t>     	return</a:t>
-            </a:r>
-          </a:p>
-          <a:p>
-            <a:pPr defTabSz="457200" eaLnBrk="1" hangingPunct="1"/>
-            <a:r>
-              <a:rPr lang="en-US" sz="1800" b="1">
-                <a:latin typeface="Lucida Console" charset="0"/>
-              </a:rPr>
-              <a:t>  	}</a:t>
-            </a:r>
-          </a:p>
-          <a:p>
-            <a:pPr defTabSz="457200" eaLnBrk="1" hangingPunct="1"/>
-            <a:r>
-              <a:rPr lang="en-US" sz="1800" b="1">
-                <a:latin typeface="Lucida Console" charset="0"/>
-              </a:rPr>
-              <a:t>  	divide the board into four </a:t>
-            </a:r>
-            <a:r>
-              <a:rPr lang="en-US" sz="1800" b="1" i="1">
-                <a:latin typeface="Lucida Console" charset="0"/>
-              </a:rPr>
-              <a:t>n</a:t>
-            </a:r>
-            <a:r>
-              <a:rPr lang="en-US" sz="1800" b="1">
-                <a:latin typeface="Lucida Console" charset="0"/>
-              </a:rPr>
-              <a:t>/2 × </a:t>
-            </a:r>
-            <a:r>
-              <a:rPr lang="en-US" sz="1800" b="1" i="1">
-                <a:latin typeface="Lucida Console" charset="0"/>
-              </a:rPr>
-              <a:t>n</a:t>
-            </a:r>
-            <a:r>
-              <a:rPr lang="en-US" sz="1800" b="1">
-                <a:latin typeface="Lucida Console" charset="0"/>
-              </a:rPr>
-              <a:t>/2 subboards</a:t>
-            </a:r>
-          </a:p>
-          <a:p>
-            <a:pPr defTabSz="457200" eaLnBrk="1" hangingPunct="1"/>
-            <a:r>
-              <a:rPr lang="en-US" sz="1800" b="1">
-                <a:latin typeface="Lucida Console" charset="0"/>
-              </a:rPr>
-              <a:t>  	place one tromino as in Figure 5.1.4(b)</a:t>
-            </a:r>
-          </a:p>
-          <a:p>
-            <a:pPr defTabSz="457200" eaLnBrk="1" hangingPunct="1"/>
-            <a:r>
-              <a:rPr lang="en-US" sz="1800" b="1">
-                <a:latin typeface="Lucida Console" charset="0"/>
-              </a:rPr>
-              <a:t>  	// each of the 1 × 1 squares in this tromino </a:t>
-            </a:r>
-          </a:p>
-          <a:p>
-            <a:pPr defTabSz="457200" eaLnBrk="1" hangingPunct="1"/>
-            <a:r>
-              <a:rPr lang="en-US" sz="1800" b="1">
-                <a:latin typeface="Lucida Console" charset="0"/>
-              </a:rPr>
-              <a:t>	// is considered as missing</a:t>
-            </a:r>
-          </a:p>
-          <a:p>
-            <a:pPr defTabSz="457200" eaLnBrk="1" hangingPunct="1"/>
-            <a:r>
-              <a:rPr lang="en-US" sz="1800" b="1">
-                <a:latin typeface="Lucida Console" charset="0"/>
-              </a:rPr>
-              <a:t> 	let </a:t>
-            </a:r>
-            <a:r>
-              <a:rPr lang="en-US" sz="1800" b="1" i="1">
-                <a:latin typeface="Lucida Console" charset="0"/>
-              </a:rPr>
-              <a:t>m</a:t>
-            </a:r>
-            <a:r>
-              <a:rPr lang="en-US" sz="1800" b="1" baseline="-25000">
-                <a:latin typeface="Lucida Console" charset="0"/>
-              </a:rPr>
-              <a:t>1</a:t>
-            </a:r>
-            <a:r>
-              <a:rPr lang="en-US" sz="1800" b="1">
-                <a:latin typeface="Lucida Console" charset="0"/>
-              </a:rPr>
-              <a:t>,</a:t>
-            </a:r>
-            <a:r>
-              <a:rPr lang="en-US" sz="1800" b="1" i="1">
-                <a:latin typeface="Lucida Console" charset="0"/>
-              </a:rPr>
-              <a:t>m</a:t>
-            </a:r>
-            <a:r>
-              <a:rPr lang="en-US" sz="1800" b="1" baseline="-25000">
-                <a:latin typeface="Lucida Console" charset="0"/>
-              </a:rPr>
-              <a:t>2</a:t>
-            </a:r>
-            <a:r>
-              <a:rPr lang="en-US" sz="1800" b="1">
-                <a:latin typeface="Lucida Console" charset="0"/>
-              </a:rPr>
-              <a:t>,</a:t>
-            </a:r>
-            <a:r>
-              <a:rPr lang="en-US" sz="1800" b="1" i="1">
-                <a:latin typeface="Lucida Console" charset="0"/>
-              </a:rPr>
-              <a:t>m</a:t>
-            </a:r>
-            <a:r>
-              <a:rPr lang="en-US" sz="1800" b="1" baseline="-25000">
-                <a:latin typeface="Lucida Console" charset="0"/>
-              </a:rPr>
-              <a:t>3</a:t>
-            </a:r>
-            <a:r>
-              <a:rPr lang="en-US" sz="1800" b="1">
-                <a:latin typeface="Lucida Console" charset="0"/>
-              </a:rPr>
-              <a:t>,</a:t>
-            </a:r>
-            <a:r>
-              <a:rPr lang="en-US" sz="1800" b="1" i="1">
-                <a:latin typeface="Lucida Console" charset="0"/>
-              </a:rPr>
-              <a:t>m</a:t>
-            </a:r>
-            <a:r>
-              <a:rPr lang="en-US" sz="1800" b="1" baseline="-25000">
-                <a:latin typeface="Lucida Console" charset="0"/>
-              </a:rPr>
-              <a:t>4</a:t>
-            </a:r>
-            <a:r>
-              <a:rPr lang="en-US" sz="1800" b="1">
-                <a:latin typeface="Lucida Console" charset="0"/>
-              </a:rPr>
-              <a:t> be the locations of the missing squares	</a:t>
-            </a:r>
-          </a:p>
-          <a:p>
-            <a:pPr defTabSz="457200" eaLnBrk="1" hangingPunct="1"/>
-            <a:r>
-              <a:rPr lang="en-US" sz="1800" b="1">
-                <a:latin typeface="Lucida Console" charset="0"/>
-              </a:rPr>
-              <a:t>	</a:t>
-            </a:r>
-            <a:r>
-              <a:rPr lang="pt-BR" sz="1800" b="1">
-                <a:latin typeface="Lucida Console" charset="0"/>
-              </a:rPr>
-              <a:t>tile(</a:t>
-            </a:r>
-            <a:r>
-              <a:rPr lang="pt-BR" sz="1800" b="1" i="1">
-                <a:latin typeface="Lucida Console" charset="0"/>
-              </a:rPr>
-              <a:t>n</a:t>
-            </a:r>
-            <a:r>
-              <a:rPr lang="pt-BR" sz="1800" b="1">
-                <a:latin typeface="Lucida Console" charset="0"/>
-              </a:rPr>
-              <a:t>/2,</a:t>
-            </a:r>
-            <a:r>
-              <a:rPr lang="pt-BR" sz="1800" b="1" i="1">
-                <a:latin typeface="Lucida Console" charset="0"/>
-              </a:rPr>
-              <a:t>m</a:t>
-            </a:r>
-            <a:r>
-              <a:rPr lang="en-US" sz="1800" b="1" baseline="-25000">
-                <a:latin typeface="Lucida Console" charset="0"/>
-              </a:rPr>
-              <a:t>1</a:t>
-            </a:r>
-            <a:r>
-              <a:rPr lang="pt-BR" sz="1800" b="1">
-                <a:latin typeface="Lucida Console" charset="0"/>
-              </a:rPr>
-              <a:t>)</a:t>
-            </a:r>
-          </a:p>
-          <a:p>
-            <a:pPr defTabSz="457200" eaLnBrk="1" hangingPunct="1"/>
-            <a:r>
-              <a:rPr lang="pt-BR" sz="1800" b="1">
-                <a:latin typeface="Lucida Console" charset="0"/>
-              </a:rPr>
-              <a:t>	tile(</a:t>
-            </a:r>
-            <a:r>
-              <a:rPr lang="pt-BR" sz="1800" b="1" i="1">
-                <a:latin typeface="Lucida Console" charset="0"/>
-              </a:rPr>
-              <a:t>n</a:t>
-            </a:r>
-            <a:r>
-              <a:rPr lang="pt-BR" sz="1800" b="1">
-                <a:latin typeface="Lucida Console" charset="0"/>
-              </a:rPr>
-              <a:t>/2,</a:t>
-            </a:r>
-            <a:r>
-              <a:rPr lang="pt-BR" sz="1800" b="1" i="1">
-                <a:latin typeface="Lucida Console" charset="0"/>
-              </a:rPr>
-              <a:t>m</a:t>
-            </a:r>
-            <a:r>
-              <a:rPr lang="en-US" sz="1800" b="1" baseline="-25000">
-                <a:latin typeface="Lucida Console" charset="0"/>
-              </a:rPr>
-              <a:t>2</a:t>
-            </a:r>
-            <a:r>
-              <a:rPr lang="pt-BR" sz="1800" b="1">
-                <a:latin typeface="Lucida Console" charset="0"/>
-              </a:rPr>
-              <a:t>)</a:t>
-            </a:r>
-          </a:p>
-          <a:p>
-            <a:pPr defTabSz="457200" eaLnBrk="1" hangingPunct="1"/>
-            <a:r>
-              <a:rPr lang="pt-BR" sz="1800" b="1">
-                <a:latin typeface="Lucida Console" charset="0"/>
-              </a:rPr>
-              <a:t>	tile(</a:t>
-            </a:r>
-            <a:r>
-              <a:rPr lang="pt-BR" sz="1800" b="1" i="1">
-                <a:latin typeface="Lucida Console" charset="0"/>
-              </a:rPr>
-              <a:t>n</a:t>
-            </a:r>
-            <a:r>
-              <a:rPr lang="pt-BR" sz="1800" b="1">
-                <a:latin typeface="Lucida Console" charset="0"/>
-              </a:rPr>
-              <a:t>/2,</a:t>
-            </a:r>
-            <a:r>
-              <a:rPr lang="pt-BR" sz="1800" b="1" i="1">
-                <a:latin typeface="Lucida Console" charset="0"/>
-              </a:rPr>
-              <a:t>m</a:t>
-            </a:r>
-            <a:r>
-              <a:rPr lang="en-US" sz="1800" b="1" baseline="-25000">
-                <a:latin typeface="Lucida Console" charset="0"/>
-              </a:rPr>
-              <a:t>3</a:t>
-            </a:r>
-            <a:r>
-              <a:rPr lang="pt-BR" sz="1800" b="1">
-                <a:latin typeface="Lucida Console" charset="0"/>
-              </a:rPr>
-              <a:t>)</a:t>
-            </a:r>
-          </a:p>
-          <a:p>
-            <a:pPr defTabSz="457200" eaLnBrk="1" hangingPunct="1"/>
-            <a:r>
-              <a:rPr lang="pt-BR" sz="1800" b="1">
-                <a:latin typeface="Lucida Console" charset="0"/>
-              </a:rPr>
-              <a:t>	tile(</a:t>
-            </a:r>
-            <a:r>
-              <a:rPr lang="pt-BR" sz="1800" b="1" i="1">
-                <a:latin typeface="Lucida Console" charset="0"/>
-              </a:rPr>
-              <a:t>n</a:t>
-            </a:r>
-            <a:r>
-              <a:rPr lang="pt-BR" sz="1800" b="1">
-                <a:latin typeface="Lucida Console" charset="0"/>
-              </a:rPr>
-              <a:t>/2,</a:t>
-            </a:r>
-            <a:r>
-              <a:rPr lang="pt-BR" sz="1800" b="1" i="1">
-                <a:latin typeface="Lucida Console" charset="0"/>
-              </a:rPr>
-              <a:t>m</a:t>
-            </a:r>
-            <a:r>
-              <a:rPr lang="en-US" sz="1800" b="1" baseline="-25000">
-                <a:latin typeface="Lucida Console" charset="0"/>
-              </a:rPr>
-              <a:t>4</a:t>
-            </a:r>
-            <a:r>
-              <a:rPr lang="pt-BR" sz="1800" b="1">
-                <a:latin typeface="Lucida Console" charset="0"/>
-              </a:rPr>
-              <a:t>)</a:t>
-            </a:r>
-          </a:p>
-          <a:p>
-            <a:pPr defTabSz="457200" eaLnBrk="1" hangingPunct="1"/>
-            <a:r>
-              <a:rPr lang="pt-BR" sz="1800" b="1">
-                <a:latin typeface="Lucida Console" charset="0"/>
-              </a:rPr>
-              <a:t>}</a:t>
-            </a:r>
-            <a:r>
-              <a:rPr lang="pt-BR" sz="1800">
-                <a:latin typeface="Lucida Console" charset="0"/>
-              </a:rPr>
-              <a:t>	</a:t>
-            </a:r>
-          </a:p>
-          <a:p>
-            <a:pPr defTabSz="457200" eaLnBrk="1" hangingPunct="1"/>
-            <a:endParaRPr lang="pt-BR" sz="1800">
-              <a:latin typeface="Lucida Console" charset="0"/>
-            </a:endParaRPr>
-          </a:p>
-          <a:p>
-            <a:pPr defTabSz="457200" eaLnBrk="1" hangingPunct="1"/>
-            <a:endParaRPr lang="en-US" sz="1800">
-              <a:latin typeface="Lucida Console" charset="0"/>
-            </a:endParaRPr>
-          </a:p>
-        </p:txBody>
-      </p:sp>
-      <p:sp>
-        <p:nvSpPr>
-          <p:cNvPr id="3" name="Slide Number Placeholder 2"/>
+        <p:spPr/>
+        <p:txBody>
+          <a:bodyPr/>
+          <a:lstStyle/>
+          <a:p>
+            <a:r>
+              <a:rPr lang="en-US"/>
+              <a:t>Trominos: Key to the Solution</a:t>
+            </a:r>
+          </a:p>
+        </p:txBody>
+      </p:sp>
+      <p:sp>
+        <p:nvSpPr>
+          <p:cNvPr id="4" name="Slide Number Placeholder 3"/>
           <p:cNvSpPr>
             <a:spLocks noGrp="1"/>
           </p:cNvSpPr>
@@ -19021,6 +18548,102 @@
               <a:t>49</a:t>
             </a:fld>
             <a:endParaRPr lang="en-US"/>
+          </a:p>
+        </p:txBody>
+      </p:sp>
+      <p:sp>
+        <p:nvSpPr>
+          <p:cNvPr id="27651" name="Rectangle 3"/>
+          <p:cNvSpPr>
+            <a:spLocks noGrp="1" noChangeArrowheads="1"/>
+          </p:cNvSpPr>
+          <p:nvPr>
+            <p:ph sz="quarter" idx="1"/>
+            <p:custDataLst>
+              <p:tags r:id="rId2"/>
+            </p:custDataLst>
+          </p:nvPr>
+        </p:nvSpPr>
+        <p:spPr/>
+        <p:txBody>
+          <a:bodyPr/>
+          <a:lstStyle/>
+          <a:p>
+            <a:r>
+              <a:rPr lang="en-US" dirty="0"/>
+              <a:t>Place one </a:t>
+            </a:r>
+            <a:r>
+              <a:rPr lang="en-US" dirty="0" err="1"/>
+              <a:t>tromino</a:t>
+            </a:r>
+            <a:r>
+              <a:rPr lang="en-US" dirty="0"/>
+              <a:t> where three 2 x 2 boards connect</a:t>
+            </a:r>
+          </a:p>
+          <a:p>
+            <a:pPr lvl="1"/>
+            <a:r>
+              <a:rPr lang="en-US" dirty="0"/>
+              <a:t>You now have three 2 x 2 deficient boards</a:t>
+            </a:r>
+          </a:p>
+          <a:p>
+            <a:pPr lvl="1"/>
+            <a:r>
+              <a:rPr lang="en-US" dirty="0"/>
+              <a:t>Solve directly!</a:t>
+            </a:r>
+          </a:p>
+          <a:p>
+            <a:r>
+              <a:rPr lang="en-US" dirty="0"/>
+              <a:t>General solution for deficient board of size n</a:t>
+            </a:r>
+          </a:p>
+          <a:p>
+            <a:pPr lvl="1"/>
+            <a:r>
+              <a:rPr lang="en-US" dirty="0"/>
+              <a:t>Divide into four boards</a:t>
+            </a:r>
+          </a:p>
+          <a:p>
+            <a:pPr lvl="1"/>
+            <a:r>
+              <a:rPr lang="en-US" dirty="0"/>
+              <a:t>Identify the smaller board that has the removed tile</a:t>
+            </a:r>
+          </a:p>
+          <a:p>
+            <a:pPr lvl="1"/>
+            <a:r>
+              <a:rPr lang="en-US" dirty="0"/>
+              <a:t>Place one </a:t>
+            </a:r>
+            <a:r>
+              <a:rPr lang="en-US" dirty="0" err="1"/>
+              <a:t>tromino</a:t>
+            </a:r>
+            <a:r>
+              <a:rPr lang="en-US" dirty="0"/>
+              <a:t> that covers the corner of the other three</a:t>
+            </a:r>
+          </a:p>
+          <a:p>
+            <a:pPr lvl="1"/>
+            <a:r>
+              <a:rPr lang="en-US" dirty="0"/>
+              <a:t>Now recursively process all four deficient boards</a:t>
+            </a:r>
+          </a:p>
+          <a:p>
+            <a:pPr lvl="1"/>
+            <a:r>
+              <a:rPr lang="en-US" dirty="0"/>
+              <a:t>Don’t forget! First, check for n==2</a:t>
+            </a:r>
           </a:p>
         </p:txBody>
       </p:sp>
@@ -19257,32 +18880,531 @@
       </p:grpSpPr>
       <p:sp>
         <p:nvSpPr>
-          <p:cNvPr id="29698" name="Rectangle 2"/>
-          <p:cNvSpPr>
-            <a:spLocks noGrp="1" noChangeArrowheads="1"/>
-          </p:cNvSpPr>
-          <p:nvPr>
-            <p:ph type="title"/>
+          <p:cNvPr id="28674" name="Text Box 2"/>
+          <p:cNvSpPr txBox="1">
+            <a:spLocks noChangeArrowheads="1"/>
+          </p:cNvSpPr>
+          <p:nvPr>
             <p:custDataLst>
               <p:tags r:id="rId1"/>
             </p:custDataLst>
           </p:nvPr>
         </p:nvSpPr>
-        <p:spPr/>
-        <p:txBody>
-          <a:bodyPr/>
-          <a:lstStyle/>
-          <a:p>
-            <a:r>
-              <a:rPr lang="en-US"/>
-              <a:t>Trominos: Analysis</a:t>
-            </a:r>
-          </a:p>
-        </p:txBody>
-      </p:sp>
-      <p:sp>
-        <p:nvSpPr>
-          <p:cNvPr id="4" name="Slide Number Placeholder 3"/>
+        <p:spPr bwMode="auto">
+          <a:xfrm>
+            <a:off x="457200" y="1250950"/>
+            <a:ext cx="8686800" cy="5859463"/>
+          </a:xfrm>
+          <a:prstGeom prst="rect">
+            <a:avLst/>
+          </a:prstGeom>
+          <a:noFill/>
+          <a:ln w="9525">
+            <a:noFill/>
+            <a:miter lim="800000"/>
+            <a:headEnd/>
+            <a:tailEnd/>
+          </a:ln>
+        </p:spPr>
+        <p:txBody>
+          <a:bodyPr>
+            <a:spAutoFit/>
+          </a:bodyPr>
+          <a:lstStyle/>
+          <a:p>
+            <a:pPr defTabSz="457200" eaLnBrk="1" hangingPunct="1"/>
+            <a:r>
+              <a:rPr lang="en-US" sz="1800" b="1">
+                <a:latin typeface="Lucida Console" charset="0"/>
+              </a:rPr>
+              <a:t>Input Parameters: </a:t>
+            </a:r>
+            <a:r>
+              <a:rPr lang="en-US" sz="1800" b="1" i="1">
+                <a:latin typeface="Lucida Console" charset="0"/>
+              </a:rPr>
+              <a:t>n</a:t>
+            </a:r>
+            <a:r>
+              <a:rPr lang="en-US" sz="1800" b="1">
+                <a:latin typeface="Lucida Console" charset="0"/>
+              </a:rPr>
+              <a:t>, a power of 2 (the board size);</a:t>
+            </a:r>
+          </a:p>
+          <a:p>
+            <a:pPr defTabSz="457200" eaLnBrk="1" hangingPunct="1"/>
+            <a:r>
+              <a:rPr lang="en-US" sz="1800" b="1">
+                <a:latin typeface="Lucida Console" charset="0"/>
+              </a:rPr>
+              <a:t>                  the location </a:t>
+            </a:r>
+            <a:r>
+              <a:rPr lang="en-US" sz="1800" b="1" i="1">
+                <a:latin typeface="Lucida Console" charset="0"/>
+              </a:rPr>
+              <a:t>L</a:t>
+            </a:r>
+            <a:r>
+              <a:rPr lang="en-US" sz="1800" b="1">
+                <a:latin typeface="Lucida Console" charset="0"/>
+              </a:rPr>
+              <a:t> of the missing square</a:t>
+            </a:r>
+          </a:p>
+          <a:p>
+            <a:pPr defTabSz="457200" eaLnBrk="1" hangingPunct="1"/>
+            <a:r>
+              <a:rPr lang="en-US" sz="1800" b="1">
+                <a:latin typeface="Lucida Console" charset="0"/>
+              </a:rPr>
+              <a:t>Output Parameters: None</a:t>
+            </a:r>
+          </a:p>
+          <a:p>
+            <a:pPr defTabSz="457200" eaLnBrk="1" hangingPunct="1"/>
+            <a:r>
+              <a:rPr lang="en-US" sz="1800" b="1" i="1">
+                <a:latin typeface="Lucida Console" charset="0"/>
+              </a:rPr>
+              <a:t>tile</a:t>
+            </a:r>
+            <a:r>
+              <a:rPr lang="en-US" sz="1800" b="1">
+                <a:latin typeface="Lucida Console" charset="0"/>
+              </a:rPr>
+              <a:t>(</a:t>
+            </a:r>
+            <a:r>
+              <a:rPr lang="en-US" sz="1800" b="1" i="1">
+                <a:latin typeface="Lucida Console" charset="0"/>
+              </a:rPr>
+              <a:t>n</a:t>
+            </a:r>
+            <a:r>
+              <a:rPr lang="en-US" sz="1800" b="1">
+                <a:latin typeface="Lucida Console" charset="0"/>
+              </a:rPr>
+              <a:t>,</a:t>
+            </a:r>
+            <a:r>
+              <a:rPr lang="en-US" sz="1800" b="1" i="1">
+                <a:latin typeface="Lucida Console" charset="0"/>
+              </a:rPr>
+              <a:t>L</a:t>
+            </a:r>
+            <a:r>
+              <a:rPr lang="en-US" sz="1800" b="1">
+                <a:latin typeface="Lucida Console" charset="0"/>
+              </a:rPr>
+              <a:t>) {</a:t>
+            </a:r>
+          </a:p>
+          <a:p>
+            <a:pPr defTabSz="457200" eaLnBrk="1" hangingPunct="1"/>
+            <a:r>
+              <a:rPr lang="en-US" sz="1800" b="1">
+                <a:latin typeface="Lucida Console" charset="0"/>
+              </a:rPr>
+              <a:t>  	if (</a:t>
+            </a:r>
+            <a:r>
+              <a:rPr lang="en-US" sz="1800" b="1" i="1">
+                <a:latin typeface="Lucida Console" charset="0"/>
+              </a:rPr>
+              <a:t>n</a:t>
+            </a:r>
+            <a:r>
+              <a:rPr lang="en-US" sz="1800" b="1">
+                <a:latin typeface="Lucida Console" charset="0"/>
+              </a:rPr>
+              <a:t> == 2) {</a:t>
+            </a:r>
+          </a:p>
+          <a:p>
+            <a:pPr defTabSz="457200" eaLnBrk="1" hangingPunct="1"/>
+            <a:r>
+              <a:rPr lang="en-US" sz="1800" b="1">
+                <a:latin typeface="Lucida Console" charset="0"/>
+              </a:rPr>
+              <a:t>  		// the board is a right tromino </a:t>
+            </a:r>
+            <a:r>
+              <a:rPr lang="en-US" sz="1800" b="1" i="1">
+                <a:latin typeface="Lucida Console" charset="0"/>
+              </a:rPr>
+              <a:t>T</a:t>
+            </a:r>
+          </a:p>
+          <a:p>
+            <a:pPr defTabSz="457200" eaLnBrk="1" hangingPunct="1"/>
+            <a:r>
+              <a:rPr lang="en-US" sz="1800" b="1">
+                <a:latin typeface="Lucida Console" charset="0"/>
+              </a:rPr>
+              <a:t>     	tile with </a:t>
+            </a:r>
+            <a:r>
+              <a:rPr lang="en-US" sz="1800" b="1" i="1">
+                <a:latin typeface="Lucida Console" charset="0"/>
+              </a:rPr>
+              <a:t>T</a:t>
+            </a:r>
+          </a:p>
+          <a:p>
+            <a:pPr defTabSz="457200" eaLnBrk="1" hangingPunct="1"/>
+            <a:r>
+              <a:rPr lang="en-US" sz="1800" b="1">
+                <a:latin typeface="Lucida Console" charset="0"/>
+              </a:rPr>
+              <a:t>     	return</a:t>
+            </a:r>
+          </a:p>
+          <a:p>
+            <a:pPr defTabSz="457200" eaLnBrk="1" hangingPunct="1"/>
+            <a:r>
+              <a:rPr lang="en-US" sz="1800" b="1">
+                <a:latin typeface="Lucida Console" charset="0"/>
+              </a:rPr>
+              <a:t>  	}</a:t>
+            </a:r>
+          </a:p>
+          <a:p>
+            <a:pPr defTabSz="457200" eaLnBrk="1" hangingPunct="1"/>
+            <a:r>
+              <a:rPr lang="en-US" sz="1800" b="1">
+                <a:latin typeface="Lucida Console" charset="0"/>
+              </a:rPr>
+              <a:t>  	divide the board into four </a:t>
+            </a:r>
+            <a:r>
+              <a:rPr lang="en-US" sz="1800" b="1" i="1">
+                <a:latin typeface="Lucida Console" charset="0"/>
+              </a:rPr>
+              <a:t>n</a:t>
+            </a:r>
+            <a:r>
+              <a:rPr lang="en-US" sz="1800" b="1">
+                <a:latin typeface="Lucida Console" charset="0"/>
+              </a:rPr>
+              <a:t>/2 × </a:t>
+            </a:r>
+            <a:r>
+              <a:rPr lang="en-US" sz="1800" b="1" i="1">
+                <a:latin typeface="Lucida Console" charset="0"/>
+              </a:rPr>
+              <a:t>n</a:t>
+            </a:r>
+            <a:r>
+              <a:rPr lang="en-US" sz="1800" b="1">
+                <a:latin typeface="Lucida Console" charset="0"/>
+              </a:rPr>
+              <a:t>/2 subboards</a:t>
+            </a:r>
+          </a:p>
+          <a:p>
+            <a:pPr defTabSz="457200" eaLnBrk="1" hangingPunct="1"/>
+            <a:r>
+              <a:rPr lang="en-US" sz="1800" b="1">
+                <a:latin typeface="Lucida Console" charset="0"/>
+              </a:rPr>
+              <a:t>  	place one tromino as in Figure 5.1.4(b)</a:t>
+            </a:r>
+          </a:p>
+          <a:p>
+            <a:pPr defTabSz="457200" eaLnBrk="1" hangingPunct="1"/>
+            <a:r>
+              <a:rPr lang="en-US" sz="1800" b="1">
+                <a:latin typeface="Lucida Console" charset="0"/>
+              </a:rPr>
+              <a:t>  	// each of the 1 × 1 squares in this tromino </a:t>
+            </a:r>
+          </a:p>
+          <a:p>
+            <a:pPr defTabSz="457200" eaLnBrk="1" hangingPunct="1"/>
+            <a:r>
+              <a:rPr lang="en-US" sz="1800" b="1">
+                <a:latin typeface="Lucida Console" charset="0"/>
+              </a:rPr>
+              <a:t>	// is considered as missing</a:t>
+            </a:r>
+          </a:p>
+          <a:p>
+            <a:pPr defTabSz="457200" eaLnBrk="1" hangingPunct="1"/>
+            <a:r>
+              <a:rPr lang="en-US" sz="1800" b="1">
+                <a:latin typeface="Lucida Console" charset="0"/>
+              </a:rPr>
+              <a:t> 	let </a:t>
+            </a:r>
+            <a:r>
+              <a:rPr lang="en-US" sz="1800" b="1" i="1">
+                <a:latin typeface="Lucida Console" charset="0"/>
+              </a:rPr>
+              <a:t>m</a:t>
+            </a:r>
+            <a:r>
+              <a:rPr lang="en-US" sz="1800" b="1" baseline="-25000">
+                <a:latin typeface="Lucida Console" charset="0"/>
+              </a:rPr>
+              <a:t>1</a:t>
+            </a:r>
+            <a:r>
+              <a:rPr lang="en-US" sz="1800" b="1">
+                <a:latin typeface="Lucida Console" charset="0"/>
+              </a:rPr>
+              <a:t>,</a:t>
+            </a:r>
+            <a:r>
+              <a:rPr lang="en-US" sz="1800" b="1" i="1">
+                <a:latin typeface="Lucida Console" charset="0"/>
+              </a:rPr>
+              <a:t>m</a:t>
+            </a:r>
+            <a:r>
+              <a:rPr lang="en-US" sz="1800" b="1" baseline="-25000">
+                <a:latin typeface="Lucida Console" charset="0"/>
+              </a:rPr>
+              <a:t>2</a:t>
+            </a:r>
+            <a:r>
+              <a:rPr lang="en-US" sz="1800" b="1">
+                <a:latin typeface="Lucida Console" charset="0"/>
+              </a:rPr>
+              <a:t>,</a:t>
+            </a:r>
+            <a:r>
+              <a:rPr lang="en-US" sz="1800" b="1" i="1">
+                <a:latin typeface="Lucida Console" charset="0"/>
+              </a:rPr>
+              <a:t>m</a:t>
+            </a:r>
+            <a:r>
+              <a:rPr lang="en-US" sz="1800" b="1" baseline="-25000">
+                <a:latin typeface="Lucida Console" charset="0"/>
+              </a:rPr>
+              <a:t>3</a:t>
+            </a:r>
+            <a:r>
+              <a:rPr lang="en-US" sz="1800" b="1">
+                <a:latin typeface="Lucida Console" charset="0"/>
+              </a:rPr>
+              <a:t>,</a:t>
+            </a:r>
+            <a:r>
+              <a:rPr lang="en-US" sz="1800" b="1" i="1">
+                <a:latin typeface="Lucida Console" charset="0"/>
+              </a:rPr>
+              <a:t>m</a:t>
+            </a:r>
+            <a:r>
+              <a:rPr lang="en-US" sz="1800" b="1" baseline="-25000">
+                <a:latin typeface="Lucida Console" charset="0"/>
+              </a:rPr>
+              <a:t>4</a:t>
+            </a:r>
+            <a:r>
+              <a:rPr lang="en-US" sz="1800" b="1">
+                <a:latin typeface="Lucida Console" charset="0"/>
+              </a:rPr>
+              <a:t> be the locations of the missing squares	</a:t>
+            </a:r>
+          </a:p>
+          <a:p>
+            <a:pPr defTabSz="457200" eaLnBrk="1" hangingPunct="1"/>
+            <a:r>
+              <a:rPr lang="en-US" sz="1800" b="1">
+                <a:latin typeface="Lucida Console" charset="0"/>
+              </a:rPr>
+              <a:t>	</a:t>
+            </a:r>
+            <a:r>
+              <a:rPr lang="pt-BR" sz="1800" b="1">
+                <a:latin typeface="Lucida Console" charset="0"/>
+              </a:rPr>
+              <a:t>tile(</a:t>
+            </a:r>
+            <a:r>
+              <a:rPr lang="pt-BR" sz="1800" b="1" i="1">
+                <a:latin typeface="Lucida Console" charset="0"/>
+              </a:rPr>
+              <a:t>n</a:t>
+            </a:r>
+            <a:r>
+              <a:rPr lang="pt-BR" sz="1800" b="1">
+                <a:latin typeface="Lucida Console" charset="0"/>
+              </a:rPr>
+              <a:t>/2,</a:t>
+            </a:r>
+            <a:r>
+              <a:rPr lang="pt-BR" sz="1800" b="1" i="1">
+                <a:latin typeface="Lucida Console" charset="0"/>
+              </a:rPr>
+              <a:t>m</a:t>
+            </a:r>
+            <a:r>
+              <a:rPr lang="en-US" sz="1800" b="1" baseline="-25000">
+                <a:latin typeface="Lucida Console" charset="0"/>
+              </a:rPr>
+              <a:t>1</a:t>
+            </a:r>
+            <a:r>
+              <a:rPr lang="pt-BR" sz="1800" b="1">
+                <a:latin typeface="Lucida Console" charset="0"/>
+              </a:rPr>
+              <a:t>)</a:t>
+            </a:r>
+          </a:p>
+          <a:p>
+            <a:pPr defTabSz="457200" eaLnBrk="1" hangingPunct="1"/>
+            <a:r>
+              <a:rPr lang="pt-BR" sz="1800" b="1">
+                <a:latin typeface="Lucida Console" charset="0"/>
+              </a:rPr>
+              <a:t>	tile(</a:t>
+            </a:r>
+            <a:r>
+              <a:rPr lang="pt-BR" sz="1800" b="1" i="1">
+                <a:latin typeface="Lucida Console" charset="0"/>
+              </a:rPr>
+              <a:t>n</a:t>
+            </a:r>
+            <a:r>
+              <a:rPr lang="pt-BR" sz="1800" b="1">
+                <a:latin typeface="Lucida Console" charset="0"/>
+              </a:rPr>
+              <a:t>/2,</a:t>
+            </a:r>
+            <a:r>
+              <a:rPr lang="pt-BR" sz="1800" b="1" i="1">
+                <a:latin typeface="Lucida Console" charset="0"/>
+              </a:rPr>
+              <a:t>m</a:t>
+            </a:r>
+            <a:r>
+              <a:rPr lang="en-US" sz="1800" b="1" baseline="-25000">
+                <a:latin typeface="Lucida Console" charset="0"/>
+              </a:rPr>
+              <a:t>2</a:t>
+            </a:r>
+            <a:r>
+              <a:rPr lang="pt-BR" sz="1800" b="1">
+                <a:latin typeface="Lucida Console" charset="0"/>
+              </a:rPr>
+              <a:t>)</a:t>
+            </a:r>
+          </a:p>
+          <a:p>
+            <a:pPr defTabSz="457200" eaLnBrk="1" hangingPunct="1"/>
+            <a:r>
+              <a:rPr lang="pt-BR" sz="1800" b="1">
+                <a:latin typeface="Lucida Console" charset="0"/>
+              </a:rPr>
+              <a:t>	tile(</a:t>
+            </a:r>
+            <a:r>
+              <a:rPr lang="pt-BR" sz="1800" b="1" i="1">
+                <a:latin typeface="Lucida Console" charset="0"/>
+              </a:rPr>
+              <a:t>n</a:t>
+            </a:r>
+            <a:r>
+              <a:rPr lang="pt-BR" sz="1800" b="1">
+                <a:latin typeface="Lucida Console" charset="0"/>
+              </a:rPr>
+              <a:t>/2,</a:t>
+            </a:r>
+            <a:r>
+              <a:rPr lang="pt-BR" sz="1800" b="1" i="1">
+                <a:latin typeface="Lucida Console" charset="0"/>
+              </a:rPr>
+              <a:t>m</a:t>
+            </a:r>
+            <a:r>
+              <a:rPr lang="en-US" sz="1800" b="1" baseline="-25000">
+                <a:latin typeface="Lucida Console" charset="0"/>
+              </a:rPr>
+              <a:t>3</a:t>
+            </a:r>
+            <a:r>
+              <a:rPr lang="pt-BR" sz="1800" b="1">
+                <a:latin typeface="Lucida Console" charset="0"/>
+              </a:rPr>
+              <a:t>)</a:t>
+            </a:r>
+          </a:p>
+          <a:p>
+            <a:pPr defTabSz="457200" eaLnBrk="1" hangingPunct="1"/>
+            <a:r>
+              <a:rPr lang="pt-BR" sz="1800" b="1">
+                <a:latin typeface="Lucida Console" charset="0"/>
+              </a:rPr>
+              <a:t>	tile(</a:t>
+            </a:r>
+            <a:r>
+              <a:rPr lang="pt-BR" sz="1800" b="1" i="1">
+                <a:latin typeface="Lucida Console" charset="0"/>
+              </a:rPr>
+              <a:t>n</a:t>
+            </a:r>
+            <a:r>
+              <a:rPr lang="pt-BR" sz="1800" b="1">
+                <a:latin typeface="Lucida Console" charset="0"/>
+              </a:rPr>
+              <a:t>/2,</a:t>
+            </a:r>
+            <a:r>
+              <a:rPr lang="pt-BR" sz="1800" b="1" i="1">
+                <a:latin typeface="Lucida Console" charset="0"/>
+              </a:rPr>
+              <a:t>m</a:t>
+            </a:r>
+            <a:r>
+              <a:rPr lang="en-US" sz="1800" b="1" baseline="-25000">
+                <a:latin typeface="Lucida Console" charset="0"/>
+              </a:rPr>
+              <a:t>4</a:t>
+            </a:r>
+            <a:r>
+              <a:rPr lang="pt-BR" sz="1800" b="1">
+                <a:latin typeface="Lucida Console" charset="0"/>
+              </a:rPr>
+              <a:t>)</a:t>
+            </a:r>
+          </a:p>
+          <a:p>
+            <a:pPr defTabSz="457200" eaLnBrk="1" hangingPunct="1"/>
+            <a:r>
+              <a:rPr lang="pt-BR" sz="1800" b="1">
+                <a:latin typeface="Lucida Console" charset="0"/>
+              </a:rPr>
+              <a:t>}</a:t>
+            </a:r>
+            <a:r>
+              <a:rPr lang="pt-BR" sz="1800">
+                <a:latin typeface="Lucida Console" charset="0"/>
+              </a:rPr>
+              <a:t>	</a:t>
+            </a:r>
+          </a:p>
+          <a:p>
+            <a:pPr defTabSz="457200" eaLnBrk="1" hangingPunct="1"/>
+            <a:endParaRPr lang="pt-BR" sz="1800">
+              <a:latin typeface="Lucida Console" charset="0"/>
+            </a:endParaRPr>
+          </a:p>
+          <a:p>
+            <a:pPr defTabSz="457200" eaLnBrk="1" hangingPunct="1"/>
+            <a:endParaRPr lang="en-US" sz="1800">
+              <a:latin typeface="Lucida Console" charset="0"/>
+            </a:endParaRPr>
+          </a:p>
+        </p:txBody>
+      </p:sp>
+      <p:sp>
+        <p:nvSpPr>
+          <p:cNvPr id="3" name="Slide Number Placeholder 2"/>
           <p:cNvSpPr>
             <a:spLocks noGrp="1"/>
           </p:cNvSpPr>
@@ -19301,94 +19423,6 @@
               <a:t>50</a:t>
             </a:fld>
             <a:endParaRPr lang="en-US"/>
-          </a:p>
-        </p:txBody>
-      </p:sp>
-      <p:sp>
-        <p:nvSpPr>
-          <p:cNvPr id="29699" name="Rectangle 3"/>
-          <p:cNvSpPr>
-            <a:spLocks noGrp="1" noChangeArrowheads="1"/>
-          </p:cNvSpPr>
-          <p:nvPr>
-            <p:ph sz="quarter" idx="1"/>
-            <p:custDataLst>
-              <p:tags r:id="rId2"/>
-            </p:custDataLst>
-          </p:nvPr>
-        </p:nvSpPr>
-        <p:spPr/>
-        <p:txBody>
-          <a:bodyPr>
-            <a:normAutofit/>
-          </a:bodyPr>
-          <a:lstStyle/>
-          <a:p>
-            <a:r>
-              <a:rPr lang="en-US"/>
-              <a:t>What do we count?  What’s the basic operation?</a:t>
-            </a:r>
-          </a:p>
-          <a:p>
-            <a:pPr lvl="1"/>
-            <a:r>
-              <a:rPr lang="en-US"/>
-              <a:t>Note we place a tromino and it stays put</a:t>
-            </a:r>
-          </a:p>
-          <a:p>
-            <a:pPr lvl="1"/>
-            <a:r>
-              <a:rPr lang="en-US"/>
-              <a:t>No loops or conditionals other than placing a tile</a:t>
-            </a:r>
-          </a:p>
-          <a:p>
-            <a:pPr lvl="1"/>
-            <a:r>
-              <a:rPr lang="en-US"/>
-              <a:t>Assume placing or drawing a tromino is constant</a:t>
-            </a:r>
-          </a:p>
-          <a:p>
-            <a:pPr lvl="1"/>
-            <a:r>
-              <a:rPr lang="en-US"/>
-              <a:t>Assume that finding which subproblem has the missing tile is constant</a:t>
-            </a:r>
-          </a:p>
-          <a:p>
-            <a:r>
-              <a:rPr lang="en-US"/>
-              <a:t>Conclusion: we can just count how many trominos are placed</a:t>
-            </a:r>
-          </a:p>
-          <a:p>
-            <a:r>
-              <a:rPr lang="en-US"/>
-              <a:t>How many fit on a n x n board?</a:t>
-            </a:r>
-          </a:p>
-          <a:p>
-            <a:pPr lvl="1"/>
-            <a:r>
-              <a:rPr lang="en-US"/>
-              <a:t>(n</a:t>
-            </a:r>
-            <a:r>
-              <a:rPr lang="en-US" baseline="30000"/>
-              <a:t>2</a:t>
-            </a:r>
-            <a:r>
-              <a:rPr lang="en-US"/>
-              <a:t> – 1) / 3 </a:t>
-            </a:r>
-          </a:p>
-          <a:p>
-            <a:r>
-              <a:rPr lang="en-US"/>
-              <a:t>Do you think this optimal?</a:t>
-            </a:r>
           </a:p>
         </p:txBody>
       </p:sp>
@@ -19419,12 +19453,15 @@
       </p:grpSpPr>
       <p:sp>
         <p:nvSpPr>
-          <p:cNvPr id="4" name="Title 3"/>
-          <p:cNvSpPr>
-            <a:spLocks noGrp="1"/>
+          <p:cNvPr id="29698" name="Rectangle 2"/>
+          <p:cNvSpPr>
+            <a:spLocks noGrp="1" noChangeArrowheads="1"/>
           </p:cNvSpPr>
           <p:nvPr>
             <p:ph type="title"/>
+            <p:custDataLst>
+              <p:tags r:id="rId1"/>
+            </p:custDataLst>
           </p:nvPr>
         </p:nvSpPr>
         <p:spPr/>
@@ -19433,34 +19470,15 @@
           <a:lstStyle/>
           <a:p>
             <a:r>
-              <a:rPr lang="en-US" dirty="0"/>
-              <a:t>Matrix Multiplication</a:t>
-            </a:r>
-          </a:p>
-        </p:txBody>
-      </p:sp>
-      <p:sp>
-        <p:nvSpPr>
-          <p:cNvPr id="5" name="Text Placeholder 4"/>
-          <p:cNvSpPr>
-            <a:spLocks noGrp="1"/>
-          </p:cNvSpPr>
-          <p:nvPr>
-            <p:ph type="body" idx="1"/>
-          </p:nvPr>
-        </p:nvSpPr>
-        <p:spPr/>
-        <p:txBody>
-          <a:bodyPr/>
-          <a:lstStyle/>
-          <a:p>
-            <a:endParaRPr lang="en-US"/>
-          </a:p>
-        </p:txBody>
-      </p:sp>
-      <p:sp>
-        <p:nvSpPr>
-          <p:cNvPr id="6" name="Slide Number Placeholder 5"/>
+              <a:rPr lang="en-US"/>
+              <a:t>Trominos: Analysis</a:t>
+            </a:r>
+          </a:p>
+        </p:txBody>
+      </p:sp>
+      <p:sp>
+        <p:nvSpPr>
+          <p:cNvPr id="4" name="Slide Number Placeholder 3"/>
           <p:cNvSpPr>
             <a:spLocks noGrp="1"/>
           </p:cNvSpPr>
@@ -19479,6 +19497,94 @@
               <a:t>51</a:t>
             </a:fld>
             <a:endParaRPr lang="en-US"/>
+          </a:p>
+        </p:txBody>
+      </p:sp>
+      <p:sp>
+        <p:nvSpPr>
+          <p:cNvPr id="29699" name="Rectangle 3"/>
+          <p:cNvSpPr>
+            <a:spLocks noGrp="1" noChangeArrowheads="1"/>
+          </p:cNvSpPr>
+          <p:nvPr>
+            <p:ph sz="quarter" idx="1"/>
+            <p:custDataLst>
+              <p:tags r:id="rId2"/>
+            </p:custDataLst>
+          </p:nvPr>
+        </p:nvSpPr>
+        <p:spPr/>
+        <p:txBody>
+          <a:bodyPr>
+            <a:normAutofit/>
+          </a:bodyPr>
+          <a:lstStyle/>
+          <a:p>
+            <a:r>
+              <a:rPr lang="en-US"/>
+              <a:t>What do we count?  What’s the basic operation?</a:t>
+            </a:r>
+          </a:p>
+          <a:p>
+            <a:pPr lvl="1"/>
+            <a:r>
+              <a:rPr lang="en-US"/>
+              <a:t>Note we place a tromino and it stays put</a:t>
+            </a:r>
+          </a:p>
+          <a:p>
+            <a:pPr lvl="1"/>
+            <a:r>
+              <a:rPr lang="en-US"/>
+              <a:t>No loops or conditionals other than placing a tile</a:t>
+            </a:r>
+          </a:p>
+          <a:p>
+            <a:pPr lvl="1"/>
+            <a:r>
+              <a:rPr lang="en-US"/>
+              <a:t>Assume placing or drawing a tromino is constant</a:t>
+            </a:r>
+          </a:p>
+          <a:p>
+            <a:pPr lvl="1"/>
+            <a:r>
+              <a:rPr lang="en-US"/>
+              <a:t>Assume that finding which subproblem has the missing tile is constant</a:t>
+            </a:r>
+          </a:p>
+          <a:p>
+            <a:r>
+              <a:rPr lang="en-US"/>
+              <a:t>Conclusion: we can just count how many trominos are placed</a:t>
+            </a:r>
+          </a:p>
+          <a:p>
+            <a:r>
+              <a:rPr lang="en-US"/>
+              <a:t>How many fit on a n x n board?</a:t>
+            </a:r>
+          </a:p>
+          <a:p>
+            <a:pPr lvl="1"/>
+            <a:r>
+              <a:rPr lang="en-US"/>
+              <a:t>(n</a:t>
+            </a:r>
+            <a:r>
+              <a:rPr lang="en-US" baseline="30000"/>
+              <a:t>2</a:t>
+            </a:r>
+            <a:r>
+              <a:rPr lang="en-US"/>
+              <a:t> – 1) / 3 </a:t>
+            </a:r>
+          </a:p>
+          <a:p>
+            <a:r>
+              <a:rPr lang="en-US"/>
+              <a:t>Do you think this optimal?</a:t>
+            </a:r>
           </a:p>
         </p:txBody>
       </p:sp>
@@ -19509,9 +19615,9 @@
       </p:grpSpPr>
       <p:sp>
         <p:nvSpPr>
-          <p:cNvPr id="38914" name="Rectangle 2"/>
-          <p:cNvSpPr>
-            <a:spLocks noGrp="1" noChangeArrowheads="1"/>
+          <p:cNvPr id="4" name="Title 3"/>
+          <p:cNvSpPr>
+            <a:spLocks noGrp="1"/>
           </p:cNvSpPr>
           <p:nvPr>
             <p:ph type="title"/>
@@ -19523,7 +19629,7 @@
           <a:lstStyle/>
           <a:p>
             <a:r>
-              <a:rPr lang="en-US"/>
+              <a:rPr lang="en-US" dirty="0"/>
               <a:t>Matrix Multiplication</a:t>
             </a:r>
           </a:p>
@@ -19531,7 +19637,26 @@
       </p:sp>
       <p:sp>
         <p:nvSpPr>
-          <p:cNvPr id="4" name="Slide Number Placeholder 3"/>
+          <p:cNvPr id="5" name="Text Placeholder 4"/>
+          <p:cNvSpPr>
+            <a:spLocks noGrp="1"/>
+          </p:cNvSpPr>
+          <p:nvPr>
+            <p:ph type="body" idx="1"/>
+          </p:nvPr>
+        </p:nvSpPr>
+        <p:spPr/>
+        <p:txBody>
+          <a:bodyPr/>
+          <a:lstStyle/>
+          <a:p>
+            <a:endParaRPr lang="en-US"/>
+          </a:p>
+        </p:txBody>
+      </p:sp>
+      <p:sp>
+        <p:nvSpPr>
+          <p:cNvPr id="6" name="Slide Number Placeholder 5"/>
           <p:cNvSpPr>
             <a:spLocks noGrp="1"/>
           </p:cNvSpPr>
@@ -19550,176 +19675,6 @@
               <a:t>52</a:t>
             </a:fld>
             <a:endParaRPr lang="en-US"/>
-          </a:p>
-        </p:txBody>
-      </p:sp>
-      <p:sp>
-        <p:nvSpPr>
-          <p:cNvPr id="38915" name="Rectangle 3"/>
-          <p:cNvSpPr>
-            <a:spLocks noGrp="1" noChangeArrowheads="1"/>
-          </p:cNvSpPr>
-          <p:nvPr>
-            <p:ph sz="quarter" idx="1"/>
-          </p:nvPr>
-        </p:nvSpPr>
-        <p:spPr/>
-        <p:txBody>
-          <a:bodyPr/>
-          <a:lstStyle/>
-          <a:p>
-            <a:r>
-              <a:rPr lang="en-US" dirty="0"/>
-              <a:t>We’ve known how to multiply matrices for a long time!</a:t>
-            </a:r>
-          </a:p>
-          <a:p>
-            <a:pPr lvl="1"/>
-            <a:r>
-              <a:rPr lang="en-US" dirty="0"/>
-              <a:t>If we count how many arithmetic operations, then it takes n</a:t>
-            </a:r>
-            <a:r>
-              <a:rPr lang="en-US" baseline="30000" dirty="0"/>
-              <a:t>3</a:t>
-            </a:r>
-            <a:r>
-              <a:rPr lang="en-US" dirty="0"/>
-              <a:t> multiplications and n</a:t>
-            </a:r>
-            <a:r>
-              <a:rPr lang="en-US" baseline="30000" dirty="0"/>
-              <a:t>3</a:t>
-            </a:r>
-            <a:r>
-              <a:rPr lang="en-US" dirty="0"/>
-              <a:t> additions</a:t>
-            </a:r>
-          </a:p>
-          <a:p>
-            <a:pPr lvl="1"/>
-            <a:r>
-              <a:rPr lang="en-US" dirty="0"/>
-              <a:t>So </a:t>
-            </a:r>
-            <a:r>
-              <a:rPr lang="en-US" dirty="0">
-                <a:sym typeface="Symbol" charset="2"/>
-              </a:rPr>
-              <a:t></a:t>
-            </a:r>
-            <a:r>
-              <a:rPr lang="en-US" dirty="0">
-                <a:cs typeface="Tahoma" charset="0"/>
-              </a:rPr>
-              <a:t>(</a:t>
-            </a:r>
-            <a:r>
-              <a:rPr lang="en-US" dirty="0"/>
-              <a:t>n</a:t>
-            </a:r>
-            <a:r>
-              <a:rPr lang="en-US" baseline="30000" dirty="0"/>
-              <a:t>3</a:t>
-            </a:r>
-            <a:r>
-              <a:rPr lang="en-US" dirty="0"/>
-              <a:t>) is “normal”, but could we do better.</a:t>
-            </a:r>
-          </a:p>
-          <a:p>
-            <a:pPr lvl="1"/>
-            <a:r>
-              <a:rPr lang="en-US" dirty="0"/>
-              <a:t>Hard to see how….</a:t>
-            </a:r>
-          </a:p>
-          <a:p>
-            <a:r>
-              <a:rPr lang="en-US" dirty="0"/>
-              <a:t>But matrices and can be broken up into sub-matrices and operated on</a:t>
-            </a:r>
-          </a:p>
-          <a:p>
-            <a:pPr lvl="1"/>
-            <a:r>
-              <a:rPr lang="en-US" dirty="0"/>
-              <a:t>Leads to recursive way to multiply matrices</a:t>
-            </a:r>
-          </a:p>
-          <a:p>
-            <a:r>
-              <a:rPr lang="en-US" dirty="0"/>
-              <a:t>One approach:  T(n) = 8T(n/2) + n</a:t>
-            </a:r>
-            <a:r>
-              <a:rPr lang="en-US" baseline="30000" dirty="0"/>
-              <a:t>2</a:t>
-            </a:r>
-            <a:endParaRPr lang="en-US" dirty="0"/>
-          </a:p>
-          <a:p>
-            <a:pPr lvl="1"/>
-            <a:r>
-              <a:rPr lang="en-US" dirty="0"/>
-              <a:t>That’s still </a:t>
-            </a:r>
-            <a:r>
-              <a:rPr lang="en-US" dirty="0">
-                <a:sym typeface="Symbol" charset="2"/>
-              </a:rPr>
-              <a:t></a:t>
-            </a:r>
-            <a:r>
-              <a:rPr lang="en-US" dirty="0">
-                <a:cs typeface="Tahoma" charset="0"/>
-              </a:rPr>
-              <a:t>(</a:t>
-            </a:r>
-            <a:r>
-              <a:rPr lang="en-US" dirty="0"/>
-              <a:t>n</a:t>
-            </a:r>
-            <a:r>
-              <a:rPr lang="en-US" baseline="30000" dirty="0"/>
-              <a:t>log</a:t>
-            </a:r>
-            <a:r>
-              <a:rPr lang="en-US" sz="1900" baseline="30000" dirty="0"/>
-              <a:t>2</a:t>
-            </a:r>
-            <a:r>
-              <a:rPr lang="en-US" baseline="30000" dirty="0"/>
-              <a:t>8</a:t>
-            </a:r>
-            <a:r>
-              <a:rPr lang="en-US" dirty="0"/>
-              <a:t>) = </a:t>
-            </a:r>
-            <a:r>
-              <a:rPr lang="en-US" dirty="0">
-                <a:sym typeface="Symbol" charset="2"/>
-              </a:rPr>
-              <a:t></a:t>
-            </a:r>
-            <a:r>
-              <a:rPr lang="en-US" dirty="0">
-                <a:cs typeface="Tahoma" charset="0"/>
-              </a:rPr>
-              <a:t>(</a:t>
-            </a:r>
-            <a:r>
-              <a:rPr lang="en-US" dirty="0"/>
-              <a:t>n</a:t>
-            </a:r>
-            <a:r>
-              <a:rPr lang="en-US" baseline="30000" dirty="0"/>
-              <a:t>3</a:t>
-            </a:r>
-            <a:r>
-              <a:rPr lang="en-US" dirty="0"/>
-              <a:t>)</a:t>
-            </a:r>
           </a:p>
         </p:txBody>
       </p:sp>
@@ -19750,9 +19705,9 @@
       </p:grpSpPr>
       <p:sp>
         <p:nvSpPr>
-          <p:cNvPr id="2" name="Title 1"/>
-          <p:cNvSpPr>
-            <a:spLocks noGrp="1"/>
+          <p:cNvPr id="38914" name="Rectangle 2"/>
+          <p:cNvSpPr>
+            <a:spLocks noGrp="1" noChangeArrowheads="1"/>
           </p:cNvSpPr>
           <p:nvPr>
             <p:ph type="title"/>
@@ -19764,7 +19719,7 @@
           <a:lstStyle/>
           <a:p>
             <a:r>
-              <a:rPr lang="en-US" dirty="0"/>
+              <a:rPr lang="en-US"/>
               <a:t>Matrix Multiplication</a:t>
             </a:r>
           </a:p>
@@ -19789,6 +19744,247 @@
               <a:rPr lang="en-US" smtClean="0"/>
               <a:pPr/>
               <a:t>53</a:t>
+            </a:fld>
+            <a:endParaRPr lang="en-US"/>
+          </a:p>
+        </p:txBody>
+      </p:sp>
+      <p:sp>
+        <p:nvSpPr>
+          <p:cNvPr id="38915" name="Rectangle 3"/>
+          <p:cNvSpPr>
+            <a:spLocks noGrp="1" noChangeArrowheads="1"/>
+          </p:cNvSpPr>
+          <p:nvPr>
+            <p:ph sz="quarter" idx="1"/>
+          </p:nvPr>
+        </p:nvSpPr>
+        <p:spPr/>
+        <p:txBody>
+          <a:bodyPr/>
+          <a:lstStyle/>
+          <a:p>
+            <a:r>
+              <a:rPr lang="en-US" dirty="0"/>
+              <a:t>We’ve known how to multiply matrices for a long time!</a:t>
+            </a:r>
+          </a:p>
+          <a:p>
+            <a:pPr lvl="1"/>
+            <a:r>
+              <a:rPr lang="en-US" dirty="0"/>
+              <a:t>If we count how many arithmetic operations, then it takes n</a:t>
+            </a:r>
+            <a:r>
+              <a:rPr lang="en-US" baseline="30000" dirty="0"/>
+              <a:t>3</a:t>
+            </a:r>
+            <a:r>
+              <a:rPr lang="en-US" dirty="0"/>
+              <a:t> multiplications and n</a:t>
+            </a:r>
+            <a:r>
+              <a:rPr lang="en-US" baseline="30000" dirty="0"/>
+              <a:t>3</a:t>
+            </a:r>
+            <a:r>
+              <a:rPr lang="en-US" dirty="0"/>
+              <a:t> additions</a:t>
+            </a:r>
+          </a:p>
+          <a:p>
+            <a:pPr lvl="1"/>
+            <a:r>
+              <a:rPr lang="en-US" dirty="0"/>
+              <a:t>So </a:t>
+            </a:r>
+            <a:r>
+              <a:rPr lang="en-US" dirty="0">
+                <a:sym typeface="Symbol" charset="2"/>
+              </a:rPr>
+              <a:t></a:t>
+            </a:r>
+            <a:r>
+              <a:rPr lang="en-US" dirty="0">
+                <a:cs typeface="Tahoma" charset="0"/>
+              </a:rPr>
+              <a:t>(</a:t>
+            </a:r>
+            <a:r>
+              <a:rPr lang="en-US" dirty="0"/>
+              <a:t>n</a:t>
+            </a:r>
+            <a:r>
+              <a:rPr lang="en-US" baseline="30000" dirty="0"/>
+              <a:t>3</a:t>
+            </a:r>
+            <a:r>
+              <a:rPr lang="en-US" dirty="0"/>
+              <a:t>) is “normal”, but could we do better.</a:t>
+            </a:r>
+          </a:p>
+          <a:p>
+            <a:pPr lvl="1"/>
+            <a:r>
+              <a:rPr lang="en-US" dirty="0"/>
+              <a:t>Hard to see how….</a:t>
+            </a:r>
+          </a:p>
+          <a:p>
+            <a:r>
+              <a:rPr lang="en-US" dirty="0"/>
+              <a:t>But matrices and can be broken up into sub-matrices and operated on</a:t>
+            </a:r>
+          </a:p>
+          <a:p>
+            <a:pPr lvl="1"/>
+            <a:r>
+              <a:rPr lang="en-US" dirty="0"/>
+              <a:t>Leads to recursive way to multiply matrices</a:t>
+            </a:r>
+          </a:p>
+          <a:p>
+            <a:r>
+              <a:rPr lang="en-US" dirty="0"/>
+              <a:t>One approach:  T(n) = 8T(n/2) + n</a:t>
+            </a:r>
+            <a:r>
+              <a:rPr lang="en-US" baseline="30000" dirty="0"/>
+              <a:t>2</a:t>
+            </a:r>
+            <a:endParaRPr lang="en-US" dirty="0"/>
+          </a:p>
+          <a:p>
+            <a:pPr lvl="1"/>
+            <a:r>
+              <a:rPr lang="en-US" dirty="0"/>
+              <a:t>That’s still </a:t>
+            </a:r>
+            <a:r>
+              <a:rPr lang="en-US" dirty="0">
+                <a:sym typeface="Symbol" charset="2"/>
+              </a:rPr>
+              <a:t></a:t>
+            </a:r>
+            <a:r>
+              <a:rPr lang="en-US" dirty="0">
+                <a:cs typeface="Tahoma" charset="0"/>
+              </a:rPr>
+              <a:t>(</a:t>
+            </a:r>
+            <a:r>
+              <a:rPr lang="en-US" dirty="0"/>
+              <a:t>n</a:t>
+            </a:r>
+            <a:r>
+              <a:rPr lang="en-US" baseline="30000" dirty="0"/>
+              <a:t>log</a:t>
+            </a:r>
+            <a:r>
+              <a:rPr lang="en-US" sz="1900" baseline="30000" dirty="0"/>
+              <a:t>2</a:t>
+            </a:r>
+            <a:r>
+              <a:rPr lang="en-US" baseline="30000" dirty="0"/>
+              <a:t>8</a:t>
+            </a:r>
+            <a:r>
+              <a:rPr lang="en-US" dirty="0"/>
+              <a:t>) = </a:t>
+            </a:r>
+            <a:r>
+              <a:rPr lang="en-US" dirty="0">
+                <a:sym typeface="Symbol" charset="2"/>
+              </a:rPr>
+              <a:t></a:t>
+            </a:r>
+            <a:r>
+              <a:rPr lang="en-US" dirty="0">
+                <a:cs typeface="Tahoma" charset="0"/>
+              </a:rPr>
+              <a:t>(</a:t>
+            </a:r>
+            <a:r>
+              <a:rPr lang="en-US" dirty="0"/>
+              <a:t>n</a:t>
+            </a:r>
+            <a:r>
+              <a:rPr lang="en-US" baseline="30000" dirty="0"/>
+              <a:t>3</a:t>
+            </a:r>
+            <a:r>
+              <a:rPr lang="en-US" dirty="0"/>
+              <a:t>)</a:t>
+            </a:r>
+          </a:p>
+        </p:txBody>
+      </p:sp>
+    </p:spTree>
+  </p:cSld>
+  <p:clrMapOvr>
+    <a:masterClrMapping/>
+  </p:clrMapOvr>
+</p:sld>
+</file>
+
+<file path=ppt/slides/slide54.xml><?xml version="1.0" encoding="utf-8"?>
+<p:sld xmlns:a="http://schemas.openxmlformats.org/drawingml/2006/main" xmlns:r="http://schemas.openxmlformats.org/officeDocument/2006/relationships" xmlns:p="http://schemas.openxmlformats.org/presentationml/2006/main">
+  <p:cSld>
+    <p:spTree>
+      <p:nvGrpSpPr>
+        <p:cNvPr id="1" name=""/>
+        <p:cNvGrpSpPr/>
+        <p:nvPr/>
+      </p:nvGrpSpPr>
+      <p:grpSpPr>
+        <a:xfrm>
+          <a:off x="0" y="0"/>
+          <a:ext cx="0" cy="0"/>
+          <a:chOff x="0" y="0"/>
+          <a:chExt cx="0" cy="0"/>
+        </a:xfrm>
+      </p:grpSpPr>
+      <p:sp>
+        <p:nvSpPr>
+          <p:cNvPr id="2" name="Title 1"/>
+          <p:cNvSpPr>
+            <a:spLocks noGrp="1"/>
+          </p:cNvSpPr>
+          <p:nvPr>
+            <p:ph type="title"/>
+          </p:nvPr>
+        </p:nvSpPr>
+        <p:spPr/>
+        <p:txBody>
+          <a:bodyPr/>
+          <a:lstStyle/>
+          <a:p>
+            <a:r>
+              <a:rPr lang="en-US" dirty="0"/>
+              <a:t>Matrix Multiplication</a:t>
+            </a:r>
+          </a:p>
+        </p:txBody>
+      </p:sp>
+      <p:sp>
+        <p:nvSpPr>
+          <p:cNvPr id="4" name="Slide Number Placeholder 3"/>
+          <p:cNvSpPr>
+            <a:spLocks noGrp="1"/>
+          </p:cNvSpPr>
+          <p:nvPr>
+            <p:ph type="sldNum" sz="quarter" idx="12"/>
+          </p:nvPr>
+        </p:nvSpPr>
+        <p:spPr/>
+        <p:txBody>
+          <a:bodyPr/>
+          <a:lstStyle/>
+          <a:p>
+            <a:fld id="{0E0CE5E1-73E6-4EC0-A549-568A23C84235}" type="slidenum">
+              <a:rPr lang="en-US" smtClean="0"/>
+              <a:pPr/>
+              <a:t>54</a:t>
             </a:fld>
             <a:endParaRPr lang="en-US"/>
           </a:p>
@@ -19875,7 +20071,7 @@
           <a:graphicData uri="http://schemas.openxmlformats.org/presentationml/2006/ole">
             <mc:AlternateContent xmlns:mc="http://schemas.openxmlformats.org/markup-compatibility/2006">
               <mc:Choice xmlns:v="urn:schemas-microsoft-com:vml" Requires="v">
-                <p:oleObj spid="_x0000_s82177" name="Equation" r:id="rId3" imgW="952431" imgH="482278" progId="Equation.3">
+                <p:oleObj spid="_x0000_s82186" name="Equation" r:id="rId3" imgW="952431" imgH="482278" progId="Equation.3">
                   <p:embed/>
                 </p:oleObj>
               </mc:Choice>
@@ -19914,7 +20110,7 @@
                       <a:noFill/>
                       <a:extLst>
                         <a:ext uri="{909E8E84-426E-40dd-AFC4-6F175D3DCCD1}">
-                          <a14:hiddenFill xmlns="" xmlns:a14="http://schemas.microsoft.com/office/drawing/2010/main">
+                          <a14:hiddenFill xmlns:a14="http://schemas.microsoft.com/office/drawing/2010/main" xmlns="">
                             <a:solidFill>
                               <a:srgbClr val="FFFFFF"/>
                             </a:solidFill>
@@ -19945,7 +20141,7 @@
           <a:graphicData uri="http://schemas.openxmlformats.org/presentationml/2006/ole">
             <mc:AlternateContent xmlns:mc="http://schemas.openxmlformats.org/markup-compatibility/2006">
               <mc:Choice xmlns:v="urn:schemas-microsoft-com:vml" Requires="v">
-                <p:oleObj spid="_x0000_s82178" name="Equation" r:id="rId5" imgW="927077" imgH="482278" progId="Equation.3">
+                <p:oleObj spid="_x0000_s82187" name="Equation" r:id="rId5" imgW="927077" imgH="482278" progId="Equation.3">
                   <p:embed/>
                 </p:oleObj>
               </mc:Choice>
@@ -19984,7 +20180,7 @@
                       <a:noFill/>
                       <a:extLst>
                         <a:ext uri="{909E8E84-426E-40dd-AFC4-6F175D3DCCD1}">
-                          <a14:hiddenFill xmlns="" xmlns:a14="http://schemas.microsoft.com/office/drawing/2010/main">
+                          <a14:hiddenFill xmlns:a14="http://schemas.microsoft.com/office/drawing/2010/main" xmlns="">
                             <a:solidFill>
                               <a:srgbClr val="FFFFFF"/>
                             </a:solidFill>
@@ -20015,7 +20211,7 @@
           <a:graphicData uri="http://schemas.openxmlformats.org/presentationml/2006/ole">
             <mc:AlternateContent xmlns:mc="http://schemas.openxmlformats.org/markup-compatibility/2006">
               <mc:Choice xmlns:v="urn:schemas-microsoft-com:vml" Requires="v">
-                <p:oleObj spid="_x0000_s82179" name="Equation" r:id="rId7" imgW="2298401" imgH="482278" progId="Equation.3">
+                <p:oleObj spid="_x0000_s82188" name="Equation" r:id="rId7" imgW="2298401" imgH="482278" progId="Equation.3">
                   <p:embed/>
                 </p:oleObj>
               </mc:Choice>
@@ -20054,7 +20250,7 @@
                       <a:noFill/>
                       <a:extLst>
                         <a:ext uri="{909E8E84-426E-40dd-AFC4-6F175D3DCCD1}">
-                          <a14:hiddenFill xmlns="" xmlns:a14="http://schemas.microsoft.com/office/drawing/2010/main">
+                          <a14:hiddenFill xmlns:a14="http://schemas.microsoft.com/office/drawing/2010/main" xmlns="">
                             <a:solidFill>
                               <a:srgbClr val="FFFFFF"/>
                             </a:solidFill>
@@ -20069,198 +20265,6 @@
           </a:graphicData>
         </a:graphic>
       </p:graphicFrame>
-    </p:spTree>
-  </p:cSld>
-  <p:clrMapOvr>
-    <a:masterClrMapping/>
-  </p:clrMapOvr>
-</p:sld>
-</file>
-
-<file path=ppt/slides/slide54.xml><?xml version="1.0" encoding="utf-8"?>
-<p:sld xmlns:a="http://schemas.openxmlformats.org/drawingml/2006/main" xmlns:r="http://schemas.openxmlformats.org/officeDocument/2006/relationships" xmlns:p="http://schemas.openxmlformats.org/presentationml/2006/main">
-  <p:cSld>
-    <p:spTree>
-      <p:nvGrpSpPr>
-        <p:cNvPr id="1" name=""/>
-        <p:cNvGrpSpPr/>
-        <p:nvPr/>
-      </p:nvGrpSpPr>
-      <p:grpSpPr>
-        <a:xfrm>
-          <a:off x="0" y="0"/>
-          <a:ext cx="0" cy="0"/>
-          <a:chOff x="0" y="0"/>
-          <a:chExt cx="0" cy="0"/>
-        </a:xfrm>
-      </p:grpSpPr>
-      <p:sp>
-        <p:nvSpPr>
-          <p:cNvPr id="2" name="Title 1"/>
-          <p:cNvSpPr>
-            <a:spLocks noGrp="1"/>
-          </p:cNvSpPr>
-          <p:nvPr>
-            <p:ph type="title"/>
-          </p:nvPr>
-        </p:nvSpPr>
-        <p:spPr/>
-        <p:txBody>
-          <a:bodyPr/>
-          <a:lstStyle/>
-          <a:p>
-            <a:r>
-              <a:rPr lang="en-US" dirty="0"/>
-              <a:t>Original running time</a:t>
-            </a:r>
-          </a:p>
-        </p:txBody>
-      </p:sp>
-      <p:sp>
-        <p:nvSpPr>
-          <p:cNvPr id="4" name="Slide Number Placeholder 3"/>
-          <p:cNvSpPr>
-            <a:spLocks noGrp="1"/>
-          </p:cNvSpPr>
-          <p:nvPr>
-            <p:ph type="sldNum" sz="quarter" idx="12"/>
-          </p:nvPr>
-        </p:nvSpPr>
-        <p:spPr/>
-        <p:txBody>
-          <a:bodyPr/>
-          <a:lstStyle/>
-          <a:p>
-            <a:fld id="{0E0CE5E1-73E6-4EC0-A549-568A23C84235}" type="slidenum">
-              <a:rPr lang="en-US" smtClean="0"/>
-              <a:pPr/>
-              <a:t>54</a:t>
-            </a:fld>
-            <a:endParaRPr lang="en-US"/>
-          </a:p>
-        </p:txBody>
-      </p:sp>
-      <p:sp>
-        <p:nvSpPr>
-          <p:cNvPr id="3" name="Content Placeholder 2"/>
-          <p:cNvSpPr>
-            <a:spLocks noGrp="1"/>
-          </p:cNvSpPr>
-          <p:nvPr>
-            <p:ph sz="quarter" idx="1"/>
-          </p:nvPr>
-        </p:nvSpPr>
-        <p:spPr/>
-        <p:txBody>
-          <a:bodyPr/>
-          <a:lstStyle/>
-          <a:p>
-            <a:r>
-              <a:rPr lang="en-US" dirty="0"/>
-              <a:t>Splitting two n-size matrices along two dimensions each leads to 8 sub-problems</a:t>
-            </a:r>
-          </a:p>
-          <a:p>
-            <a:pPr lvl="1"/>
-            <a:r>
-              <a:rPr lang="en-US" dirty="0"/>
-              <a:t>And it takes 4(n/2)</a:t>
-            </a:r>
-            <a:r>
-              <a:rPr lang="en-US" baseline="30000" dirty="0"/>
-              <a:t>2</a:t>
-            </a:r>
-            <a:r>
-              <a:rPr lang="en-US" dirty="0"/>
-              <a:t> = n</a:t>
-            </a:r>
-            <a:r>
-              <a:rPr lang="en-US" baseline="30000" dirty="0"/>
-              <a:t>2</a:t>
-            </a:r>
-            <a:r>
-              <a:rPr lang="en-US" dirty="0"/>
-              <a:t> additions to combine them</a:t>
-            </a:r>
-          </a:p>
-          <a:p>
-            <a:endParaRPr lang="en-US" dirty="0"/>
-          </a:p>
-          <a:p>
-            <a:r>
-              <a:rPr lang="en-US" dirty="0"/>
-              <a:t>Recurrence: T(n) = 8T(n/2) + n</a:t>
-            </a:r>
-            <a:r>
-              <a:rPr lang="en-US" baseline="30000" dirty="0"/>
-              <a:t>2</a:t>
-            </a:r>
-            <a:endParaRPr lang="en-US" dirty="0"/>
-          </a:p>
-          <a:p>
-            <a:r>
-              <a:rPr lang="en-US" dirty="0"/>
-              <a:t>Running time is </a:t>
-            </a:r>
-            <a:r>
-              <a:rPr lang="en-US" dirty="0">
-                <a:sym typeface="Symbol" charset="2"/>
-              </a:rPr>
-              <a:t></a:t>
-            </a:r>
-            <a:r>
-              <a:rPr lang="en-US" dirty="0">
-                <a:cs typeface="Tahoma" charset="0"/>
-              </a:rPr>
-              <a:t>(</a:t>
-            </a:r>
-            <a:r>
-              <a:rPr lang="en-US" dirty="0"/>
-              <a:t>n</a:t>
-            </a:r>
-            <a:r>
-              <a:rPr lang="en-US" baseline="30000" dirty="0"/>
-              <a:t>log</a:t>
-            </a:r>
-            <a:r>
-              <a:rPr lang="en-US" sz="1900" baseline="30000" dirty="0"/>
-              <a:t>2</a:t>
-            </a:r>
-            <a:r>
-              <a:rPr lang="en-US" baseline="30000" dirty="0"/>
-              <a:t>8</a:t>
-            </a:r>
-            <a:r>
-              <a:rPr lang="en-US" dirty="0"/>
-              <a:t>) = </a:t>
-            </a:r>
-            <a:r>
-              <a:rPr lang="en-US" dirty="0">
-                <a:sym typeface="Symbol" charset="2"/>
-              </a:rPr>
-              <a:t></a:t>
-            </a:r>
-            <a:r>
-              <a:rPr lang="en-US" dirty="0">
-                <a:cs typeface="Tahoma" charset="0"/>
-              </a:rPr>
-              <a:t>(</a:t>
-            </a:r>
-            <a:r>
-              <a:rPr lang="en-US" dirty="0"/>
-              <a:t>n</a:t>
-            </a:r>
-            <a:r>
-              <a:rPr lang="en-US" baseline="30000" dirty="0"/>
-              <a:t>3</a:t>
-            </a:r>
-            <a:r>
-              <a:rPr lang="en-US" dirty="0"/>
-              <a:t>)</a:t>
-            </a:r>
-          </a:p>
-        </p:txBody>
-      </p:sp>
     </p:spTree>
   </p:cSld>
   <p:clrMapOvr>
@@ -20302,12 +20306,8 @@
           <a:lstStyle/>
           <a:p>
             <a:r>
-              <a:rPr lang="en-US" dirty="0" err="1"/>
-              <a:t>Strassen’s</a:t>
-            </a:r>
-            <a:r>
-              <a:rPr lang="en-US" dirty="0"/>
-              <a:t> Algorithm</a:t>
+              <a:rPr lang="en-US" dirty="0"/>
+              <a:t>Original running time</a:t>
             </a:r>
           </a:p>
         </p:txBody>
@@ -20331,6 +20331,202 @@
               <a:rPr lang="en-US" smtClean="0"/>
               <a:pPr/>
               <a:t>55</a:t>
+            </a:fld>
+            <a:endParaRPr lang="en-US"/>
+          </a:p>
+        </p:txBody>
+      </p:sp>
+      <p:sp>
+        <p:nvSpPr>
+          <p:cNvPr id="3" name="Content Placeholder 2"/>
+          <p:cNvSpPr>
+            <a:spLocks noGrp="1"/>
+          </p:cNvSpPr>
+          <p:nvPr>
+            <p:ph sz="quarter" idx="1"/>
+          </p:nvPr>
+        </p:nvSpPr>
+        <p:spPr/>
+        <p:txBody>
+          <a:bodyPr/>
+          <a:lstStyle/>
+          <a:p>
+            <a:r>
+              <a:rPr lang="en-US" dirty="0"/>
+              <a:t>Splitting two n-size matrices along two dimensions each leads to 8 sub-problems</a:t>
+            </a:r>
+          </a:p>
+          <a:p>
+            <a:pPr lvl="1"/>
+            <a:r>
+              <a:rPr lang="en-US" dirty="0"/>
+              <a:t>And it takes 4(n/2)</a:t>
+            </a:r>
+            <a:r>
+              <a:rPr lang="en-US" baseline="30000" dirty="0"/>
+              <a:t>2</a:t>
+            </a:r>
+            <a:r>
+              <a:rPr lang="en-US" dirty="0"/>
+              <a:t> = n</a:t>
+            </a:r>
+            <a:r>
+              <a:rPr lang="en-US" baseline="30000" dirty="0"/>
+              <a:t>2</a:t>
+            </a:r>
+            <a:r>
+              <a:rPr lang="en-US" dirty="0"/>
+              <a:t> additions to combine them</a:t>
+            </a:r>
+          </a:p>
+          <a:p>
+            <a:endParaRPr lang="en-US" dirty="0"/>
+          </a:p>
+          <a:p>
+            <a:r>
+              <a:rPr lang="en-US" dirty="0"/>
+              <a:t>Recurrence: T(n) = 8T(n/2) + n</a:t>
+            </a:r>
+            <a:r>
+              <a:rPr lang="en-US" baseline="30000" dirty="0"/>
+              <a:t>2</a:t>
+            </a:r>
+            <a:endParaRPr lang="en-US" dirty="0"/>
+          </a:p>
+          <a:p>
+            <a:r>
+              <a:rPr lang="en-US" dirty="0"/>
+              <a:t>Running time is </a:t>
+            </a:r>
+            <a:r>
+              <a:rPr lang="en-US" dirty="0">
+                <a:sym typeface="Symbol" charset="2"/>
+              </a:rPr>
+              <a:t></a:t>
+            </a:r>
+            <a:r>
+              <a:rPr lang="en-US" dirty="0">
+                <a:cs typeface="Tahoma" charset="0"/>
+              </a:rPr>
+              <a:t>(</a:t>
+            </a:r>
+            <a:r>
+              <a:rPr lang="en-US" dirty="0"/>
+              <a:t>n</a:t>
+            </a:r>
+            <a:r>
+              <a:rPr lang="en-US" baseline="30000" dirty="0"/>
+              <a:t>log</a:t>
+            </a:r>
+            <a:r>
+              <a:rPr lang="en-US" sz="1900" baseline="30000" dirty="0"/>
+              <a:t>2</a:t>
+            </a:r>
+            <a:r>
+              <a:rPr lang="en-US" baseline="30000" dirty="0"/>
+              <a:t>8</a:t>
+            </a:r>
+            <a:r>
+              <a:rPr lang="en-US" dirty="0"/>
+              <a:t>) = </a:t>
+            </a:r>
+            <a:r>
+              <a:rPr lang="en-US" dirty="0">
+                <a:sym typeface="Symbol" charset="2"/>
+              </a:rPr>
+              <a:t></a:t>
+            </a:r>
+            <a:r>
+              <a:rPr lang="en-US" dirty="0">
+                <a:cs typeface="Tahoma" charset="0"/>
+              </a:rPr>
+              <a:t>(</a:t>
+            </a:r>
+            <a:r>
+              <a:rPr lang="en-US" dirty="0"/>
+              <a:t>n</a:t>
+            </a:r>
+            <a:r>
+              <a:rPr lang="en-US" baseline="30000" dirty="0"/>
+              <a:t>3</a:t>
+            </a:r>
+            <a:r>
+              <a:rPr lang="en-US" dirty="0"/>
+              <a:t>)</a:t>
+            </a:r>
+          </a:p>
+        </p:txBody>
+      </p:sp>
+    </p:spTree>
+  </p:cSld>
+  <p:clrMapOvr>
+    <a:masterClrMapping/>
+  </p:clrMapOvr>
+</p:sld>
+</file>
+
+<file path=ppt/slides/slide56.xml><?xml version="1.0" encoding="utf-8"?>
+<p:sld xmlns:a="http://schemas.openxmlformats.org/drawingml/2006/main" xmlns:r="http://schemas.openxmlformats.org/officeDocument/2006/relationships" xmlns:p="http://schemas.openxmlformats.org/presentationml/2006/main">
+  <p:cSld>
+    <p:spTree>
+      <p:nvGrpSpPr>
+        <p:cNvPr id="1" name=""/>
+        <p:cNvGrpSpPr/>
+        <p:nvPr/>
+      </p:nvGrpSpPr>
+      <p:grpSpPr>
+        <a:xfrm>
+          <a:off x="0" y="0"/>
+          <a:ext cx="0" cy="0"/>
+          <a:chOff x="0" y="0"/>
+          <a:chExt cx="0" cy="0"/>
+        </a:xfrm>
+      </p:grpSpPr>
+      <p:sp>
+        <p:nvSpPr>
+          <p:cNvPr id="2" name="Title 1"/>
+          <p:cNvSpPr>
+            <a:spLocks noGrp="1"/>
+          </p:cNvSpPr>
+          <p:nvPr>
+            <p:ph type="title"/>
+          </p:nvPr>
+        </p:nvSpPr>
+        <p:spPr/>
+        <p:txBody>
+          <a:bodyPr/>
+          <a:lstStyle/>
+          <a:p>
+            <a:r>
+              <a:rPr lang="en-US" dirty="0" err="1"/>
+              <a:t>Strassen’s</a:t>
+            </a:r>
+            <a:r>
+              <a:rPr lang="en-US" dirty="0"/>
+              <a:t> Algorithm</a:t>
+            </a:r>
+          </a:p>
+        </p:txBody>
+      </p:sp>
+      <p:sp>
+        <p:nvSpPr>
+          <p:cNvPr id="4" name="Slide Number Placeholder 3"/>
+          <p:cNvSpPr>
+            <a:spLocks noGrp="1"/>
+          </p:cNvSpPr>
+          <p:nvPr>
+            <p:ph type="sldNum" sz="quarter" idx="12"/>
+          </p:nvPr>
+        </p:nvSpPr>
+        <p:spPr/>
+        <p:txBody>
+          <a:bodyPr/>
+          <a:lstStyle/>
+          <a:p>
+            <a:fld id="{0E0CE5E1-73E6-4EC0-A549-568A23C84235}" type="slidenum">
+              <a:rPr lang="en-US" smtClean="0"/>
+              <a:pPr/>
+              <a:t>56</a:t>
             </a:fld>
             <a:endParaRPr lang="en-US"/>
           </a:p>
@@ -20396,7 +20592,7 @@
           <a:graphicData uri="http://schemas.openxmlformats.org/presentationml/2006/ole">
             <mc:AlternateContent xmlns:mc="http://schemas.openxmlformats.org/markup-compatibility/2006">
               <mc:Choice xmlns:v="urn:schemas-microsoft-com:vml" Requires="v">
-                <p:oleObj spid="_x0000_s83117" name="Equation" r:id="rId3" imgW="1625416" imgH="1600062" progId="Equation.3">
+                <p:oleObj spid="_x0000_s83123" name="Equation" r:id="rId3" imgW="1625416" imgH="1600062" progId="Equation.3">
                   <p:embed/>
                 </p:oleObj>
               </mc:Choice>
@@ -20435,7 +20631,7 @@
                       <a:noFill/>
                       <a:extLst>
                         <a:ext uri="{909E8E84-426E-40dd-AFC4-6F175D3DCCD1}">
-                          <a14:hiddenFill xmlns="" xmlns:a14="http://schemas.microsoft.com/office/drawing/2010/main">
+                          <a14:hiddenFill xmlns:a14="http://schemas.microsoft.com/office/drawing/2010/main" xmlns="">
                             <a:solidFill>
                               <a:srgbClr val="FFFFFF"/>
                             </a:solidFill>
@@ -20466,7 +20662,7 @@
           <a:graphicData uri="http://schemas.openxmlformats.org/presentationml/2006/ole">
             <mc:AlternateContent xmlns:mc="http://schemas.openxmlformats.org/markup-compatibility/2006">
               <mc:Choice xmlns:v="urn:schemas-microsoft-com:vml" Requires="v">
-                <p:oleObj spid="_x0000_s83118" name="Equation" r:id="rId5" imgW="2565170" imgH="965108" progId="Equation.3">
+                <p:oleObj spid="_x0000_s83124" name="Equation" r:id="rId5" imgW="2565170" imgH="965108" progId="Equation.3">
                   <p:embed/>
                 </p:oleObj>
               </mc:Choice>
@@ -20505,7 +20701,7 @@
                       <a:noFill/>
                       <a:extLst>
                         <a:ext uri="{909E8E84-426E-40dd-AFC4-6F175D3DCCD1}">
-                          <a14:hiddenFill xmlns="" xmlns:a14="http://schemas.microsoft.com/office/drawing/2010/main">
+                          <a14:hiddenFill xmlns:a14="http://schemas.microsoft.com/office/drawing/2010/main" xmlns="">
                             <a:solidFill>
                               <a:srgbClr val="FFFFFF"/>
                             </a:solidFill>
@@ -20520,295 +20716,6 @@
           </a:graphicData>
         </a:graphic>
       </p:graphicFrame>
-    </p:spTree>
-  </p:cSld>
-  <p:clrMapOvr>
-    <a:masterClrMapping/>
-  </p:clrMapOvr>
-</p:sld>
-</file>
-
-<file path=ppt/slides/slide56.xml><?xml version="1.0" encoding="utf-8"?>
-<p:sld xmlns:a="http://schemas.openxmlformats.org/drawingml/2006/main" xmlns:r="http://schemas.openxmlformats.org/officeDocument/2006/relationships" xmlns:p="http://schemas.openxmlformats.org/presentationml/2006/main">
-  <p:cSld>
-    <p:spTree>
-      <p:nvGrpSpPr>
-        <p:cNvPr id="1" name=""/>
-        <p:cNvGrpSpPr/>
-        <p:nvPr/>
-      </p:nvGrpSpPr>
-      <p:grpSpPr>
-        <a:xfrm>
-          <a:off x="0" y="0"/>
-          <a:ext cx="0" cy="0"/>
-          <a:chOff x="0" y="0"/>
-          <a:chExt cx="0" cy="0"/>
-        </a:xfrm>
-      </p:grpSpPr>
-      <p:sp>
-        <p:nvSpPr>
-          <p:cNvPr id="39938" name="Rectangle 2"/>
-          <p:cNvSpPr>
-            <a:spLocks noGrp="1" noChangeArrowheads="1"/>
-          </p:cNvSpPr>
-          <p:nvPr>
-            <p:ph type="title"/>
-          </p:nvPr>
-        </p:nvSpPr>
-        <p:spPr/>
-        <p:txBody>
-          <a:bodyPr/>
-          <a:lstStyle/>
-          <a:p>
-            <a:r>
-              <a:rPr lang="en-US"/>
-              <a:t>Strassen’s Matrix Multiplication</a:t>
-            </a:r>
-          </a:p>
-        </p:txBody>
-      </p:sp>
-      <p:sp>
-        <p:nvSpPr>
-          <p:cNvPr id="4" name="Slide Number Placeholder 3"/>
-          <p:cNvSpPr>
-            <a:spLocks noGrp="1"/>
-          </p:cNvSpPr>
-          <p:nvPr>
-            <p:ph type="sldNum" sz="quarter" idx="12"/>
-          </p:nvPr>
-        </p:nvSpPr>
-        <p:spPr/>
-        <p:txBody>
-          <a:bodyPr/>
-          <a:lstStyle/>
-          <a:p>
-            <a:fld id="{0E0CE5E1-73E6-4EC0-A549-568A23C84235}" type="slidenum">
-              <a:rPr lang="en-US" smtClean="0"/>
-              <a:pPr/>
-              <a:t>56</a:t>
-            </a:fld>
-            <a:endParaRPr lang="en-US"/>
-          </a:p>
-        </p:txBody>
-      </p:sp>
-      <p:sp>
-        <p:nvSpPr>
-          <p:cNvPr id="39939" name="Rectangle 3"/>
-          <p:cNvSpPr>
-            <a:spLocks noGrp="1" noChangeArrowheads="1"/>
-          </p:cNvSpPr>
-          <p:nvPr>
-            <p:ph sz="quarter" idx="1"/>
-          </p:nvPr>
-        </p:nvSpPr>
-        <p:spPr>
-          <a:xfrm>
-            <a:off x="457200" y="1219199"/>
-            <a:ext cx="8229600" cy="5386873"/>
-          </a:xfrm>
-        </p:spPr>
-        <p:txBody>
-          <a:bodyPr>
-            <a:normAutofit/>
-          </a:bodyPr>
-          <a:lstStyle/>
-          <a:p>
-            <a:r>
-              <a:rPr lang="en-US" dirty="0"/>
-              <a:t>Important fact (for us)</a:t>
-            </a:r>
-          </a:p>
-          <a:p>
-            <a:pPr lvl="1"/>
-            <a:r>
-              <a:rPr lang="en-US" dirty="0"/>
-              <a:t>Just needs 7 multiplications of n/2 size matrices, not 8</a:t>
-            </a:r>
-          </a:p>
-          <a:p>
-            <a:pPr lvl="1"/>
-            <a:r>
-              <a:rPr lang="en-US" dirty="0"/>
-              <a:t>Also requires </a:t>
-            </a:r>
-            <a:r>
-              <a:rPr lang="en-US" dirty="0">
-                <a:sym typeface="Symbol" charset="2"/>
-              </a:rPr>
-              <a:t></a:t>
-            </a:r>
-            <a:r>
-              <a:rPr lang="en-US" dirty="0">
-                <a:cs typeface="Tahoma" charset="0"/>
-              </a:rPr>
-              <a:t>(</a:t>
-            </a:r>
-            <a:r>
-              <a:rPr lang="en-US" dirty="0"/>
-              <a:t>n</a:t>
-            </a:r>
-            <a:r>
-              <a:rPr lang="en-US" baseline="30000" dirty="0"/>
-              <a:t>2</a:t>
-            </a:r>
-            <a:r>
-              <a:rPr lang="en-US" dirty="0"/>
-              <a:t>) arithmetical operations</a:t>
-            </a:r>
-          </a:p>
-          <a:p>
-            <a:pPr lvl="1"/>
-            <a:r>
-              <a:rPr lang="en-US" dirty="0"/>
-              <a:t>T(n) = 7T(n/2) + n</a:t>
-            </a:r>
-            <a:r>
-              <a:rPr lang="en-US" baseline="30000" dirty="0"/>
-              <a:t>2 </a:t>
-            </a:r>
-            <a:r>
-              <a:rPr lang="en-US" dirty="0"/>
-              <a:t>= n</a:t>
-            </a:r>
-            <a:r>
-              <a:rPr lang="en-US" baseline="30000" dirty="0"/>
-              <a:t>lg7</a:t>
-            </a:r>
-            <a:r>
-              <a:rPr lang="en-US" dirty="0"/>
-              <a:t> = n</a:t>
-            </a:r>
-            <a:r>
-              <a:rPr lang="en-US" baseline="30000" dirty="0"/>
-              <a:t>2.807 </a:t>
-            </a:r>
-            <a:endParaRPr lang="en-US" dirty="0"/>
-          </a:p>
-          <a:p>
-            <a:pPr lvl="1"/>
-            <a:r>
-              <a:rPr lang="en-US" dirty="0">
-                <a:sym typeface="Symbol" charset="2"/>
-              </a:rPr>
-              <a:t>Running time is </a:t>
-            </a:r>
-            <a:r>
-              <a:rPr lang="en-US" dirty="0">
-                <a:cs typeface="Tahoma" charset="0"/>
-              </a:rPr>
-              <a:t>(</a:t>
-            </a:r>
-            <a:r>
-              <a:rPr lang="en-US" dirty="0"/>
-              <a:t>n</a:t>
-            </a:r>
-            <a:r>
-              <a:rPr lang="en-US" baseline="30000" dirty="0"/>
-              <a:t>log</a:t>
-            </a:r>
-            <a:r>
-              <a:rPr lang="en-US" sz="1800" baseline="30000" dirty="0"/>
-              <a:t>2</a:t>
-            </a:r>
-            <a:r>
-              <a:rPr lang="en-US" baseline="30000" dirty="0"/>
-              <a:t>7</a:t>
-            </a:r>
-            <a:r>
-              <a:rPr lang="en-US" dirty="0"/>
-              <a:t>) = </a:t>
-            </a:r>
-            <a:r>
-              <a:rPr lang="en-US" dirty="0">
-                <a:sym typeface="Symbol" charset="2"/>
-              </a:rPr>
-              <a:t></a:t>
-            </a:r>
-            <a:r>
-              <a:rPr lang="en-US" dirty="0">
-                <a:cs typeface="Tahoma" charset="0"/>
-              </a:rPr>
-              <a:t>(</a:t>
-            </a:r>
-            <a:r>
-              <a:rPr lang="en-US" dirty="0"/>
-              <a:t>n</a:t>
-            </a:r>
-            <a:r>
-              <a:rPr lang="en-US" baseline="30000" dirty="0"/>
-              <a:t>2.807</a:t>
-            </a:r>
-            <a:r>
-              <a:rPr lang="en-US" dirty="0"/>
-              <a:t>)</a:t>
-            </a:r>
-          </a:p>
-          <a:p>
-            <a:pPr lvl="1"/>
-            <a:r>
-              <a:rPr lang="en-US" dirty="0"/>
-              <a:t>Why?  Go back and look at our theorems!</a:t>
-            </a:r>
-          </a:p>
-          <a:p>
-            <a:r>
-              <a:rPr lang="en-US" dirty="0"/>
-              <a:t>Not just a theoretical result: useful for n&gt;50</a:t>
-            </a:r>
-          </a:p>
-          <a:p>
-            <a:pPr lvl="1"/>
-            <a:r>
-              <a:rPr lang="en-US" dirty="0"/>
-              <a:t>And not really time efficient for n&lt;50</a:t>
-            </a:r>
-          </a:p>
-          <a:p>
-            <a:r>
-              <a:rPr lang="en-US" dirty="0"/>
-              <a:t>Better result later: </a:t>
-            </a:r>
-            <a:r>
-              <a:rPr lang="en-US" dirty="0">
-                <a:sym typeface="Symbol" charset="2"/>
-              </a:rPr>
-              <a:t></a:t>
-            </a:r>
-            <a:r>
-              <a:rPr lang="en-US" dirty="0"/>
-              <a:t>(n</a:t>
-            </a:r>
-            <a:r>
-              <a:rPr lang="en-US" baseline="30000" dirty="0"/>
-              <a:t>2.376</a:t>
-            </a:r>
-            <a:r>
-              <a:rPr lang="en-US" dirty="0"/>
-              <a:t>) by Coppersmith &amp; </a:t>
-            </a:r>
-            <a:r>
-              <a:rPr lang="en-US" dirty="0" err="1"/>
-              <a:t>Winograd</a:t>
-            </a:r>
-            <a:endParaRPr lang="en-US" dirty="0"/>
-          </a:p>
-          <a:p>
-            <a:pPr lvl="1"/>
-            <a:r>
-              <a:rPr lang="en-US" dirty="0"/>
-              <a:t>But the big-Theta constant is so large that to see a speedup, you need matrices that are too large for </a:t>
-            </a:r>
-            <a:r>
-              <a:rPr lang="en-US" i="1" dirty="0"/>
-              <a:t>modern day computers</a:t>
-            </a:r>
-            <a:r>
-              <a:rPr lang="en-US" dirty="0"/>
-              <a:t> to handle</a:t>
-            </a:r>
-          </a:p>
-        </p:txBody>
-      </p:sp>
     </p:spTree>
   </p:cSld>
   <p:clrMapOvr>
@@ -20836,9 +20743,9 @@
       </p:grpSpPr>
       <p:sp>
         <p:nvSpPr>
-          <p:cNvPr id="4" name="Title 3"/>
-          <p:cNvSpPr>
-            <a:spLocks noGrp="1"/>
+          <p:cNvPr id="39938" name="Rectangle 2"/>
+          <p:cNvSpPr>
+            <a:spLocks noGrp="1" noChangeArrowheads="1"/>
           </p:cNvSpPr>
           <p:nvPr>
             <p:ph type="title"/>
@@ -20850,34 +20757,15 @@
           <a:lstStyle/>
           <a:p>
             <a:r>
-              <a:rPr lang="en-US" dirty="0"/>
-              <a:t>Conclusion</a:t>
-            </a:r>
-          </a:p>
-        </p:txBody>
-      </p:sp>
-      <p:sp>
-        <p:nvSpPr>
-          <p:cNvPr id="5" name="Text Placeholder 4"/>
-          <p:cNvSpPr>
-            <a:spLocks noGrp="1"/>
-          </p:cNvSpPr>
-          <p:nvPr>
-            <p:ph type="body" idx="1"/>
-          </p:nvPr>
-        </p:nvSpPr>
-        <p:spPr/>
-        <p:txBody>
-          <a:bodyPr/>
-          <a:lstStyle/>
-          <a:p>
-            <a:endParaRPr lang="en-US"/>
-          </a:p>
-        </p:txBody>
-      </p:sp>
-      <p:sp>
-        <p:nvSpPr>
-          <p:cNvPr id="6" name="Slide Number Placeholder 5"/>
+              <a:rPr lang="en-US"/>
+              <a:t>Strassen’s Matrix Multiplication</a:t>
+            </a:r>
+          </a:p>
+        </p:txBody>
+      </p:sp>
+      <p:sp>
+        <p:nvSpPr>
+          <p:cNvPr id="4" name="Slide Number Placeholder 3"/>
           <p:cNvSpPr>
             <a:spLocks noGrp="1"/>
           </p:cNvSpPr>
@@ -20896,6 +20784,224 @@
               <a:t>57</a:t>
             </a:fld>
             <a:endParaRPr lang="en-US"/>
+          </a:p>
+        </p:txBody>
+      </p:sp>
+      <p:sp>
+        <p:nvSpPr>
+          <p:cNvPr id="39939" name="Rectangle 3"/>
+          <p:cNvSpPr>
+            <a:spLocks noGrp="1" noChangeArrowheads="1"/>
+          </p:cNvSpPr>
+          <p:nvPr>
+            <p:ph sz="quarter" idx="1"/>
+          </p:nvPr>
+        </p:nvSpPr>
+        <p:spPr>
+          <a:xfrm>
+            <a:off x="457200" y="1219199"/>
+            <a:ext cx="8229600" cy="5386873"/>
+          </a:xfrm>
+        </p:spPr>
+        <p:txBody>
+          <a:bodyPr>
+            <a:normAutofit/>
+          </a:bodyPr>
+          <a:lstStyle/>
+          <a:p>
+            <a:r>
+              <a:rPr lang="en-US" dirty="0"/>
+              <a:t>Important fact (for us)</a:t>
+            </a:r>
+          </a:p>
+          <a:p>
+            <a:pPr lvl="1"/>
+            <a:r>
+              <a:rPr lang="en-US" dirty="0"/>
+              <a:t>Just needs 7 multiplications of n/2 size matrices, not 8</a:t>
+            </a:r>
+          </a:p>
+          <a:p>
+            <a:pPr lvl="1"/>
+            <a:r>
+              <a:rPr lang="en-US" dirty="0"/>
+              <a:t>Also requires </a:t>
+            </a:r>
+            <a:r>
+              <a:rPr lang="en-US" dirty="0">
+                <a:sym typeface="Symbol" charset="2"/>
+              </a:rPr>
+              <a:t></a:t>
+            </a:r>
+            <a:r>
+              <a:rPr lang="en-US" dirty="0">
+                <a:cs typeface="Tahoma" charset="0"/>
+              </a:rPr>
+              <a:t>(</a:t>
+            </a:r>
+            <a:r>
+              <a:rPr lang="en-US" dirty="0"/>
+              <a:t>n</a:t>
+            </a:r>
+            <a:r>
+              <a:rPr lang="en-US" baseline="30000" dirty="0"/>
+              <a:t>2</a:t>
+            </a:r>
+            <a:r>
+              <a:rPr lang="en-US" dirty="0"/>
+              <a:t>) arithmetical operations</a:t>
+            </a:r>
+          </a:p>
+          <a:p>
+            <a:pPr lvl="1"/>
+            <a:r>
+              <a:rPr lang="en-US" dirty="0"/>
+              <a:t>T(n) = 7T(n/2) + n</a:t>
+            </a:r>
+            <a:r>
+              <a:rPr lang="en-US" baseline="30000" dirty="0"/>
+              <a:t>2 </a:t>
+            </a:r>
+            <a:r>
+              <a:rPr lang="en-US" dirty="0"/>
+              <a:t>= n</a:t>
+            </a:r>
+            <a:r>
+              <a:rPr lang="en-US" baseline="30000" dirty="0"/>
+              <a:t>lg7</a:t>
+            </a:r>
+            <a:r>
+              <a:rPr lang="en-US" dirty="0"/>
+              <a:t> = n</a:t>
+            </a:r>
+            <a:r>
+              <a:rPr lang="en-US" baseline="30000" dirty="0"/>
+              <a:t>2.807 </a:t>
+            </a:r>
+            <a:endParaRPr lang="en-US" dirty="0"/>
+          </a:p>
+          <a:p>
+            <a:pPr lvl="1"/>
+            <a:r>
+              <a:rPr lang="en-US" dirty="0">
+                <a:sym typeface="Symbol" charset="2"/>
+              </a:rPr>
+              <a:t>Running time is </a:t>
+            </a:r>
+            <a:r>
+              <a:rPr lang="en-US" dirty="0">
+                <a:cs typeface="Tahoma" charset="0"/>
+              </a:rPr>
+              <a:t>(</a:t>
+            </a:r>
+            <a:r>
+              <a:rPr lang="en-US" dirty="0"/>
+              <a:t>n</a:t>
+            </a:r>
+            <a:r>
+              <a:rPr lang="en-US" baseline="30000" dirty="0"/>
+              <a:t>log</a:t>
+            </a:r>
+            <a:r>
+              <a:rPr lang="en-US" sz="1800" baseline="30000" dirty="0"/>
+              <a:t>2</a:t>
+            </a:r>
+            <a:r>
+              <a:rPr lang="en-US" baseline="30000" dirty="0"/>
+              <a:t>7</a:t>
+            </a:r>
+            <a:r>
+              <a:rPr lang="en-US" dirty="0"/>
+              <a:t>) = </a:t>
+            </a:r>
+            <a:r>
+              <a:rPr lang="en-US" dirty="0">
+                <a:sym typeface="Symbol" charset="2"/>
+              </a:rPr>
+              <a:t></a:t>
+            </a:r>
+            <a:r>
+              <a:rPr lang="en-US" dirty="0">
+                <a:cs typeface="Tahoma" charset="0"/>
+              </a:rPr>
+              <a:t>(</a:t>
+            </a:r>
+            <a:r>
+              <a:rPr lang="en-US" dirty="0"/>
+              <a:t>n</a:t>
+            </a:r>
+            <a:r>
+              <a:rPr lang="en-US" baseline="30000" dirty="0"/>
+              <a:t>2.807</a:t>
+            </a:r>
+            <a:r>
+              <a:rPr lang="en-US" dirty="0"/>
+              <a:t>)</a:t>
+            </a:r>
+          </a:p>
+          <a:p>
+            <a:pPr lvl="1"/>
+            <a:r>
+              <a:rPr lang="en-US" dirty="0"/>
+              <a:t>Why?  Go back and look at our theorems!</a:t>
+            </a:r>
+          </a:p>
+          <a:p>
+            <a:r>
+              <a:rPr lang="en-US" dirty="0"/>
+              <a:t>Not just a theoretical result: useful for n&gt;50</a:t>
+            </a:r>
+          </a:p>
+          <a:p>
+            <a:pPr lvl="1"/>
+            <a:r>
+              <a:rPr lang="en-US" dirty="0"/>
+              <a:t>And not really time efficient for n&lt;50</a:t>
+            </a:r>
+          </a:p>
+          <a:p>
+            <a:r>
+              <a:rPr lang="en-US" dirty="0"/>
+              <a:t>Better result later: </a:t>
+            </a:r>
+            <a:r>
+              <a:rPr lang="en-US" dirty="0">
+                <a:sym typeface="Symbol" charset="2"/>
+              </a:rPr>
+              <a:t></a:t>
+            </a:r>
+            <a:r>
+              <a:rPr lang="en-US" dirty="0"/>
+              <a:t>(n</a:t>
+            </a:r>
+            <a:r>
+              <a:rPr lang="en-US" baseline="30000" dirty="0"/>
+              <a:t>2.376</a:t>
+            </a:r>
+            <a:r>
+              <a:rPr lang="en-US" dirty="0"/>
+              <a:t>) by Coppersmith &amp; </a:t>
+            </a:r>
+            <a:r>
+              <a:rPr lang="en-US" dirty="0" err="1"/>
+              <a:t>Winograd</a:t>
+            </a:r>
+            <a:endParaRPr lang="en-US" dirty="0"/>
+          </a:p>
+          <a:p>
+            <a:pPr lvl="1"/>
+            <a:r>
+              <a:rPr lang="en-US" dirty="0"/>
+              <a:t>But the big-Theta constant is so large that to see a speedup, you need matrices that are too large for </a:t>
+            </a:r>
+            <a:r>
+              <a:rPr lang="en-US" i="1" dirty="0"/>
+              <a:t>modern day computers</a:t>
+            </a:r>
+            <a:r>
+              <a:rPr lang="en-US" dirty="0"/>
+              <a:t> to handle</a:t>
+            </a:r>
           </a:p>
         </p:txBody>
       </p:sp>
@@ -20926,9 +21032,9 @@
       </p:grpSpPr>
       <p:sp>
         <p:nvSpPr>
-          <p:cNvPr id="40962" name="Rectangle 2"/>
-          <p:cNvSpPr>
-            <a:spLocks noGrp="1" noChangeArrowheads="1"/>
+          <p:cNvPr id="4" name="Title 3"/>
+          <p:cNvSpPr>
+            <a:spLocks noGrp="1"/>
           </p:cNvSpPr>
           <p:nvPr>
             <p:ph type="title"/>
@@ -20940,15 +21046,34 @@
           <a:lstStyle/>
           <a:p>
             <a:r>
-              <a:rPr lang="en-US"/>
-              <a:t>Divide and  Conquer: Bottom-line</a:t>
-            </a:r>
-          </a:p>
-        </p:txBody>
-      </p:sp>
-      <p:sp>
-        <p:nvSpPr>
-          <p:cNvPr id="4" name="Slide Number Placeholder 3"/>
+              <a:rPr lang="en-US" dirty="0"/>
+              <a:t>Conclusion</a:t>
+            </a:r>
+          </a:p>
+        </p:txBody>
+      </p:sp>
+      <p:sp>
+        <p:nvSpPr>
+          <p:cNvPr id="5" name="Text Placeholder 4"/>
+          <p:cNvSpPr>
+            <a:spLocks noGrp="1"/>
+          </p:cNvSpPr>
+          <p:nvPr>
+            <p:ph type="body" idx="1"/>
+          </p:nvPr>
+        </p:nvSpPr>
+        <p:spPr/>
+        <p:txBody>
+          <a:bodyPr/>
+          <a:lstStyle/>
+          <a:p>
+            <a:endParaRPr lang="en-US"/>
+          </a:p>
+        </p:txBody>
+      </p:sp>
+      <p:sp>
+        <p:nvSpPr>
+          <p:cNvPr id="6" name="Slide Number Placeholder 5"/>
           <p:cNvSpPr>
             <a:spLocks noGrp="1"/>
           </p:cNvSpPr>
@@ -20965,6 +21090,77 @@
               <a:rPr lang="en-US" smtClean="0"/>
               <a:pPr/>
               <a:t>58</a:t>
+            </a:fld>
+            <a:endParaRPr lang="en-US"/>
+          </a:p>
+        </p:txBody>
+      </p:sp>
+    </p:spTree>
+  </p:cSld>
+  <p:clrMapOvr>
+    <a:masterClrMapping/>
+  </p:clrMapOvr>
+</p:sld>
+</file>
+
+<file path=ppt/slides/slide59.xml><?xml version="1.0" encoding="utf-8"?>
+<p:sld xmlns:a="http://schemas.openxmlformats.org/drawingml/2006/main" xmlns:r="http://schemas.openxmlformats.org/officeDocument/2006/relationships" xmlns:p="http://schemas.openxmlformats.org/presentationml/2006/main">
+  <p:cSld>
+    <p:spTree>
+      <p:nvGrpSpPr>
+        <p:cNvPr id="1" name=""/>
+        <p:cNvGrpSpPr/>
+        <p:nvPr/>
+      </p:nvGrpSpPr>
+      <p:grpSpPr>
+        <a:xfrm>
+          <a:off x="0" y="0"/>
+          <a:ext cx="0" cy="0"/>
+          <a:chOff x="0" y="0"/>
+          <a:chExt cx="0" cy="0"/>
+        </a:xfrm>
+      </p:grpSpPr>
+      <p:sp>
+        <p:nvSpPr>
+          <p:cNvPr id="40962" name="Rectangle 2"/>
+          <p:cNvSpPr>
+            <a:spLocks noGrp="1" noChangeArrowheads="1"/>
+          </p:cNvSpPr>
+          <p:nvPr>
+            <p:ph type="title"/>
+          </p:nvPr>
+        </p:nvSpPr>
+        <p:spPr/>
+        <p:txBody>
+          <a:bodyPr/>
+          <a:lstStyle/>
+          <a:p>
+            <a:r>
+              <a:rPr lang="en-US"/>
+              <a:t>Divide and  Conquer: Bottom-line</a:t>
+            </a:r>
+          </a:p>
+        </p:txBody>
+      </p:sp>
+      <p:sp>
+        <p:nvSpPr>
+          <p:cNvPr id="4" name="Slide Number Placeholder 3"/>
+          <p:cNvSpPr>
+            <a:spLocks noGrp="1"/>
+          </p:cNvSpPr>
+          <p:nvPr>
+            <p:ph type="sldNum" sz="quarter" idx="12"/>
+          </p:nvPr>
+        </p:nvSpPr>
+        <p:spPr/>
+        <p:txBody>
+          <a:bodyPr/>
+          <a:lstStyle/>
+          <a:p>
+            <a:fld id="{0E0CE5E1-73E6-4EC0-A549-568A23C84235}" type="slidenum">
+              <a:rPr lang="en-US" smtClean="0"/>
+              <a:pPr/>
+              <a:t>59</a:t>
             </a:fld>
             <a:endParaRPr lang="en-US"/>
           </a:p>
